--- a/Updates/2023_12_08_SP500_MisaelMorales.pptx
+++ b/Updates/2023_12_08_SP500_MisaelMorales.pptx
@@ -5,21 +5,20 @@
     <p:sldMasterId id="2147483648" r:id="rId1"/>
   </p:sldMasterIdLst>
   <p:notesMasterIdLst>
-    <p:notesMasterId r:id="rId14"/>
+    <p:notesMasterId r:id="rId13"/>
   </p:notesMasterIdLst>
   <p:sldIdLst>
     <p:sldId id="256" r:id="rId2"/>
     <p:sldId id="257" r:id="rId3"/>
     <p:sldId id="258" r:id="rId4"/>
     <p:sldId id="259" r:id="rId5"/>
-    <p:sldId id="260" r:id="rId6"/>
-    <p:sldId id="261" r:id="rId7"/>
-    <p:sldId id="262" r:id="rId8"/>
-    <p:sldId id="263" r:id="rId9"/>
-    <p:sldId id="264" r:id="rId10"/>
-    <p:sldId id="265" r:id="rId11"/>
-    <p:sldId id="267" r:id="rId12"/>
-    <p:sldId id="266" r:id="rId13"/>
+    <p:sldId id="262" r:id="rId6"/>
+    <p:sldId id="260" r:id="rId7"/>
+    <p:sldId id="264" r:id="rId8"/>
+    <p:sldId id="268" r:id="rId9"/>
+    <p:sldId id="265" r:id="rId10"/>
+    <p:sldId id="267" r:id="rId11"/>
+    <p:sldId id="266" r:id="rId12"/>
   </p:sldIdLst>
   <p:sldSz cx="12192000" cy="6858000"/>
   <p:notesSz cx="6858000" cy="9144000"/>
@@ -129,7 +128,7 @@
 <file path=ppt/revisionInfo.xml><?xml version="1.0" encoding="utf-8"?>
 <p1510:revInfo xmlns:a="http://schemas.openxmlformats.org/drawingml/2006/main" xmlns:r="http://schemas.openxmlformats.org/officeDocument/2006/relationships" xmlns:p1510="http://schemas.microsoft.com/office/powerpoint/2015/10/main">
   <p1510:revLst>
-    <p1510:client id="{F10F0C4B-1D2D-4121-BDC4-782DDA355896}" v="280" dt="2023-11-30T05:07:27.459"/>
+    <p1510:client id="{F10F0C4B-1D2D-4121-BDC4-782DDA355896}" v="505" dt="2023-12-07T00:41:00.283"/>
   </p1510:revLst>
 </p1510:revInfo>
 </file>
@@ -596,7 +595,7 @@
   <pc:docChgLst>
     <pc:chgData name="Morales, Misael M" userId="1d0ead06-f695-4fa0-9a14-d29dc7a06678" providerId="ADAL" clId="{F10F0C4B-1D2D-4121-BDC4-782DDA355896}"/>
     <pc:docChg chg="undo custSel addSld delSld modSld sldOrd">
-      <pc:chgData name="Morales, Misael M" userId="1d0ead06-f695-4fa0-9a14-d29dc7a06678" providerId="ADAL" clId="{F10F0C4B-1D2D-4121-BDC4-782DDA355896}" dt="2023-11-30T05:07:53.182" v="1003" actId="47"/>
+      <pc:chgData name="Morales, Misael M" userId="1d0ead06-f695-4fa0-9a14-d29dc7a06678" providerId="ADAL" clId="{F10F0C4B-1D2D-4121-BDC4-782DDA355896}" dt="2023-12-07T00:41:00.277" v="1431" actId="207"/>
       <pc:docMkLst>
         <pc:docMk/>
       </pc:docMkLst>
@@ -716,23 +715,39 @@
           </ac:picMkLst>
         </pc:picChg>
       </pc:sldChg>
-      <pc:sldChg chg="addSp new mod">
-        <pc:chgData name="Morales, Misael M" userId="1d0ead06-f695-4fa0-9a14-d29dc7a06678" providerId="ADAL" clId="{F10F0C4B-1D2D-4121-BDC4-782DDA355896}" dt="2023-11-30T02:04:24.506" v="95" actId="22"/>
+      <pc:sldChg chg="addSp modSp new mod">
+        <pc:chgData name="Morales, Misael M" userId="1d0ead06-f695-4fa0-9a14-d29dc7a06678" providerId="ADAL" clId="{F10F0C4B-1D2D-4121-BDC4-782DDA355896}" dt="2023-12-07T00:28:30.749" v="1032" actId="1076"/>
         <pc:sldMkLst>
           <pc:docMk/>
           <pc:sldMk cId="1741293462" sldId="260"/>
         </pc:sldMkLst>
-        <pc:picChg chg="add">
-          <ac:chgData name="Morales, Misael M" userId="1d0ead06-f695-4fa0-9a14-d29dc7a06678" providerId="ADAL" clId="{F10F0C4B-1D2D-4121-BDC4-782DDA355896}" dt="2023-11-30T02:04:24.506" v="95" actId="22"/>
+        <pc:picChg chg="add mod">
+          <ac:chgData name="Morales, Misael M" userId="1d0ead06-f695-4fa0-9a14-d29dc7a06678" providerId="ADAL" clId="{F10F0C4B-1D2D-4121-BDC4-782DDA355896}" dt="2023-12-07T00:27:09.894" v="1012" actId="1076"/>
+          <ac:picMkLst>
+            <pc:docMk/>
+            <pc:sldMk cId="1741293462" sldId="260"/>
+            <ac:picMk id="3" creationId="{092B7770-0DE7-6B3E-6F82-61A7626DA918}"/>
+          </ac:picMkLst>
+        </pc:picChg>
+        <pc:picChg chg="add mod">
+          <ac:chgData name="Morales, Misael M" userId="1d0ead06-f695-4fa0-9a14-d29dc7a06678" providerId="ADAL" clId="{F10F0C4B-1D2D-4121-BDC4-782DDA355896}" dt="2023-12-07T00:27:08.520" v="1011" actId="1076"/>
           <ac:picMkLst>
             <pc:docMk/>
             <pc:sldMk cId="1741293462" sldId="260"/>
             <ac:picMk id="4" creationId="{A2766DEA-ADFE-9D30-4CC6-AEC107AEBF67}"/>
           </ac:picMkLst>
         </pc:picChg>
+        <pc:cxnChg chg="add mod">
+          <ac:chgData name="Morales, Misael M" userId="1d0ead06-f695-4fa0-9a14-d29dc7a06678" providerId="ADAL" clId="{F10F0C4B-1D2D-4121-BDC4-782DDA355896}" dt="2023-12-07T00:28:30.749" v="1032" actId="1076"/>
+          <ac:cxnSpMkLst>
+            <pc:docMk/>
+            <pc:sldMk cId="1741293462" sldId="260"/>
+            <ac:cxnSpMk id="5" creationId="{F2CD4C92-CAB7-30EF-D7CA-2A2AF5229848}"/>
+          </ac:cxnSpMkLst>
+        </pc:cxnChg>
       </pc:sldChg>
-      <pc:sldChg chg="addSp new mod">
-        <pc:chgData name="Morales, Misael M" userId="1d0ead06-f695-4fa0-9a14-d29dc7a06678" providerId="ADAL" clId="{F10F0C4B-1D2D-4121-BDC4-782DDA355896}" dt="2023-11-30T02:05:48.041" v="97" actId="22"/>
+      <pc:sldChg chg="addSp new del mod">
+        <pc:chgData name="Morales, Misael M" userId="1d0ead06-f695-4fa0-9a14-d29dc7a06678" providerId="ADAL" clId="{F10F0C4B-1D2D-4121-BDC4-782DDA355896}" dt="2023-12-07T00:27:15.674" v="1013" actId="47"/>
         <pc:sldMkLst>
           <pc:docMk/>
           <pc:sldMk cId="4262906838" sldId="261"/>
@@ -746,29 +761,45 @@
           </ac:picMkLst>
         </pc:picChg>
       </pc:sldChg>
-      <pc:sldChg chg="addSp new mod">
-        <pc:chgData name="Morales, Misael M" userId="1d0ead06-f695-4fa0-9a14-d29dc7a06678" providerId="ADAL" clId="{F10F0C4B-1D2D-4121-BDC4-782DDA355896}" dt="2023-11-30T02:11:17.092" v="99" actId="22"/>
+      <pc:sldChg chg="addSp modSp new mod ord">
+        <pc:chgData name="Morales, Misael M" userId="1d0ead06-f695-4fa0-9a14-d29dc7a06678" providerId="ADAL" clId="{F10F0C4B-1D2D-4121-BDC4-782DDA355896}" dt="2023-12-07T00:28:34.873" v="1033" actId="1076"/>
         <pc:sldMkLst>
           <pc:docMk/>
           <pc:sldMk cId="4292982981" sldId="262"/>
         </pc:sldMkLst>
-        <pc:picChg chg="add">
-          <ac:chgData name="Morales, Misael M" userId="1d0ead06-f695-4fa0-9a14-d29dc7a06678" providerId="ADAL" clId="{F10F0C4B-1D2D-4121-BDC4-782DDA355896}" dt="2023-11-30T02:11:17.092" v="99" actId="22"/>
+        <pc:picChg chg="add mod">
+          <ac:chgData name="Morales, Misael M" userId="1d0ead06-f695-4fa0-9a14-d29dc7a06678" providerId="ADAL" clId="{F10F0C4B-1D2D-4121-BDC4-782DDA355896}" dt="2023-12-07T00:27:58.861" v="1024" actId="14100"/>
+          <ac:picMkLst>
+            <pc:docMk/>
+            <pc:sldMk cId="4292982981" sldId="262"/>
+            <ac:picMk id="3" creationId="{3E7A84FE-5BEA-8705-42D7-96E55DD5F0F3}"/>
+          </ac:picMkLst>
+        </pc:picChg>
+        <pc:picChg chg="add mod">
+          <ac:chgData name="Morales, Misael M" userId="1d0ead06-f695-4fa0-9a14-d29dc7a06678" providerId="ADAL" clId="{F10F0C4B-1D2D-4121-BDC4-782DDA355896}" dt="2023-12-07T00:28:02.208" v="1025" actId="1076"/>
           <ac:picMkLst>
             <pc:docMk/>
             <pc:sldMk cId="4292982981" sldId="262"/>
             <ac:picMk id="4" creationId="{A5FA38BB-241C-A09D-6C10-79406CC4D82F}"/>
           </ac:picMkLst>
         </pc:picChg>
+        <pc:cxnChg chg="add mod">
+          <ac:chgData name="Morales, Misael M" userId="1d0ead06-f695-4fa0-9a14-d29dc7a06678" providerId="ADAL" clId="{F10F0C4B-1D2D-4121-BDC4-782DDA355896}" dt="2023-12-07T00:28:34.873" v="1033" actId="1076"/>
+          <ac:cxnSpMkLst>
+            <pc:docMk/>
+            <pc:sldMk cId="4292982981" sldId="262"/>
+            <ac:cxnSpMk id="6" creationId="{6C24FDCA-DD5F-467E-32D1-6A048C9FC659}"/>
+          </ac:cxnSpMkLst>
+        </pc:cxnChg>
       </pc:sldChg>
-      <pc:sldChg chg="addSp new mod">
-        <pc:chgData name="Morales, Misael M" userId="1d0ead06-f695-4fa0-9a14-d29dc7a06678" providerId="ADAL" clId="{F10F0C4B-1D2D-4121-BDC4-782DDA355896}" dt="2023-11-30T02:13:13.584" v="101" actId="22"/>
+      <pc:sldChg chg="addSp delSp new del mod">
+        <pc:chgData name="Morales, Misael M" userId="1d0ead06-f695-4fa0-9a14-d29dc7a06678" providerId="ADAL" clId="{F10F0C4B-1D2D-4121-BDC4-782DDA355896}" dt="2023-12-07T00:28:08.958" v="1026" actId="47"/>
         <pc:sldMkLst>
           <pc:docMk/>
           <pc:sldMk cId="1851771391" sldId="263"/>
         </pc:sldMkLst>
-        <pc:picChg chg="add">
-          <ac:chgData name="Morales, Misael M" userId="1d0ead06-f695-4fa0-9a14-d29dc7a06678" providerId="ADAL" clId="{F10F0C4B-1D2D-4121-BDC4-782DDA355896}" dt="2023-11-30T02:13:13.584" v="101" actId="22"/>
+        <pc:picChg chg="add del">
+          <ac:chgData name="Morales, Misael M" userId="1d0ead06-f695-4fa0-9a14-d29dc7a06678" providerId="ADAL" clId="{F10F0C4B-1D2D-4121-BDC4-782DDA355896}" dt="2023-12-07T00:27:30.905" v="1015" actId="21"/>
           <ac:picMkLst>
             <pc:docMk/>
             <pc:sldMk cId="1851771391" sldId="263"/>
@@ -784,7 +815,7 @@
         </pc:sldMkLst>
       </pc:sldChg>
       <pc:sldChg chg="addSp modSp new mod modClrScheme chgLayout">
-        <pc:chgData name="Morales, Misael M" userId="1d0ead06-f695-4fa0-9a14-d29dc7a06678" providerId="ADAL" clId="{F10F0C4B-1D2D-4121-BDC4-782DDA355896}" dt="2023-11-30T03:28:35.209" v="584" actId="207"/>
+        <pc:chgData name="Morales, Misael M" userId="1d0ead06-f695-4fa0-9a14-d29dc7a06678" providerId="ADAL" clId="{F10F0C4B-1D2D-4121-BDC4-782DDA355896}" dt="2023-12-07T00:29:41.771" v="1083" actId="20577"/>
         <pc:sldMkLst>
           <pc:docMk/>
           <pc:sldMk cId="2724077169" sldId="264"/>
@@ -806,7 +837,7 @@
           </ac:spMkLst>
         </pc:spChg>
         <pc:spChg chg="add mod ord">
-          <ac:chgData name="Morales, Misael M" userId="1d0ead06-f695-4fa0-9a14-d29dc7a06678" providerId="ADAL" clId="{F10F0C4B-1D2D-4121-BDC4-782DDA355896}" dt="2023-11-30T03:28:35.209" v="584" actId="207"/>
+          <ac:chgData name="Morales, Misael M" userId="1d0ead06-f695-4fa0-9a14-d29dc7a06678" providerId="ADAL" clId="{F10F0C4B-1D2D-4121-BDC4-782DDA355896}" dt="2023-12-07T00:29:41.771" v="1083" actId="20577"/>
           <ac:spMkLst>
             <pc:docMk/>
             <pc:sldMk cId="2724077169" sldId="264"/>
@@ -977,13 +1008,13 @@
         </pc:sldMkLst>
       </pc:sldChg>
       <pc:sldChg chg="addSp delSp modSp new mod">
-        <pc:chgData name="Morales, Misael M" userId="1d0ead06-f695-4fa0-9a14-d29dc7a06678" providerId="ADAL" clId="{F10F0C4B-1D2D-4121-BDC4-782DDA355896}" dt="2023-11-30T04:15:59.726" v="995" actId="20577"/>
+        <pc:chgData name="Morales, Misael M" userId="1d0ead06-f695-4fa0-9a14-d29dc7a06678" providerId="ADAL" clId="{F10F0C4B-1D2D-4121-BDC4-782DDA355896}" dt="2023-12-07T00:34:51.212" v="1167" actId="1076"/>
         <pc:sldMkLst>
           <pc:docMk/>
           <pc:sldMk cId="3558366493" sldId="267"/>
         </pc:sldMkLst>
         <pc:spChg chg="add mod">
-          <ac:chgData name="Morales, Misael M" userId="1d0ead06-f695-4fa0-9a14-d29dc7a06678" providerId="ADAL" clId="{F10F0C4B-1D2D-4121-BDC4-782DDA355896}" dt="2023-11-30T04:08:23.261" v="695" actId="165"/>
+          <ac:chgData name="Morales, Misael M" userId="1d0ead06-f695-4fa0-9a14-d29dc7a06678" providerId="ADAL" clId="{F10F0C4B-1D2D-4121-BDC4-782DDA355896}" dt="2023-12-07T00:34:14.350" v="1146" actId="338"/>
           <ac:spMkLst>
             <pc:docMk/>
             <pc:sldMk cId="3558366493" sldId="267"/>
@@ -991,7 +1022,7 @@
           </ac:spMkLst>
         </pc:spChg>
         <pc:spChg chg="add mod">
-          <ac:chgData name="Morales, Misael M" userId="1d0ead06-f695-4fa0-9a14-d29dc7a06678" providerId="ADAL" clId="{F10F0C4B-1D2D-4121-BDC4-782DDA355896}" dt="2023-11-30T04:08:23.261" v="695" actId="165"/>
+          <ac:chgData name="Morales, Misael M" userId="1d0ead06-f695-4fa0-9a14-d29dc7a06678" providerId="ADAL" clId="{F10F0C4B-1D2D-4121-BDC4-782DDA355896}" dt="2023-12-07T00:34:14.350" v="1146" actId="338"/>
           <ac:spMkLst>
             <pc:docMk/>
             <pc:sldMk cId="3558366493" sldId="267"/>
@@ -999,7 +1030,7 @@
           </ac:spMkLst>
         </pc:spChg>
         <pc:spChg chg="add mod">
-          <ac:chgData name="Morales, Misael M" userId="1d0ead06-f695-4fa0-9a14-d29dc7a06678" providerId="ADAL" clId="{F10F0C4B-1D2D-4121-BDC4-782DDA355896}" dt="2023-11-30T04:15:09.385" v="978" actId="20577"/>
+          <ac:chgData name="Morales, Misael M" userId="1d0ead06-f695-4fa0-9a14-d29dc7a06678" providerId="ADAL" clId="{F10F0C4B-1D2D-4121-BDC4-782DDA355896}" dt="2023-12-07T00:34:14.350" v="1146" actId="338"/>
           <ac:spMkLst>
             <pc:docMk/>
             <pc:sldMk cId="3558366493" sldId="267"/>
@@ -1007,7 +1038,7 @@
           </ac:spMkLst>
         </pc:spChg>
         <pc:spChg chg="add del mod topLvl">
-          <ac:chgData name="Morales, Misael M" userId="1d0ead06-f695-4fa0-9a14-d29dc7a06678" providerId="ADAL" clId="{F10F0C4B-1D2D-4121-BDC4-782DDA355896}" dt="2023-11-30T04:08:30.610" v="698" actId="164"/>
+          <ac:chgData name="Morales, Misael M" userId="1d0ead06-f695-4fa0-9a14-d29dc7a06678" providerId="ADAL" clId="{F10F0C4B-1D2D-4121-BDC4-782DDA355896}" dt="2023-12-07T00:34:16.556" v="1147" actId="164"/>
           <ac:spMkLst>
             <pc:docMk/>
             <pc:sldMk cId="3558366493" sldId="267"/>
@@ -1015,7 +1046,7 @@
           </ac:spMkLst>
         </pc:spChg>
         <pc:spChg chg="add mod topLvl">
-          <ac:chgData name="Morales, Misael M" userId="1d0ead06-f695-4fa0-9a14-d29dc7a06678" providerId="ADAL" clId="{F10F0C4B-1D2D-4121-BDC4-782DDA355896}" dt="2023-11-30T04:15:27.624" v="987" actId="20577"/>
+          <ac:chgData name="Morales, Misael M" userId="1d0ead06-f695-4fa0-9a14-d29dc7a06678" providerId="ADAL" clId="{F10F0C4B-1D2D-4121-BDC4-782DDA355896}" dt="2023-12-07T00:34:16.556" v="1147" actId="164"/>
           <ac:spMkLst>
             <pc:docMk/>
             <pc:sldMk cId="3558366493" sldId="267"/>
@@ -1023,15 +1054,23 @@
           </ac:spMkLst>
         </pc:spChg>
         <pc:spChg chg="add mod topLvl">
-          <ac:chgData name="Morales, Misael M" userId="1d0ead06-f695-4fa0-9a14-d29dc7a06678" providerId="ADAL" clId="{F10F0C4B-1D2D-4121-BDC4-782DDA355896}" dt="2023-11-30T04:08:30.610" v="698" actId="164"/>
+          <ac:chgData name="Morales, Misael M" userId="1d0ead06-f695-4fa0-9a14-d29dc7a06678" providerId="ADAL" clId="{F10F0C4B-1D2D-4121-BDC4-782DDA355896}" dt="2023-12-07T00:34:16.556" v="1147" actId="164"/>
           <ac:spMkLst>
             <pc:docMk/>
             <pc:sldMk cId="3558366493" sldId="267"/>
             <ac:spMk id="9" creationId="{B0F1045A-213F-B69D-AC35-F22B1519E13C}"/>
           </ac:spMkLst>
         </pc:spChg>
+        <pc:spChg chg="add mod">
+          <ac:chgData name="Morales, Misael M" userId="1d0ead06-f695-4fa0-9a14-d29dc7a06678" providerId="ADAL" clId="{F10F0C4B-1D2D-4121-BDC4-782DDA355896}" dt="2023-12-07T00:34:16.556" v="1147" actId="164"/>
+          <ac:spMkLst>
+            <pc:docMk/>
+            <pc:sldMk cId="3558366493" sldId="267"/>
+            <ac:spMk id="10" creationId="{C365D27A-F9FD-3F26-2CE2-75F0C859FBB3}"/>
+          </ac:spMkLst>
+        </pc:spChg>
         <pc:spChg chg="mod topLvl">
-          <ac:chgData name="Morales, Misael M" userId="1d0ead06-f695-4fa0-9a14-d29dc7a06678" providerId="ADAL" clId="{F10F0C4B-1D2D-4121-BDC4-782DDA355896}" dt="2023-11-30T04:08:30.610" v="698" actId="164"/>
+          <ac:chgData name="Morales, Misael M" userId="1d0ead06-f695-4fa0-9a14-d29dc7a06678" providerId="ADAL" clId="{F10F0C4B-1D2D-4121-BDC4-782DDA355896}" dt="2023-12-07T00:34:16.556" v="1147" actId="164"/>
           <ac:spMkLst>
             <pc:docMk/>
             <pc:sldMk cId="3558366493" sldId="267"/>
@@ -1054,6 +1093,14 @@
             <ac:spMk id="13" creationId="{A5BCC2C5-1250-00E5-A3AE-40A489821D04}"/>
           </ac:spMkLst>
         </pc:spChg>
+        <pc:spChg chg="add mod">
+          <ac:chgData name="Morales, Misael M" userId="1d0ead06-f695-4fa0-9a14-d29dc7a06678" providerId="ADAL" clId="{F10F0C4B-1D2D-4121-BDC4-782DDA355896}" dt="2023-12-07T00:34:51.212" v="1167" actId="1076"/>
+          <ac:spMkLst>
+            <pc:docMk/>
+            <pc:sldMk cId="3558366493" sldId="267"/>
+            <ac:spMk id="16" creationId="{50E21349-7487-FFA4-4FD3-4E27E8A2CF19}"/>
+          </ac:spMkLst>
+        </pc:spChg>
         <pc:spChg chg="mod">
           <ac:chgData name="Morales, Misael M" userId="1d0ead06-f695-4fa0-9a14-d29dc7a06678" providerId="ADAL" clId="{F10F0C4B-1D2D-4121-BDC4-782DDA355896}" dt="2023-11-30T04:08:42.689" v="701"/>
           <ac:spMkLst>
@@ -1103,7 +1150,7 @@
           </ac:spMkLst>
         </pc:spChg>
         <pc:spChg chg="add mod topLvl">
-          <ac:chgData name="Morales, Misael M" userId="1d0ead06-f695-4fa0-9a14-d29dc7a06678" providerId="ADAL" clId="{F10F0C4B-1D2D-4121-BDC4-782DDA355896}" dt="2023-11-30T04:12:00.314" v="843" actId="164"/>
+          <ac:chgData name="Morales, Misael M" userId="1d0ead06-f695-4fa0-9a14-d29dc7a06678" providerId="ADAL" clId="{F10F0C4B-1D2D-4121-BDC4-782DDA355896}" dt="2023-12-07T00:30:13.655" v="1084" actId="207"/>
           <ac:spMkLst>
             <pc:docMk/>
             <pc:sldMk cId="3558366493" sldId="267"/>
@@ -1111,7 +1158,7 @@
           </ac:spMkLst>
         </pc:spChg>
         <pc:spChg chg="add mod topLvl">
-          <ac:chgData name="Morales, Misael M" userId="1d0ead06-f695-4fa0-9a14-d29dc7a06678" providerId="ADAL" clId="{F10F0C4B-1D2D-4121-BDC4-782DDA355896}" dt="2023-11-30T04:12:00.314" v="843" actId="164"/>
+          <ac:chgData name="Morales, Misael M" userId="1d0ead06-f695-4fa0-9a14-d29dc7a06678" providerId="ADAL" clId="{F10F0C4B-1D2D-4121-BDC4-782DDA355896}" dt="2023-12-07T00:30:20.316" v="1086" actId="207"/>
           <ac:spMkLst>
             <pc:docMk/>
             <pc:sldMk cId="3558366493" sldId="267"/>
@@ -1159,7 +1206,7 @@
           </ac:spMkLst>
         </pc:spChg>
         <pc:spChg chg="add mod">
-          <ac:chgData name="Morales, Misael M" userId="1d0ead06-f695-4fa0-9a14-d29dc7a06678" providerId="ADAL" clId="{F10F0C4B-1D2D-4121-BDC4-782DDA355896}" dt="2023-11-30T04:12:00.314" v="843" actId="164"/>
+          <ac:chgData name="Morales, Misael M" userId="1d0ead06-f695-4fa0-9a14-d29dc7a06678" providerId="ADAL" clId="{F10F0C4B-1D2D-4121-BDC4-782DDA355896}" dt="2023-12-07T00:30:27.263" v="1088" actId="207"/>
           <ac:spMkLst>
             <pc:docMk/>
             <pc:sldMk cId="3558366493" sldId="267"/>
@@ -1175,7 +1222,7 @@
           </ac:spMkLst>
         </pc:spChg>
         <pc:spChg chg="mod">
-          <ac:chgData name="Morales, Misael M" userId="1d0ead06-f695-4fa0-9a14-d29dc7a06678" providerId="ADAL" clId="{F10F0C4B-1D2D-4121-BDC4-782DDA355896}" dt="2023-11-30T04:13:11.998" v="927" actId="20577"/>
+          <ac:chgData name="Morales, Misael M" userId="1d0ead06-f695-4fa0-9a14-d29dc7a06678" providerId="ADAL" clId="{F10F0C4B-1D2D-4121-BDC4-782DDA355896}" dt="2023-12-07T00:30:29.209" v="1089" actId="207"/>
           <ac:spMkLst>
             <pc:docMk/>
             <pc:sldMk cId="3558366493" sldId="267"/>
@@ -1183,7 +1230,7 @@
           </ac:spMkLst>
         </pc:spChg>
         <pc:spChg chg="mod">
-          <ac:chgData name="Morales, Misael M" userId="1d0ead06-f695-4fa0-9a14-d29dc7a06678" providerId="ADAL" clId="{F10F0C4B-1D2D-4121-BDC4-782DDA355896}" dt="2023-11-30T04:13:04.595" v="907" actId="20577"/>
+          <ac:chgData name="Morales, Misael M" userId="1d0ead06-f695-4fa0-9a14-d29dc7a06678" providerId="ADAL" clId="{F10F0C4B-1D2D-4121-BDC4-782DDA355896}" dt="2023-12-07T00:30:22.251" v="1087" actId="207"/>
           <ac:spMkLst>
             <pc:docMk/>
             <pc:sldMk cId="3558366493" sldId="267"/>
@@ -1191,7 +1238,7 @@
           </ac:spMkLst>
         </pc:spChg>
         <pc:spChg chg="mod">
-          <ac:chgData name="Morales, Misael M" userId="1d0ead06-f695-4fa0-9a14-d29dc7a06678" providerId="ADAL" clId="{F10F0C4B-1D2D-4121-BDC4-782DDA355896}" dt="2023-11-30T04:13:08.226" v="917" actId="20577"/>
+          <ac:chgData name="Morales, Misael M" userId="1d0ead06-f695-4fa0-9a14-d29dc7a06678" providerId="ADAL" clId="{F10F0C4B-1D2D-4121-BDC4-782DDA355896}" dt="2023-12-07T00:30:15.654" v="1085" actId="207"/>
           <ac:spMkLst>
             <pc:docMk/>
             <pc:sldMk cId="3558366493" sldId="267"/>
@@ -1215,7 +1262,7 @@
           </ac:spMkLst>
         </pc:spChg>
         <pc:grpChg chg="add mod topLvl">
-          <ac:chgData name="Morales, Misael M" userId="1d0ead06-f695-4fa0-9a14-d29dc7a06678" providerId="ADAL" clId="{F10F0C4B-1D2D-4121-BDC4-782DDA355896}" dt="2023-11-30T04:08:30.610" v="698" actId="164"/>
+          <ac:chgData name="Morales, Misael M" userId="1d0ead06-f695-4fa0-9a14-d29dc7a06678" providerId="ADAL" clId="{F10F0C4B-1D2D-4121-BDC4-782DDA355896}" dt="2023-12-07T00:34:16.556" v="1147" actId="164"/>
           <ac:grpSpMkLst>
             <pc:docMk/>
             <pc:sldMk cId="3558366493" sldId="267"/>
@@ -1230,6 +1277,14 @@
             <ac:grpSpMk id="10" creationId="{67447E79-0168-AA9F-F31F-D91F9CDB1248}"/>
           </ac:grpSpMkLst>
         </pc:grpChg>
+        <pc:grpChg chg="add mod">
+          <ac:chgData name="Morales, Misael M" userId="1d0ead06-f695-4fa0-9a14-d29dc7a06678" providerId="ADAL" clId="{F10F0C4B-1D2D-4121-BDC4-782DDA355896}" dt="2023-12-07T00:34:14.350" v="1146" actId="338"/>
+          <ac:grpSpMkLst>
+            <pc:docMk/>
+            <pc:sldMk cId="3558366493" sldId="267"/>
+            <ac:grpSpMk id="13" creationId="{17D144E8-D79B-3970-8C03-2A91413FBEA4}"/>
+          </ac:grpSpMkLst>
+        </pc:grpChg>
         <pc:grpChg chg="add del mod">
           <ac:chgData name="Morales, Misael M" userId="1d0ead06-f695-4fa0-9a14-d29dc7a06678" providerId="ADAL" clId="{F10F0C4B-1D2D-4121-BDC4-782DDA355896}" dt="2023-11-30T04:08:23.261" v="695" actId="165"/>
           <ac:grpSpMkLst>
@@ -1239,7 +1294,15 @@
           </ac:grpSpMkLst>
         </pc:grpChg>
         <pc:grpChg chg="add mod">
-          <ac:chgData name="Morales, Misael M" userId="1d0ead06-f695-4fa0-9a14-d29dc7a06678" providerId="ADAL" clId="{F10F0C4B-1D2D-4121-BDC4-782DDA355896}" dt="2023-11-30T04:08:36.646" v="700" actId="1076"/>
+          <ac:chgData name="Morales, Misael M" userId="1d0ead06-f695-4fa0-9a14-d29dc7a06678" providerId="ADAL" clId="{F10F0C4B-1D2D-4121-BDC4-782DDA355896}" dt="2023-12-07T00:34:31.787" v="1152" actId="1076"/>
+          <ac:grpSpMkLst>
+            <pc:docMk/>
+            <pc:sldMk cId="3558366493" sldId="267"/>
+            <ac:grpSpMk id="14" creationId="{AF09EE2F-C36B-E31C-F757-4043580CAEEB}"/>
+          </ac:grpSpMkLst>
+        </pc:grpChg>
+        <pc:grpChg chg="add del mod">
+          <ac:chgData name="Morales, Misael M" userId="1d0ead06-f695-4fa0-9a14-d29dc7a06678" providerId="ADAL" clId="{F10F0C4B-1D2D-4121-BDC4-782DDA355896}" dt="2023-12-07T00:34:06.655" v="1144" actId="165"/>
           <ac:grpSpMkLst>
             <pc:docMk/>
             <pc:sldMk cId="3558366493" sldId="267"/>
@@ -1271,7 +1334,7 @@
           </ac:grpSpMkLst>
         </pc:grpChg>
         <pc:grpChg chg="add mod">
-          <ac:chgData name="Morales, Misael M" userId="1d0ead06-f695-4fa0-9a14-d29dc7a06678" providerId="ADAL" clId="{F10F0C4B-1D2D-4121-BDC4-782DDA355896}" dt="2023-11-30T04:14:25.204" v="948" actId="1076"/>
+          <ac:chgData name="Morales, Misael M" userId="1d0ead06-f695-4fa0-9a14-d29dc7a06678" providerId="ADAL" clId="{F10F0C4B-1D2D-4121-BDC4-782DDA355896}" dt="2023-12-07T00:34:16.556" v="1147" actId="164"/>
           <ac:grpSpMkLst>
             <pc:docMk/>
             <pc:sldMk cId="3558366493" sldId="267"/>
@@ -1279,15 +1342,23 @@
           </ac:grpSpMkLst>
         </pc:grpChg>
         <pc:grpChg chg="add mod">
-          <ac:chgData name="Morales, Misael M" userId="1d0ead06-f695-4fa0-9a14-d29dc7a06678" providerId="ADAL" clId="{F10F0C4B-1D2D-4121-BDC4-782DDA355896}" dt="2023-11-30T04:14:25.204" v="948" actId="1076"/>
+          <ac:chgData name="Morales, Misael M" userId="1d0ead06-f695-4fa0-9a14-d29dc7a06678" providerId="ADAL" clId="{F10F0C4B-1D2D-4121-BDC4-782DDA355896}" dt="2023-12-07T00:34:16.556" v="1147" actId="164"/>
           <ac:grpSpMkLst>
             <pc:docMk/>
             <pc:sldMk cId="3558366493" sldId="267"/>
             <ac:grpSpMk id="34" creationId="{04BDBD15-786E-1368-59DE-2B3EFCD926A0}"/>
           </ac:grpSpMkLst>
         </pc:grpChg>
+        <pc:picChg chg="add mod">
+          <ac:chgData name="Morales, Misael M" userId="1d0ead06-f695-4fa0-9a14-d29dc7a06678" providerId="ADAL" clId="{F10F0C4B-1D2D-4121-BDC4-782DDA355896}" dt="2023-12-07T00:34:35.528" v="1154" actId="1076"/>
+          <ac:picMkLst>
+            <pc:docMk/>
+            <pc:sldMk cId="3558366493" sldId="267"/>
+            <ac:picMk id="12" creationId="{0728F11B-097C-CAC1-541F-91A97436A4C4}"/>
+          </ac:picMkLst>
+        </pc:picChg>
         <pc:cxnChg chg="add mod">
-          <ac:chgData name="Morales, Misael M" userId="1d0ead06-f695-4fa0-9a14-d29dc7a06678" providerId="ADAL" clId="{F10F0C4B-1D2D-4121-BDC4-782DDA355896}" dt="2023-11-30T04:14:45.363" v="952" actId="14100"/>
+          <ac:chgData name="Morales, Misael M" userId="1d0ead06-f695-4fa0-9a14-d29dc7a06678" providerId="ADAL" clId="{F10F0C4B-1D2D-4121-BDC4-782DDA355896}" dt="2023-12-07T00:34:16.556" v="1147" actId="164"/>
           <ac:cxnSpMkLst>
             <pc:docMk/>
             <pc:sldMk cId="3558366493" sldId="267"/>
@@ -1295,7 +1366,7 @@
           </ac:cxnSpMkLst>
         </pc:cxnChg>
         <pc:cxnChg chg="add mod">
-          <ac:chgData name="Morales, Misael M" userId="1d0ead06-f695-4fa0-9a14-d29dc7a06678" providerId="ADAL" clId="{F10F0C4B-1D2D-4121-BDC4-782DDA355896}" dt="2023-11-30T04:14:42.622" v="951" actId="14100"/>
+          <ac:chgData name="Morales, Misael M" userId="1d0ead06-f695-4fa0-9a14-d29dc7a06678" providerId="ADAL" clId="{F10F0C4B-1D2D-4121-BDC4-782DDA355896}" dt="2023-12-07T00:34:16.556" v="1147" actId="164"/>
           <ac:cxnSpMkLst>
             <pc:docMk/>
             <pc:sldMk cId="3558366493" sldId="267"/>
@@ -1303,7 +1374,7 @@
           </ac:cxnSpMkLst>
         </pc:cxnChg>
         <pc:cxnChg chg="add mod">
-          <ac:chgData name="Morales, Misael M" userId="1d0ead06-f695-4fa0-9a14-d29dc7a06678" providerId="ADAL" clId="{F10F0C4B-1D2D-4121-BDC4-782DDA355896}" dt="2023-11-30T04:14:37.798" v="950" actId="14100"/>
+          <ac:chgData name="Morales, Misael M" userId="1d0ead06-f695-4fa0-9a14-d29dc7a06678" providerId="ADAL" clId="{F10F0C4B-1D2D-4121-BDC4-782DDA355896}" dt="2023-12-07T00:34:16.556" v="1147" actId="164"/>
           <ac:cxnSpMkLst>
             <pc:docMk/>
             <pc:sldMk cId="3558366493" sldId="267"/>
@@ -1311,7 +1382,7 @@
           </ac:cxnSpMkLst>
         </pc:cxnChg>
         <pc:cxnChg chg="add mod">
-          <ac:chgData name="Morales, Misael M" userId="1d0ead06-f695-4fa0-9a14-d29dc7a06678" providerId="ADAL" clId="{F10F0C4B-1D2D-4121-BDC4-782DDA355896}" dt="2023-11-30T04:14:35.108" v="949" actId="14100"/>
+          <ac:chgData name="Morales, Misael M" userId="1d0ead06-f695-4fa0-9a14-d29dc7a06678" providerId="ADAL" clId="{F10F0C4B-1D2D-4121-BDC4-782DDA355896}" dt="2023-12-07T00:34:16.556" v="1147" actId="164"/>
           <ac:cxnSpMkLst>
             <pc:docMk/>
             <pc:sldMk cId="3558366493" sldId="267"/>
@@ -1333,6 +1404,164 @@
             <ac:picMk id="3" creationId="{BC14B333-9CCE-9B11-5517-2606816A3B5C}"/>
           </ac:picMkLst>
         </pc:picChg>
+      </pc:sldChg>
+      <pc:sldChg chg="addSp delSp modSp new del">
+        <pc:chgData name="Morales, Misael M" userId="1d0ead06-f695-4fa0-9a14-d29dc7a06678" providerId="ADAL" clId="{F10F0C4B-1D2D-4121-BDC4-782DDA355896}" dt="2023-12-07T00:34:38.101" v="1155" actId="47"/>
+        <pc:sldMkLst>
+          <pc:docMk/>
+          <pc:sldMk cId="1064427233" sldId="268"/>
+        </pc:sldMkLst>
+        <pc:picChg chg="add del mod">
+          <ac:chgData name="Morales, Misael M" userId="1d0ead06-f695-4fa0-9a14-d29dc7a06678" providerId="ADAL" clId="{F10F0C4B-1D2D-4121-BDC4-782DDA355896}" dt="2023-12-07T00:33:56.266" v="1140" actId="21"/>
+          <ac:picMkLst>
+            <pc:docMk/>
+            <pc:sldMk cId="1064427233" sldId="268"/>
+            <ac:picMk id="3" creationId="{519970F0-AE4B-130F-7155-124AA2CCA5C2}"/>
+          </ac:picMkLst>
+        </pc:picChg>
+      </pc:sldChg>
+      <pc:sldChg chg="addSp delSp modSp new mod">
+        <pc:chgData name="Morales, Misael M" userId="1d0ead06-f695-4fa0-9a14-d29dc7a06678" providerId="ADAL" clId="{F10F0C4B-1D2D-4121-BDC4-782DDA355896}" dt="2023-12-07T00:41:00.277" v="1431" actId="207"/>
+        <pc:sldMkLst>
+          <pc:docMk/>
+          <pc:sldMk cId="2325373194" sldId="268"/>
+        </pc:sldMkLst>
+        <pc:spChg chg="add mod">
+          <ac:chgData name="Morales, Misael M" userId="1d0ead06-f695-4fa0-9a14-d29dc7a06678" providerId="ADAL" clId="{F10F0C4B-1D2D-4121-BDC4-782DDA355896}" dt="2023-12-07T00:38:41.154" v="1262" actId="164"/>
+          <ac:spMkLst>
+            <pc:docMk/>
+            <pc:sldMk cId="2325373194" sldId="268"/>
+            <ac:spMk id="3" creationId="{9A7B511A-C0DA-9F55-01D2-0F32553AA097}"/>
+          </ac:spMkLst>
+        </pc:spChg>
+        <pc:spChg chg="add mod">
+          <ac:chgData name="Morales, Misael M" userId="1d0ead06-f695-4fa0-9a14-d29dc7a06678" providerId="ADAL" clId="{F10F0C4B-1D2D-4121-BDC4-782DDA355896}" dt="2023-12-07T00:38:41.154" v="1262" actId="164"/>
+          <ac:spMkLst>
+            <pc:docMk/>
+            <pc:sldMk cId="2325373194" sldId="268"/>
+            <ac:spMk id="4" creationId="{E1D699F5-2216-9595-7418-2E43EF1459D7}"/>
+          </ac:spMkLst>
+        </pc:spChg>
+        <pc:spChg chg="add mod">
+          <ac:chgData name="Morales, Misael M" userId="1d0ead06-f695-4fa0-9a14-d29dc7a06678" providerId="ADAL" clId="{F10F0C4B-1D2D-4121-BDC4-782DDA355896}" dt="2023-12-07T00:38:41.154" v="1262" actId="164"/>
+          <ac:spMkLst>
+            <pc:docMk/>
+            <pc:sldMk cId="2325373194" sldId="268"/>
+            <ac:spMk id="33" creationId="{43EC50C3-053B-AF02-F8CF-21870AAAC9FB}"/>
+          </ac:spMkLst>
+        </pc:spChg>
+        <pc:spChg chg="add mod">
+          <ac:chgData name="Morales, Misael M" userId="1d0ead06-f695-4fa0-9a14-d29dc7a06678" providerId="ADAL" clId="{F10F0C4B-1D2D-4121-BDC4-782DDA355896}" dt="2023-12-07T00:38:41.154" v="1262" actId="164"/>
+          <ac:spMkLst>
+            <pc:docMk/>
+            <pc:sldMk cId="2325373194" sldId="268"/>
+            <ac:spMk id="34" creationId="{52A7BD40-65D8-3501-AFAE-6101D622B868}"/>
+          </ac:spMkLst>
+        </pc:spChg>
+        <pc:spChg chg="add mod">
+          <ac:chgData name="Morales, Misael M" userId="1d0ead06-f695-4fa0-9a14-d29dc7a06678" providerId="ADAL" clId="{F10F0C4B-1D2D-4121-BDC4-782DDA355896}" dt="2023-12-07T00:38:41.154" v="1262" actId="164"/>
+          <ac:spMkLst>
+            <pc:docMk/>
+            <pc:sldMk cId="2325373194" sldId="268"/>
+            <ac:spMk id="35" creationId="{2D4C7EA0-5E8B-42C7-42F0-D6C9F39FB6AD}"/>
+          </ac:spMkLst>
+        </pc:spChg>
+        <pc:spChg chg="add del mod">
+          <ac:chgData name="Morales, Misael M" userId="1d0ead06-f695-4fa0-9a14-d29dc7a06678" providerId="ADAL" clId="{F10F0C4B-1D2D-4121-BDC4-782DDA355896}" dt="2023-12-07T00:39:31.434" v="1395" actId="478"/>
+          <ac:spMkLst>
+            <pc:docMk/>
+            <pc:sldMk cId="2325373194" sldId="268"/>
+            <ac:spMk id="36" creationId="{23F46235-CAEC-77CA-87A4-3C56A616EFBE}"/>
+          </ac:spMkLst>
+        </pc:spChg>
+        <pc:spChg chg="add mod">
+          <ac:chgData name="Morales, Misael M" userId="1d0ead06-f695-4fa0-9a14-d29dc7a06678" providerId="ADAL" clId="{F10F0C4B-1D2D-4121-BDC4-782DDA355896}" dt="2023-12-07T00:41:00.277" v="1431" actId="207"/>
+          <ac:spMkLst>
+            <pc:docMk/>
+            <pc:sldMk cId="2325373194" sldId="268"/>
+            <ac:spMk id="38" creationId="{B317B12C-5D50-61E7-42AD-649C9BC517DF}"/>
+          </ac:spMkLst>
+        </pc:spChg>
+        <pc:grpChg chg="add mod">
+          <ac:chgData name="Morales, Misael M" userId="1d0ead06-f695-4fa0-9a14-d29dc7a06678" providerId="ADAL" clId="{F10F0C4B-1D2D-4121-BDC4-782DDA355896}" dt="2023-12-07T00:40:39.134" v="1429" actId="1076"/>
+          <ac:grpSpMkLst>
+            <pc:docMk/>
+            <pc:sldMk cId="2325373194" sldId="268"/>
+            <ac:grpSpMk id="37" creationId="{E66AA6FE-14F8-059E-5F00-C459DE5E51B7}"/>
+          </ac:grpSpMkLst>
+        </pc:grpChg>
+        <pc:cxnChg chg="add mod">
+          <ac:chgData name="Morales, Misael M" userId="1d0ead06-f695-4fa0-9a14-d29dc7a06678" providerId="ADAL" clId="{F10F0C4B-1D2D-4121-BDC4-782DDA355896}" dt="2023-12-07T00:38:41.154" v="1262" actId="164"/>
+          <ac:cxnSpMkLst>
+            <pc:docMk/>
+            <pc:sldMk cId="2325373194" sldId="268"/>
+            <ac:cxnSpMk id="6" creationId="{3BC607D9-3A38-CC6A-8343-5D8B1D029F56}"/>
+          </ac:cxnSpMkLst>
+        </pc:cxnChg>
+        <pc:cxnChg chg="add mod">
+          <ac:chgData name="Morales, Misael M" userId="1d0ead06-f695-4fa0-9a14-d29dc7a06678" providerId="ADAL" clId="{F10F0C4B-1D2D-4121-BDC4-782DDA355896}" dt="2023-12-07T00:38:41.154" v="1262" actId="164"/>
+          <ac:cxnSpMkLst>
+            <pc:docMk/>
+            <pc:sldMk cId="2325373194" sldId="268"/>
+            <ac:cxnSpMk id="7" creationId="{D50963FC-3799-851A-9115-B25108D73809}"/>
+          </ac:cxnSpMkLst>
+        </pc:cxnChg>
+        <pc:cxnChg chg="add mod">
+          <ac:chgData name="Morales, Misael M" userId="1d0ead06-f695-4fa0-9a14-d29dc7a06678" providerId="ADAL" clId="{F10F0C4B-1D2D-4121-BDC4-782DDA355896}" dt="2023-12-07T00:38:41.154" v="1262" actId="164"/>
+          <ac:cxnSpMkLst>
+            <pc:docMk/>
+            <pc:sldMk cId="2325373194" sldId="268"/>
+            <ac:cxnSpMk id="11" creationId="{0DE0545A-14EB-BAD4-727B-0DACD0B4B104}"/>
+          </ac:cxnSpMkLst>
+        </pc:cxnChg>
+        <pc:cxnChg chg="add mod">
+          <ac:chgData name="Morales, Misael M" userId="1d0ead06-f695-4fa0-9a14-d29dc7a06678" providerId="ADAL" clId="{F10F0C4B-1D2D-4121-BDC4-782DDA355896}" dt="2023-12-07T00:38:41.154" v="1262" actId="164"/>
+          <ac:cxnSpMkLst>
+            <pc:docMk/>
+            <pc:sldMk cId="2325373194" sldId="268"/>
+            <ac:cxnSpMk id="15" creationId="{CE9D8A34-D8D7-AE59-6A76-5B36C547FA7E}"/>
+          </ac:cxnSpMkLst>
+        </pc:cxnChg>
+        <pc:cxnChg chg="add mod">
+          <ac:chgData name="Morales, Misael M" userId="1d0ead06-f695-4fa0-9a14-d29dc7a06678" providerId="ADAL" clId="{F10F0C4B-1D2D-4121-BDC4-782DDA355896}" dt="2023-12-07T00:38:41.154" v="1262" actId="164"/>
+          <ac:cxnSpMkLst>
+            <pc:docMk/>
+            <pc:sldMk cId="2325373194" sldId="268"/>
+            <ac:cxnSpMk id="18" creationId="{83472E37-2390-AE4A-7902-C07F83EE64AD}"/>
+          </ac:cxnSpMkLst>
+        </pc:cxnChg>
+        <pc:cxnChg chg="add mod">
+          <ac:chgData name="Morales, Misael M" userId="1d0ead06-f695-4fa0-9a14-d29dc7a06678" providerId="ADAL" clId="{F10F0C4B-1D2D-4121-BDC4-782DDA355896}" dt="2023-12-07T00:38:41.154" v="1262" actId="164"/>
+          <ac:cxnSpMkLst>
+            <pc:docMk/>
+            <pc:sldMk cId="2325373194" sldId="268"/>
+            <ac:cxnSpMk id="21" creationId="{F3B865BF-FF9E-8FF9-FBF8-946C0ACBF72B}"/>
+          </ac:cxnSpMkLst>
+        </pc:cxnChg>
+        <pc:cxnChg chg="add mod">
+          <ac:chgData name="Morales, Misael M" userId="1d0ead06-f695-4fa0-9a14-d29dc7a06678" providerId="ADAL" clId="{F10F0C4B-1D2D-4121-BDC4-782DDA355896}" dt="2023-12-07T00:38:41.154" v="1262" actId="164"/>
+          <ac:cxnSpMkLst>
+            <pc:docMk/>
+            <pc:sldMk cId="2325373194" sldId="268"/>
+            <ac:cxnSpMk id="24" creationId="{12272C63-36A2-EE66-1088-FFA39BF22E68}"/>
+          </ac:cxnSpMkLst>
+        </pc:cxnChg>
+        <pc:cxnChg chg="add mod">
+          <ac:chgData name="Morales, Misael M" userId="1d0ead06-f695-4fa0-9a14-d29dc7a06678" providerId="ADAL" clId="{F10F0C4B-1D2D-4121-BDC4-782DDA355896}" dt="2023-12-07T00:38:41.154" v="1262" actId="164"/>
+          <ac:cxnSpMkLst>
+            <pc:docMk/>
+            <pc:sldMk cId="2325373194" sldId="268"/>
+            <ac:cxnSpMk id="27" creationId="{713CA71A-A3BE-F8F1-9540-64A9F0BB4022}"/>
+          </ac:cxnSpMkLst>
+        </pc:cxnChg>
+        <pc:cxnChg chg="add mod">
+          <ac:chgData name="Morales, Misael M" userId="1d0ead06-f695-4fa0-9a14-d29dc7a06678" providerId="ADAL" clId="{F10F0C4B-1D2D-4121-BDC4-782DDA355896}" dt="2023-12-07T00:38:41.154" v="1262" actId="164"/>
+          <ac:cxnSpMkLst>
+            <pc:docMk/>
+            <pc:sldMk cId="2325373194" sldId="268"/>
+            <ac:cxnSpMk id="30" creationId="{13B25660-D930-9043-6F56-5DF5CCA6142A}"/>
+          </ac:cxnSpMkLst>
+        </pc:cxnChg>
       </pc:sldChg>
     </pc:docChg>
   </pc:docChgLst>
@@ -1986,7 +2215,7 @@
           <a:p>
             <a:fld id="{E3116162-49D8-43D0-8E45-EA22045512C0}" type="datetimeFigureOut">
               <a:rPr lang="en-US" smtClean="0"/>
-              <a:t>11/29/2023</a:t>
+              <a:t>12/6/2023</a:t>
             </a:fld>
             <a:endParaRPr lang="en-US"/>
           </a:p>
@@ -2400,7 +2629,7 @@
           <a:p>
             <a:fld id="{D71D3BE9-04E4-4706-83E7-877FB49D5130}" type="datetime1">
               <a:rPr lang="en-US" smtClean="0"/>
-              <a:t>11/29/2023</a:t>
+              <a:t>12/6/2023</a:t>
             </a:fld>
             <a:endParaRPr lang="en-US"/>
           </a:p>
@@ -2598,7 +2827,7 @@
           <a:p>
             <a:fld id="{784E2626-A12A-4F58-AD7A-A459D0435A78}" type="datetime1">
               <a:rPr lang="en-US" smtClean="0"/>
-              <a:t>11/29/2023</a:t>
+              <a:t>12/6/2023</a:t>
             </a:fld>
             <a:endParaRPr lang="en-US"/>
           </a:p>
@@ -2806,7 +3035,7 @@
           <a:p>
             <a:fld id="{A30750CD-A14E-48DC-BAB2-8E357B3BB818}" type="datetime1">
               <a:rPr lang="en-US" smtClean="0"/>
-              <a:t>11/29/2023</a:t>
+              <a:t>12/6/2023</a:t>
             </a:fld>
             <a:endParaRPr lang="en-US"/>
           </a:p>
@@ -3004,7 +3233,7 @@
           <a:p>
             <a:fld id="{AFCBE70D-5CAA-4EA9-B5DA-9F07C386E4E6}" type="datetime1">
               <a:rPr lang="en-US" smtClean="0"/>
-              <a:t>11/29/2023</a:t>
+              <a:t>12/6/2023</a:t>
             </a:fld>
             <a:endParaRPr lang="en-US"/>
           </a:p>
@@ -3279,7 +3508,7 @@
           <a:p>
             <a:fld id="{1E68F9BB-E13F-4ED4-8134-6C034A5B6371}" type="datetime1">
               <a:rPr lang="en-US" smtClean="0"/>
-              <a:t>11/29/2023</a:t>
+              <a:t>12/6/2023</a:t>
             </a:fld>
             <a:endParaRPr lang="en-US"/>
           </a:p>
@@ -3544,7 +3773,7 @@
           <a:p>
             <a:fld id="{8C45109A-77C2-4BE1-AAE8-F24A2E5E97E2}" type="datetime1">
               <a:rPr lang="en-US" smtClean="0"/>
-              <a:t>11/29/2023</a:t>
+              <a:t>12/6/2023</a:t>
             </a:fld>
             <a:endParaRPr lang="en-US"/>
           </a:p>
@@ -3956,7 +4185,7 @@
           <a:p>
             <a:fld id="{4322BF07-3D0B-481F-A43A-1B500B45FBAC}" type="datetime1">
               <a:rPr lang="en-US" smtClean="0"/>
-              <a:t>11/29/2023</a:t>
+              <a:t>12/6/2023</a:t>
             </a:fld>
             <a:endParaRPr lang="en-US"/>
           </a:p>
@@ -4097,7 +4326,7 @@
           <a:p>
             <a:fld id="{0E4FF7B2-6570-4102-9304-65F5D5BD4DA7}" type="datetime1">
               <a:rPr lang="en-US" smtClean="0"/>
-              <a:t>11/29/2023</a:t>
+              <a:t>12/6/2023</a:t>
             </a:fld>
             <a:endParaRPr lang="en-US"/>
           </a:p>
@@ -4210,7 +4439,7 @@
           <a:p>
             <a:fld id="{13021A00-1CC7-4A88-A21E-B880518EAD24}" type="datetime1">
               <a:rPr lang="en-US" smtClean="0"/>
-              <a:t>11/29/2023</a:t>
+              <a:t>12/6/2023</a:t>
             </a:fld>
             <a:endParaRPr lang="en-US"/>
           </a:p>
@@ -4521,7 +4750,7 @@
           <a:p>
             <a:fld id="{C40F85D7-7CC3-4F9E-9020-1B52E2E585E0}" type="datetime1">
               <a:rPr lang="en-US" smtClean="0"/>
-              <a:t>11/29/2023</a:t>
+              <a:t>12/6/2023</a:t>
             </a:fld>
             <a:endParaRPr lang="en-US"/>
           </a:p>
@@ -4809,7 +5038,7 @@
           <a:p>
             <a:fld id="{337EB336-B7A6-4008-8CFE-7CA99895E29D}" type="datetime1">
               <a:rPr lang="en-US" smtClean="0"/>
-              <a:t>11/29/2023</a:t>
+              <a:t>12/6/2023</a:t>
             </a:fld>
             <a:endParaRPr lang="en-US"/>
           </a:p>
@@ -5050,7 +5279,7 @@
           <a:p>
             <a:fld id="{B63FF571-EC8E-4993-90BD-68656B59D1EC}" type="datetime1">
               <a:rPr lang="en-US" smtClean="0"/>
-              <a:t>11/29/2023</a:t>
+              <a:t>12/6/2023</a:t>
             </a:fld>
             <a:endParaRPr lang="en-US"/>
           </a:p>
@@ -5588,95 +5817,6 @@
           <p:cNvPr id="2" name="Slide Number Placeholder 1">
             <a:extLst>
               <a:ext uri="{FF2B5EF4-FFF2-40B4-BE49-F238E27FC236}">
-                <a16:creationId xmlns:a16="http://schemas.microsoft.com/office/drawing/2014/main" id="{A5E0E224-6C12-210E-FD92-B222D232D0CE}"/>
-              </a:ext>
-            </a:extLst>
-          </p:cNvPr>
-          <p:cNvSpPr>
-            <a:spLocks noGrp="1"/>
-          </p:cNvSpPr>
-          <p:nvPr>
-            <p:ph type="sldNum" sz="quarter" idx="12"/>
-          </p:nvPr>
-        </p:nvSpPr>
-        <p:spPr/>
-        <p:txBody>
-          <a:bodyPr/>
-          <a:lstStyle/>
-          <a:p>
-            <a:fld id="{AC0D4EF2-159E-40B9-9280-8D857A02F939}" type="slidenum">
-              <a:rPr lang="en-US" smtClean="0"/>
-              <a:t>10</a:t>
-            </a:fld>
-            <a:endParaRPr lang="en-US"/>
-          </a:p>
-        </p:txBody>
-      </p:sp>
-      <p:pic>
-        <p:nvPicPr>
-          <p:cNvPr id="18" name="Picture 17">
-            <a:extLst>
-              <a:ext uri="{FF2B5EF4-FFF2-40B4-BE49-F238E27FC236}">
-                <a16:creationId xmlns:a16="http://schemas.microsoft.com/office/drawing/2014/main" id="{0ABC1062-9B0C-118A-D23F-C86781017A8D}"/>
-              </a:ext>
-            </a:extLst>
-          </p:cNvPr>
-          <p:cNvPicPr>
-            <a:picLocks noChangeAspect="1"/>
-          </p:cNvPicPr>
-          <p:nvPr/>
-        </p:nvPicPr>
-        <p:blipFill>
-          <a:blip r:embed="rId2"/>
-          <a:stretch>
-            <a:fillRect/>
-          </a:stretch>
-        </p:blipFill>
-        <p:spPr>
-          <a:xfrm>
-            <a:off x="358908" y="0"/>
-            <a:ext cx="11474183" cy="6858000"/>
-          </a:xfrm>
-          <a:prstGeom prst="rect">
-            <a:avLst/>
-          </a:prstGeom>
-        </p:spPr>
-      </p:pic>
-    </p:spTree>
-    <p:extLst>
-      <p:ext uri="{BB962C8B-B14F-4D97-AF65-F5344CB8AC3E}">
-        <p14:creationId xmlns:p14="http://schemas.microsoft.com/office/powerpoint/2010/main" val="2303991370"/>
-      </p:ext>
-    </p:extLst>
-  </p:cSld>
-  <p:clrMapOvr>
-    <a:masterClrMapping/>
-  </p:clrMapOvr>
-</p:sld>
-</file>
-
-<file path=ppt/slides/slide11.xml><?xml version="1.0" encoding="utf-8"?>
-<p:sld xmlns:a="http://schemas.openxmlformats.org/drawingml/2006/main" xmlns:r="http://schemas.openxmlformats.org/officeDocument/2006/relationships" xmlns:p="http://schemas.openxmlformats.org/presentationml/2006/main">
-  <p:cSld>
-    <p:spTree>
-      <p:nvGrpSpPr>
-        <p:cNvPr id="1" name=""/>
-        <p:cNvGrpSpPr/>
-        <p:nvPr/>
-      </p:nvGrpSpPr>
-      <p:grpSpPr>
-        <a:xfrm>
-          <a:off x="0" y="0"/>
-          <a:ext cx="0" cy="0"/>
-          <a:chOff x="0" y="0"/>
-          <a:chExt cx="0" cy="0"/>
-        </a:xfrm>
-      </p:grpSpPr>
-      <p:sp>
-        <p:nvSpPr>
-          <p:cNvPr id="2" name="Slide Number Placeholder 1">
-            <a:extLst>
-              <a:ext uri="{FF2B5EF4-FFF2-40B4-BE49-F238E27FC236}">
                 <a16:creationId xmlns:a16="http://schemas.microsoft.com/office/drawing/2014/main" id="{4D0F82FB-1C59-4320-4DBD-CC16E0CBE6B2}"/>
               </a:ext>
             </a:extLst>
@@ -5695,7 +5835,7 @@
           <a:p>
             <a:fld id="{AC0D4EF2-159E-40B9-9280-8D857A02F939}" type="slidenum">
               <a:rPr lang="en-US" smtClean="0"/>
-              <a:t>11</a:t>
+              <a:t>10</a:t>
             </a:fld>
             <a:endParaRPr lang="en-US"/>
           </a:p>
@@ -5703,10 +5843,10 @@
       </p:sp>
       <p:grpSp>
         <p:nvGrpSpPr>
-          <p:cNvPr id="15" name="Group 14">
+          <p:cNvPr id="14" name="Group 13">
             <a:extLst>
               <a:ext uri="{FF2B5EF4-FFF2-40B4-BE49-F238E27FC236}">
-                <a16:creationId xmlns:a16="http://schemas.microsoft.com/office/drawing/2014/main" id="{B9FAACC7-A2FE-6697-B3AB-997ACBB0FEE9}"/>
+                <a16:creationId xmlns:a16="http://schemas.microsoft.com/office/drawing/2014/main" id="{AF09EE2F-C36B-E31C-F757-4043580CAEEB}"/>
               </a:ext>
             </a:extLst>
           </p:cNvPr>
@@ -5715,10 +5855,10 @@
         </p:nvGrpSpPr>
         <p:grpSpPr>
           <a:xfrm>
-            <a:off x="646176" y="850391"/>
-            <a:ext cx="8869680" cy="2240281"/>
-            <a:chOff x="646176" y="850391"/>
-            <a:chExt cx="8869680" cy="2240281"/>
+            <a:off x="1486679" y="136524"/>
+            <a:ext cx="9218641" cy="6007609"/>
+            <a:chOff x="790994" y="850391"/>
+            <a:chExt cx="9218641" cy="6007609"/>
           </a:xfrm>
         </p:grpSpPr>
         <p:grpSp>
@@ -5735,10 +5875,10 @@
           </p:nvGrpSpPr>
           <p:grpSpPr>
             <a:xfrm>
-              <a:off x="646176" y="850391"/>
-              <a:ext cx="3044952" cy="2240280"/>
-              <a:chOff x="566928" y="1399032"/>
-              <a:chExt cx="3044952" cy="2240280"/>
+              <a:off x="790994" y="850391"/>
+              <a:ext cx="2173186" cy="2240280"/>
+              <a:chOff x="711746" y="1399032"/>
+              <a:chExt cx="2173186" cy="2240280"/>
             </a:xfrm>
             <a:solidFill>
               <a:srgbClr val="B889DB"/>
@@ -5758,8 +5898,8 @@
             </p:nvSpPr>
             <p:spPr>
               <a:xfrm>
-                <a:off x="566928" y="1399032"/>
-                <a:ext cx="1014984" cy="2240280"/>
+                <a:off x="711746" y="1399032"/>
+                <a:ext cx="725424" cy="2240280"/>
               </a:xfrm>
               <a:prstGeom prst="rect">
                 <a:avLst/>
@@ -5813,8 +5953,8 @@
             </p:nvSpPr>
             <p:spPr>
               <a:xfrm>
-                <a:off x="1581912" y="1399032"/>
-                <a:ext cx="1014984" cy="2240280"/>
+                <a:off x="1438693" y="1399032"/>
+                <a:ext cx="725424" cy="2240280"/>
               </a:xfrm>
               <a:prstGeom prst="rect">
                 <a:avLst/>
@@ -5870,8 +6010,8 @@
                 </p:nvSpPr>
                 <p:spPr>
                   <a:xfrm>
-                    <a:off x="2596896" y="1399032"/>
-                    <a:ext cx="1014984" cy="2240280"/>
+                    <a:off x="2159508" y="1399032"/>
+                    <a:ext cx="725424" cy="2240280"/>
                   </a:xfrm>
                   <a:prstGeom prst="rect">
                     <a:avLst/>
@@ -5912,7 +6052,6 @@
                         <m:oMath xmlns:m="http://schemas.openxmlformats.org/officeDocument/2006/math">
                           <m:f>
                             <m:fPr>
-                              <m:type m:val="skw"/>
                               <m:ctrlPr>
                                 <a:rPr lang="en-US" b="0" i="1" smtClean="0">
                                   <a:latin typeface="Cambria Math" panose="02040503050406030204" pitchFamily="18" charset="0"/>
@@ -5973,8 +6112,8 @@
                 </p:nvSpPr>
                 <p:spPr>
                   <a:xfrm>
-                    <a:off x="2596896" y="1399032"/>
-                    <a:ext cx="1014984" cy="2240280"/>
+                    <a:off x="2159508" y="1399032"/>
+                    <a:ext cx="725424" cy="2240280"/>
                   </a:xfrm>
                   <a:prstGeom prst="rect">
                     <a:avLst/>
@@ -5982,7 +6121,7 @@
                   <a:blipFill>
                     <a:blip r:embed="rId2"/>
                     <a:stretch>
-                      <a:fillRect l="-2367" t="-23243" r="-47337"/>
+                      <a:fillRect/>
                     </a:stretch>
                   </a:blipFill>
                   <a:ln>
@@ -6084,7 +6223,7 @@
                   <a:avLst/>
                 </a:prstGeom>
                 <a:solidFill>
-                  <a:schemeClr val="accent4"/>
+                  <a:srgbClr val="DAC2EC"/>
                 </a:solidFill>
                 <a:ln>
                   <a:solidFill>
@@ -6270,7 +6409,7 @@
           </p:nvSpPr>
           <p:spPr>
             <a:xfrm>
-              <a:off x="8500872" y="850391"/>
+              <a:off x="8507104" y="850391"/>
               <a:ext cx="1014984" cy="2240280"/>
             </a:xfrm>
             <a:prstGeom prst="rect">
@@ -6318,817 +6457,1062 @@
             </a:p>
           </p:txBody>
         </p:sp>
-      </p:grpSp>
-      <p:grpSp>
-        <p:nvGrpSpPr>
-          <p:cNvPr id="33" name="Group 32">
-            <a:extLst>
-              <a:ext uri="{FF2B5EF4-FFF2-40B4-BE49-F238E27FC236}">
-                <a16:creationId xmlns:a16="http://schemas.microsoft.com/office/drawing/2014/main" id="{DA2DECC9-64E6-E1AF-EAF5-6F5128F5D5B1}"/>
-              </a:ext>
-            </a:extLst>
-          </p:cNvPr>
-          <p:cNvGrpSpPr/>
-          <p:nvPr/>
-        </p:nvGrpSpPr>
-        <p:grpSpPr>
-          <a:xfrm>
-            <a:off x="2182366" y="4008121"/>
-            <a:ext cx="3223262" cy="2849879"/>
-            <a:chOff x="2656330" y="3506472"/>
-            <a:chExt cx="3223262" cy="2849879"/>
-          </a:xfrm>
-        </p:grpSpPr>
-        <p:sp>
-          <p:nvSpPr>
-            <p:cNvPr id="20" name="Trapezoid 19">
+        <p:grpSp>
+          <p:nvGrpSpPr>
+            <p:cNvPr id="33" name="Group 32">
               <a:extLst>
                 <a:ext uri="{FF2B5EF4-FFF2-40B4-BE49-F238E27FC236}">
-                  <a16:creationId xmlns:a16="http://schemas.microsoft.com/office/drawing/2014/main" id="{5D0E73BF-FEC2-BBB4-F17F-FE102A995E80}"/>
+                  <a16:creationId xmlns:a16="http://schemas.microsoft.com/office/drawing/2014/main" id="{DA2DECC9-64E6-E1AF-EAF5-6F5128F5D5B1}"/>
                 </a:ext>
               </a:extLst>
             </p:cNvPr>
-            <p:cNvSpPr/>
+            <p:cNvGrpSpPr/>
             <p:nvPr/>
-          </p:nvSpPr>
+          </p:nvGrpSpPr>
+          <p:grpSpPr>
+            <a:xfrm>
+              <a:off x="2182366" y="4008121"/>
+              <a:ext cx="3223262" cy="2849879"/>
+              <a:chOff x="2656330" y="3506472"/>
+              <a:chExt cx="3223262" cy="2849879"/>
+            </a:xfrm>
+          </p:grpSpPr>
+          <p:sp>
+            <p:nvSpPr>
+              <p:cNvPr id="20" name="Trapezoid 19">
+                <a:extLst>
+                  <a:ext uri="{FF2B5EF4-FFF2-40B4-BE49-F238E27FC236}">
+                    <a16:creationId xmlns:a16="http://schemas.microsoft.com/office/drawing/2014/main" id="{5D0E73BF-FEC2-BBB4-F17F-FE102A995E80}"/>
+                  </a:ext>
+                </a:extLst>
+              </p:cNvPr>
+              <p:cNvSpPr/>
+              <p:nvPr/>
+            </p:nvSpPr>
+            <p:spPr>
+              <a:xfrm rot="5400000">
+                <a:off x="2843021" y="3319781"/>
+                <a:ext cx="2849879" cy="3223262"/>
+              </a:xfrm>
+              <a:prstGeom prst="trapezoid">
+                <a:avLst/>
+              </a:prstGeom>
+              <a:solidFill>
+                <a:schemeClr val="accent5">
+                  <a:lumMod val="20000"/>
+                  <a:lumOff val="80000"/>
+                </a:schemeClr>
+              </a:solidFill>
+              <a:ln>
+                <a:solidFill>
+                  <a:schemeClr val="tx1"/>
+                </a:solidFill>
+              </a:ln>
+            </p:spPr>
+            <p:style>
+              <a:lnRef idx="2">
+                <a:schemeClr val="accent1">
+                  <a:shade val="15000"/>
+                </a:schemeClr>
+              </a:lnRef>
+              <a:fillRef idx="1">
+                <a:schemeClr val="accent1"/>
+              </a:fillRef>
+              <a:effectRef idx="0">
+                <a:schemeClr val="accent1"/>
+              </a:effectRef>
+              <a:fontRef idx="minor">
+                <a:schemeClr val="lt1"/>
+              </a:fontRef>
+            </p:style>
+            <p:txBody>
+              <a:bodyPr vert="vert270" rtlCol="0" anchor="ctr"/>
+              <a:lstStyle/>
+              <a:p>
+                <a:pPr algn="ctr"/>
+                <a:endParaRPr lang="en-US" dirty="0"/>
+              </a:p>
+            </p:txBody>
+          </p:sp>
+          <p:sp>
+            <p:nvSpPr>
+              <p:cNvPr id="21" name="Flowchart: Alternate Process 20">
+                <a:extLst>
+                  <a:ext uri="{FF2B5EF4-FFF2-40B4-BE49-F238E27FC236}">
+                    <a16:creationId xmlns:a16="http://schemas.microsoft.com/office/drawing/2014/main" id="{40AE7C1A-E691-9AED-9E61-84265EA3A953}"/>
+                  </a:ext>
+                </a:extLst>
+              </p:cNvPr>
+              <p:cNvSpPr/>
+              <p:nvPr/>
+            </p:nvSpPr>
+            <p:spPr>
+              <a:xfrm>
+                <a:off x="2731007" y="3834131"/>
+                <a:ext cx="521208" cy="2194560"/>
+              </a:xfrm>
+              <a:prstGeom prst="flowChartAlternateProcess">
+                <a:avLst/>
+              </a:prstGeom>
+            </p:spPr>
+            <p:style>
+              <a:lnRef idx="2">
+                <a:schemeClr val="accent1">
+                  <a:shade val="15000"/>
+                </a:schemeClr>
+              </a:lnRef>
+              <a:fillRef idx="1">
+                <a:schemeClr val="accent1"/>
+              </a:fillRef>
+              <a:effectRef idx="0">
+                <a:schemeClr val="accent1"/>
+              </a:effectRef>
+              <a:fontRef idx="minor">
+                <a:schemeClr val="lt1"/>
+              </a:fontRef>
+            </p:style>
+            <p:txBody>
+              <a:bodyPr vert="vert270" rtlCol="0" anchor="ctr"/>
+              <a:lstStyle/>
+              <a:p>
+                <a:pPr algn="ctr"/>
+                <a:r>
+                  <a:rPr lang="en-US" dirty="0"/>
+                  <a:t>Conv</a:t>
+                </a:r>
+              </a:p>
+            </p:txBody>
+          </p:sp>
+          <p:sp>
+            <p:nvSpPr>
+              <p:cNvPr id="22" name="Flowchart: Alternate Process 21">
+                <a:extLst>
+                  <a:ext uri="{FF2B5EF4-FFF2-40B4-BE49-F238E27FC236}">
+                    <a16:creationId xmlns:a16="http://schemas.microsoft.com/office/drawing/2014/main" id="{4CED80F4-1868-C382-91A3-2751F4C9718A}"/>
+                  </a:ext>
+                </a:extLst>
+              </p:cNvPr>
+              <p:cNvSpPr/>
+              <p:nvPr/>
+            </p:nvSpPr>
+            <p:spPr>
+              <a:xfrm>
+                <a:off x="3362515" y="3916424"/>
+                <a:ext cx="521208" cy="2029969"/>
+              </a:xfrm>
+              <a:prstGeom prst="flowChartAlternateProcess">
+                <a:avLst/>
+              </a:prstGeom>
+            </p:spPr>
+            <p:style>
+              <a:lnRef idx="2">
+                <a:schemeClr val="accent1">
+                  <a:shade val="15000"/>
+                </a:schemeClr>
+              </a:lnRef>
+              <a:fillRef idx="1">
+                <a:schemeClr val="accent1"/>
+              </a:fillRef>
+              <a:effectRef idx="0">
+                <a:schemeClr val="accent1"/>
+              </a:effectRef>
+              <a:fontRef idx="minor">
+                <a:schemeClr val="lt1"/>
+              </a:fontRef>
+            </p:style>
+            <p:txBody>
+              <a:bodyPr vert="vert270" rtlCol="0" anchor="ctr"/>
+              <a:lstStyle/>
+              <a:p>
+                <a:pPr algn="ctr"/>
+                <a:r>
+                  <a:rPr lang="en-US" dirty="0"/>
+                  <a:t>LSTM</a:t>
+                </a:r>
+              </a:p>
+            </p:txBody>
+          </p:sp>
+          <p:sp>
+            <p:nvSpPr>
+              <p:cNvPr id="23" name="Flowchart: Alternate Process 22">
+                <a:extLst>
+                  <a:ext uri="{FF2B5EF4-FFF2-40B4-BE49-F238E27FC236}">
+                    <a16:creationId xmlns:a16="http://schemas.microsoft.com/office/drawing/2014/main" id="{E6E6F606-16BB-D8DB-24D5-4C96AE484B82}"/>
+                  </a:ext>
+                </a:extLst>
+              </p:cNvPr>
+              <p:cNvSpPr/>
+              <p:nvPr/>
+            </p:nvSpPr>
+            <p:spPr>
+              <a:xfrm>
+                <a:off x="3994023" y="4007865"/>
+                <a:ext cx="521208" cy="1847088"/>
+              </a:xfrm>
+              <a:prstGeom prst="flowChartAlternateProcess">
+                <a:avLst/>
+              </a:prstGeom>
+              <a:solidFill>
+                <a:schemeClr val="accent6">
+                  <a:lumMod val="60000"/>
+                  <a:lumOff val="40000"/>
+                </a:schemeClr>
+              </a:solidFill>
+            </p:spPr>
+            <p:style>
+              <a:lnRef idx="2">
+                <a:schemeClr val="accent1">
+                  <a:shade val="15000"/>
+                </a:schemeClr>
+              </a:lnRef>
+              <a:fillRef idx="1">
+                <a:schemeClr val="accent1"/>
+              </a:fillRef>
+              <a:effectRef idx="0">
+                <a:schemeClr val="accent1"/>
+              </a:effectRef>
+              <a:fontRef idx="minor">
+                <a:schemeClr val="lt1"/>
+              </a:fontRef>
+            </p:style>
+            <p:txBody>
+              <a:bodyPr vert="vert270" rtlCol="0" anchor="ctr"/>
+              <a:lstStyle/>
+              <a:p>
+                <a:pPr algn="ctr"/>
+                <a:r>
+                  <a:rPr lang="en-US" dirty="0"/>
+                  <a:t>Batch Norm</a:t>
+                </a:r>
+              </a:p>
+            </p:txBody>
+          </p:sp>
+          <p:sp>
+            <p:nvSpPr>
+              <p:cNvPr id="24" name="Flowchart: Alternate Process 23">
+                <a:extLst>
+                  <a:ext uri="{FF2B5EF4-FFF2-40B4-BE49-F238E27FC236}">
+                    <a16:creationId xmlns:a16="http://schemas.microsoft.com/office/drawing/2014/main" id="{C67CFCA3-D0A2-FCF1-9EB1-8C83149BEAD9}"/>
+                  </a:ext>
+                </a:extLst>
+              </p:cNvPr>
+              <p:cNvSpPr/>
+              <p:nvPr/>
+            </p:nvSpPr>
+            <p:spPr>
+              <a:xfrm>
+                <a:off x="4625531" y="4167883"/>
+                <a:ext cx="521208" cy="1527049"/>
+              </a:xfrm>
+              <a:prstGeom prst="flowChartAlternateProcess">
+                <a:avLst/>
+              </a:prstGeom>
+              <a:solidFill>
+                <a:schemeClr val="accent2">
+                  <a:lumMod val="60000"/>
+                  <a:lumOff val="40000"/>
+                </a:schemeClr>
+              </a:solidFill>
+            </p:spPr>
+            <p:style>
+              <a:lnRef idx="2">
+                <a:schemeClr val="accent1">
+                  <a:shade val="15000"/>
+                </a:schemeClr>
+              </a:lnRef>
+              <a:fillRef idx="1">
+                <a:schemeClr val="accent1"/>
+              </a:fillRef>
+              <a:effectRef idx="0">
+                <a:schemeClr val="accent1"/>
+              </a:effectRef>
+              <a:fontRef idx="minor">
+                <a:schemeClr val="lt1"/>
+              </a:fontRef>
+            </p:style>
+            <p:txBody>
+              <a:bodyPr vert="vert270" rtlCol="0" anchor="ctr"/>
+              <a:lstStyle/>
+              <a:p>
+                <a:pPr algn="ctr"/>
+                <a:r>
+                  <a:rPr lang="en-US" dirty="0" err="1"/>
+                  <a:t>LeakyReLU</a:t>
+                </a:r>
+                <a:endParaRPr lang="en-US" dirty="0"/>
+              </a:p>
+            </p:txBody>
+          </p:sp>
+          <p:sp>
+            <p:nvSpPr>
+              <p:cNvPr id="32" name="Flowchart: Alternate Process 31">
+                <a:extLst>
+                  <a:ext uri="{FF2B5EF4-FFF2-40B4-BE49-F238E27FC236}">
+                    <a16:creationId xmlns:a16="http://schemas.microsoft.com/office/drawing/2014/main" id="{B56239F4-20C0-21A9-DA24-3F0067D2366C}"/>
+                  </a:ext>
+                </a:extLst>
+              </p:cNvPr>
+              <p:cNvSpPr/>
+              <p:nvPr/>
+            </p:nvSpPr>
+            <p:spPr>
+              <a:xfrm>
+                <a:off x="5257038" y="4337047"/>
+                <a:ext cx="521208" cy="1188720"/>
+              </a:xfrm>
+              <a:prstGeom prst="flowChartAlternateProcess">
+                <a:avLst/>
+              </a:prstGeom>
+              <a:solidFill>
+                <a:schemeClr val="accent4">
+                  <a:lumMod val="60000"/>
+                  <a:lumOff val="40000"/>
+                </a:schemeClr>
+              </a:solidFill>
+            </p:spPr>
+            <p:style>
+              <a:lnRef idx="2">
+                <a:schemeClr val="accent1">
+                  <a:shade val="15000"/>
+                </a:schemeClr>
+              </a:lnRef>
+              <a:fillRef idx="1">
+                <a:schemeClr val="accent1"/>
+              </a:fillRef>
+              <a:effectRef idx="0">
+                <a:schemeClr val="accent1"/>
+              </a:effectRef>
+              <a:fontRef idx="minor">
+                <a:schemeClr val="lt1"/>
+              </a:fontRef>
+            </p:style>
+            <p:txBody>
+              <a:bodyPr vert="vert270" rtlCol="0" anchor="ctr"/>
+              <a:lstStyle/>
+              <a:p>
+                <a:pPr algn="ctr"/>
+                <a:r>
+                  <a:rPr lang="en-US" dirty="0"/>
+                  <a:t>Max Pool</a:t>
+                </a:r>
+              </a:p>
+            </p:txBody>
+          </p:sp>
+        </p:grpSp>
+        <p:grpSp>
+          <p:nvGrpSpPr>
+            <p:cNvPr id="34" name="Group 33">
+              <a:extLst>
+                <a:ext uri="{FF2B5EF4-FFF2-40B4-BE49-F238E27FC236}">
+                  <a16:creationId xmlns:a16="http://schemas.microsoft.com/office/drawing/2014/main" id="{04BDBD15-786E-1368-59DE-2B3EFCD926A0}"/>
+                </a:ext>
+              </a:extLst>
+            </p:cNvPr>
+            <p:cNvGrpSpPr/>
+            <p:nvPr/>
+          </p:nvGrpSpPr>
+          <p:grpSpPr>
+            <a:xfrm rot="10800000">
+              <a:off x="6786373" y="4008116"/>
+              <a:ext cx="3223262" cy="2849879"/>
+              <a:chOff x="2656330" y="3506472"/>
+              <a:chExt cx="3223262" cy="2849879"/>
+            </a:xfrm>
+          </p:grpSpPr>
+          <p:sp>
+            <p:nvSpPr>
+              <p:cNvPr id="35" name="Trapezoid 34">
+                <a:extLst>
+                  <a:ext uri="{FF2B5EF4-FFF2-40B4-BE49-F238E27FC236}">
+                    <a16:creationId xmlns:a16="http://schemas.microsoft.com/office/drawing/2014/main" id="{EBF12F0F-EC1C-E929-7A5E-9E64ABB55F0B}"/>
+                  </a:ext>
+                </a:extLst>
+              </p:cNvPr>
+              <p:cNvSpPr/>
+              <p:nvPr/>
+            </p:nvSpPr>
+            <p:spPr>
+              <a:xfrm rot="5400000">
+                <a:off x="2843021" y="3319781"/>
+                <a:ext cx="2849879" cy="3223262"/>
+              </a:xfrm>
+              <a:prstGeom prst="trapezoid">
+                <a:avLst/>
+              </a:prstGeom>
+              <a:solidFill>
+                <a:schemeClr val="accent5">
+                  <a:lumMod val="20000"/>
+                  <a:lumOff val="80000"/>
+                </a:schemeClr>
+              </a:solidFill>
+              <a:ln>
+                <a:solidFill>
+                  <a:schemeClr val="tx1"/>
+                </a:solidFill>
+              </a:ln>
+            </p:spPr>
+            <p:style>
+              <a:lnRef idx="2">
+                <a:schemeClr val="accent1">
+                  <a:shade val="15000"/>
+                </a:schemeClr>
+              </a:lnRef>
+              <a:fillRef idx="1">
+                <a:schemeClr val="accent1"/>
+              </a:fillRef>
+              <a:effectRef idx="0">
+                <a:schemeClr val="accent1"/>
+              </a:effectRef>
+              <a:fontRef idx="minor">
+                <a:schemeClr val="lt1"/>
+              </a:fontRef>
+            </p:style>
+            <p:txBody>
+              <a:bodyPr vert="vert270" rtlCol="0" anchor="ctr"/>
+              <a:lstStyle/>
+              <a:p>
+                <a:pPr algn="ctr"/>
+                <a:endParaRPr lang="en-US" dirty="0"/>
+              </a:p>
+            </p:txBody>
+          </p:sp>
+          <p:sp>
+            <p:nvSpPr>
+              <p:cNvPr id="36" name="Flowchart: Alternate Process 35">
+                <a:extLst>
+                  <a:ext uri="{FF2B5EF4-FFF2-40B4-BE49-F238E27FC236}">
+                    <a16:creationId xmlns:a16="http://schemas.microsoft.com/office/drawing/2014/main" id="{01A60EF6-5B85-9001-19F7-5D6AE7DAD652}"/>
+                  </a:ext>
+                </a:extLst>
+              </p:cNvPr>
+              <p:cNvSpPr/>
+              <p:nvPr/>
+            </p:nvSpPr>
+            <p:spPr>
+              <a:xfrm>
+                <a:off x="2731007" y="3834131"/>
+                <a:ext cx="521208" cy="2194560"/>
+              </a:xfrm>
+              <a:prstGeom prst="flowChartAlternateProcess">
+                <a:avLst/>
+              </a:prstGeom>
+              <a:solidFill>
+                <a:schemeClr val="accent4">
+                  <a:lumMod val="60000"/>
+                  <a:lumOff val="40000"/>
+                </a:schemeClr>
+              </a:solidFill>
+            </p:spPr>
+            <p:style>
+              <a:lnRef idx="2">
+                <a:schemeClr val="accent1">
+                  <a:shade val="15000"/>
+                </a:schemeClr>
+              </a:lnRef>
+              <a:fillRef idx="1">
+                <a:schemeClr val="accent1"/>
+              </a:fillRef>
+              <a:effectRef idx="0">
+                <a:schemeClr val="accent1"/>
+              </a:effectRef>
+              <a:fontRef idx="minor">
+                <a:schemeClr val="lt1"/>
+              </a:fontRef>
+            </p:style>
+            <p:txBody>
+              <a:bodyPr vert="vert270" rtlCol="0" anchor="ctr"/>
+              <a:lstStyle/>
+              <a:p>
+                <a:pPr algn="ctr"/>
+                <a:r>
+                  <a:rPr lang="en-US" dirty="0" err="1"/>
+                  <a:t>Upsampling</a:t>
+                </a:r>
+                <a:endParaRPr lang="en-US" dirty="0"/>
+              </a:p>
+            </p:txBody>
+          </p:sp>
+          <p:sp>
+            <p:nvSpPr>
+              <p:cNvPr id="37" name="Flowchart: Alternate Process 36">
+                <a:extLst>
+                  <a:ext uri="{FF2B5EF4-FFF2-40B4-BE49-F238E27FC236}">
+                    <a16:creationId xmlns:a16="http://schemas.microsoft.com/office/drawing/2014/main" id="{D70E8DC4-BB53-DDD2-E149-5A696A4A9A35}"/>
+                  </a:ext>
+                </a:extLst>
+              </p:cNvPr>
+              <p:cNvSpPr/>
+              <p:nvPr/>
+            </p:nvSpPr>
+            <p:spPr>
+              <a:xfrm>
+                <a:off x="3362515" y="3916424"/>
+                <a:ext cx="521208" cy="2029969"/>
+              </a:xfrm>
+              <a:prstGeom prst="flowChartAlternateProcess">
+                <a:avLst/>
+              </a:prstGeom>
+              <a:solidFill>
+                <a:schemeClr val="accent2">
+                  <a:lumMod val="60000"/>
+                  <a:lumOff val="40000"/>
+                </a:schemeClr>
+              </a:solidFill>
+            </p:spPr>
+            <p:style>
+              <a:lnRef idx="2">
+                <a:schemeClr val="accent1">
+                  <a:shade val="15000"/>
+                </a:schemeClr>
+              </a:lnRef>
+              <a:fillRef idx="1">
+                <a:schemeClr val="accent1"/>
+              </a:fillRef>
+              <a:effectRef idx="0">
+                <a:schemeClr val="accent1"/>
+              </a:effectRef>
+              <a:fontRef idx="minor">
+                <a:schemeClr val="lt1"/>
+              </a:fontRef>
+            </p:style>
+            <p:txBody>
+              <a:bodyPr vert="vert270" rtlCol="0" anchor="ctr"/>
+              <a:lstStyle/>
+              <a:p>
+                <a:pPr algn="ctr"/>
+                <a:r>
+                  <a:rPr lang="en-US" dirty="0" err="1"/>
+                  <a:t>LeakyReLU</a:t>
+                </a:r>
+                <a:endParaRPr lang="en-US" dirty="0"/>
+              </a:p>
+            </p:txBody>
+          </p:sp>
+          <p:sp>
+            <p:nvSpPr>
+              <p:cNvPr id="38" name="Flowchart: Alternate Process 37">
+                <a:extLst>
+                  <a:ext uri="{FF2B5EF4-FFF2-40B4-BE49-F238E27FC236}">
+                    <a16:creationId xmlns:a16="http://schemas.microsoft.com/office/drawing/2014/main" id="{C959C0EA-B6F7-8FC1-A041-4D10FBCC9DAB}"/>
+                  </a:ext>
+                </a:extLst>
+              </p:cNvPr>
+              <p:cNvSpPr/>
+              <p:nvPr/>
+            </p:nvSpPr>
+            <p:spPr>
+              <a:xfrm>
+                <a:off x="3994023" y="4007865"/>
+                <a:ext cx="521208" cy="1847088"/>
+              </a:xfrm>
+              <a:prstGeom prst="flowChartAlternateProcess">
+                <a:avLst/>
+              </a:prstGeom>
+              <a:solidFill>
+                <a:schemeClr val="accent6">
+                  <a:lumMod val="60000"/>
+                  <a:lumOff val="40000"/>
+                </a:schemeClr>
+              </a:solidFill>
+            </p:spPr>
+            <p:style>
+              <a:lnRef idx="2">
+                <a:schemeClr val="accent1">
+                  <a:shade val="15000"/>
+                </a:schemeClr>
+              </a:lnRef>
+              <a:fillRef idx="1">
+                <a:schemeClr val="accent1"/>
+              </a:fillRef>
+              <a:effectRef idx="0">
+                <a:schemeClr val="accent1"/>
+              </a:effectRef>
+              <a:fontRef idx="minor">
+                <a:schemeClr val="lt1"/>
+              </a:fontRef>
+            </p:style>
+            <p:txBody>
+              <a:bodyPr vert="vert270" rtlCol="0" anchor="ctr"/>
+              <a:lstStyle/>
+              <a:p>
+                <a:pPr algn="ctr"/>
+                <a:r>
+                  <a:rPr lang="en-US" dirty="0"/>
+                  <a:t>Batch Norm</a:t>
+                </a:r>
+              </a:p>
+            </p:txBody>
+          </p:sp>
+          <p:sp>
+            <p:nvSpPr>
+              <p:cNvPr id="39" name="Flowchart: Alternate Process 38">
+                <a:extLst>
+                  <a:ext uri="{FF2B5EF4-FFF2-40B4-BE49-F238E27FC236}">
+                    <a16:creationId xmlns:a16="http://schemas.microsoft.com/office/drawing/2014/main" id="{0800E312-8FD8-0398-E0D5-5B9D8FF1CD44}"/>
+                  </a:ext>
+                </a:extLst>
+              </p:cNvPr>
+              <p:cNvSpPr/>
+              <p:nvPr/>
+            </p:nvSpPr>
+            <p:spPr>
+              <a:xfrm>
+                <a:off x="4625531" y="4167883"/>
+                <a:ext cx="521208" cy="1527049"/>
+              </a:xfrm>
+              <a:prstGeom prst="flowChartAlternateProcess">
+                <a:avLst/>
+              </a:prstGeom>
+            </p:spPr>
+            <p:style>
+              <a:lnRef idx="2">
+                <a:schemeClr val="accent1">
+                  <a:shade val="15000"/>
+                </a:schemeClr>
+              </a:lnRef>
+              <a:fillRef idx="1">
+                <a:schemeClr val="accent1"/>
+              </a:fillRef>
+              <a:effectRef idx="0">
+                <a:schemeClr val="accent1"/>
+              </a:effectRef>
+              <a:fontRef idx="minor">
+                <a:schemeClr val="lt1"/>
+              </a:fontRef>
+            </p:style>
+            <p:txBody>
+              <a:bodyPr vert="vert270" rtlCol="0" anchor="ctr"/>
+              <a:lstStyle/>
+              <a:p>
+                <a:pPr algn="ctr"/>
+                <a:r>
+                  <a:rPr lang="en-US" dirty="0"/>
+                  <a:t>Conv </a:t>
+                </a:r>
+                <a:r>
+                  <a:rPr lang="en-US" dirty="0" err="1"/>
+                  <a:t>Transp</a:t>
+                </a:r>
+                <a:endParaRPr lang="en-US" dirty="0"/>
+              </a:p>
+            </p:txBody>
+          </p:sp>
+          <p:sp>
+            <p:nvSpPr>
+              <p:cNvPr id="40" name="Flowchart: Alternate Process 39">
+                <a:extLst>
+                  <a:ext uri="{FF2B5EF4-FFF2-40B4-BE49-F238E27FC236}">
+                    <a16:creationId xmlns:a16="http://schemas.microsoft.com/office/drawing/2014/main" id="{FB4B419F-6744-673B-32DF-8D13B19C2DBA}"/>
+                  </a:ext>
+                </a:extLst>
+              </p:cNvPr>
+              <p:cNvSpPr/>
+              <p:nvPr/>
+            </p:nvSpPr>
+            <p:spPr>
+              <a:xfrm>
+                <a:off x="5257038" y="4337047"/>
+                <a:ext cx="521208" cy="1188720"/>
+              </a:xfrm>
+              <a:prstGeom prst="flowChartAlternateProcess">
+                <a:avLst/>
+              </a:prstGeom>
+            </p:spPr>
+            <p:style>
+              <a:lnRef idx="2">
+                <a:schemeClr val="accent1">
+                  <a:shade val="15000"/>
+                </a:schemeClr>
+              </a:lnRef>
+              <a:fillRef idx="1">
+                <a:schemeClr val="accent1"/>
+              </a:fillRef>
+              <a:effectRef idx="0">
+                <a:schemeClr val="accent1"/>
+              </a:effectRef>
+              <a:fontRef idx="minor">
+                <a:schemeClr val="lt1"/>
+              </a:fontRef>
+            </p:style>
+            <p:txBody>
+              <a:bodyPr vert="vert270" rtlCol="0" anchor="ctr"/>
+              <a:lstStyle/>
+              <a:p>
+                <a:pPr algn="ctr"/>
+                <a:r>
+                  <a:rPr lang="en-US" dirty="0"/>
+                  <a:t>LSTM</a:t>
+                </a:r>
+              </a:p>
+            </p:txBody>
+          </p:sp>
+        </p:grpSp>
+        <p:cxnSp>
+          <p:nvCxnSpPr>
+            <p:cNvPr id="42" name="Straight Connector 41">
+              <a:extLst>
+                <a:ext uri="{FF2B5EF4-FFF2-40B4-BE49-F238E27FC236}">
+                  <a16:creationId xmlns:a16="http://schemas.microsoft.com/office/drawing/2014/main" id="{84BC3DC3-F432-B139-0D70-FF8637A55CE3}"/>
+                </a:ext>
+              </a:extLst>
+            </p:cNvPr>
+            <p:cNvCxnSpPr>
+              <a:cxnSpLocks/>
+              <a:stCxn id="7" idx="3"/>
+            </p:cNvCxnSpPr>
+            <p:nvPr/>
+          </p:nvCxnSpPr>
           <p:spPr>
-            <a:xfrm rot="5400000">
-              <a:off x="2843021" y="3319781"/>
-              <a:ext cx="2849879" cy="3223262"/>
+            <a:xfrm flipH="1">
+              <a:off x="2182365" y="2908934"/>
+              <a:ext cx="2496315" cy="1099178"/>
             </a:xfrm>
-            <a:prstGeom prst="trapezoid">
+            <a:prstGeom prst="line">
               <a:avLst/>
             </a:prstGeom>
-            <a:solidFill>
-              <a:schemeClr val="accent5">
-                <a:lumMod val="20000"/>
-                <a:lumOff val="80000"/>
-              </a:schemeClr>
-            </a:solidFill>
-            <a:ln>
-              <a:solidFill>
-                <a:schemeClr val="tx1"/>
-              </a:solidFill>
-            </a:ln>
           </p:spPr>
           <p:style>
-            <a:lnRef idx="2">
-              <a:schemeClr val="accent1">
-                <a:shade val="15000"/>
-              </a:schemeClr>
+            <a:lnRef idx="1">
+              <a:schemeClr val="accent1"/>
             </a:lnRef>
-            <a:fillRef idx="1">
+            <a:fillRef idx="0">
               <a:schemeClr val="accent1"/>
             </a:fillRef>
             <a:effectRef idx="0">
               <a:schemeClr val="accent1"/>
             </a:effectRef>
             <a:fontRef idx="minor">
-              <a:schemeClr val="lt1"/>
+              <a:schemeClr val="tx1"/>
             </a:fontRef>
           </p:style>
-          <p:txBody>
-            <a:bodyPr vert="vert270" rtlCol="0" anchor="ctr"/>
-            <a:lstStyle/>
-            <a:p>
-              <a:pPr algn="ctr"/>
-              <a:endParaRPr lang="en-US" dirty="0"/>
-            </a:p>
-          </p:txBody>
-        </p:sp>
-        <p:sp>
-          <p:nvSpPr>
-            <p:cNvPr id="21" name="Flowchart: Alternate Process 20">
+        </p:cxnSp>
+        <p:cxnSp>
+          <p:nvCxnSpPr>
+            <p:cNvPr id="43" name="Straight Connector 42">
               <a:extLst>
                 <a:ext uri="{FF2B5EF4-FFF2-40B4-BE49-F238E27FC236}">
-                  <a16:creationId xmlns:a16="http://schemas.microsoft.com/office/drawing/2014/main" id="{40AE7C1A-E691-9AED-9E61-84265EA3A953}"/>
+                  <a16:creationId xmlns:a16="http://schemas.microsoft.com/office/drawing/2014/main" id="{C5338E93-4CD6-AC35-DC8F-17088709785F}"/>
                 </a:ext>
               </a:extLst>
             </p:cNvPr>
-            <p:cNvSpPr/>
+            <p:cNvCxnSpPr>
+              <a:cxnSpLocks/>
+              <a:stCxn id="7" idx="3"/>
+            </p:cNvCxnSpPr>
             <p:nvPr/>
-          </p:nvSpPr>
+          </p:nvCxnSpPr>
           <p:spPr>
             <a:xfrm>
-              <a:off x="2731007" y="3834131"/>
-              <a:ext cx="521208" cy="2194560"/>
+              <a:off x="4678680" y="2908934"/>
+              <a:ext cx="726947" cy="1810704"/>
             </a:xfrm>
-            <a:prstGeom prst="flowChartAlternateProcess">
+            <a:prstGeom prst="line">
               <a:avLst/>
             </a:prstGeom>
           </p:spPr>
           <p:style>
-            <a:lnRef idx="2">
-              <a:schemeClr val="accent1">
-                <a:shade val="15000"/>
-              </a:schemeClr>
+            <a:lnRef idx="1">
+              <a:schemeClr val="accent1"/>
             </a:lnRef>
-            <a:fillRef idx="1">
+            <a:fillRef idx="0">
               <a:schemeClr val="accent1"/>
             </a:fillRef>
             <a:effectRef idx="0">
               <a:schemeClr val="accent1"/>
             </a:effectRef>
             <a:fontRef idx="minor">
-              <a:schemeClr val="lt1"/>
+              <a:schemeClr val="tx1"/>
             </a:fontRef>
           </p:style>
-          <p:txBody>
-            <a:bodyPr vert="vert270" rtlCol="0" anchor="ctr"/>
-            <a:lstStyle/>
-            <a:p>
-              <a:pPr algn="ctr"/>
-              <a:r>
-                <a:rPr lang="en-US" dirty="0"/>
-                <a:t>Conv</a:t>
-              </a:r>
-            </a:p>
-          </p:txBody>
-        </p:sp>
-        <p:sp>
-          <p:nvSpPr>
-            <p:cNvPr id="22" name="Flowchart: Alternate Process 21">
+        </p:cxnSp>
+        <p:cxnSp>
+          <p:nvCxnSpPr>
+            <p:cNvPr id="48" name="Straight Connector 47">
               <a:extLst>
                 <a:ext uri="{FF2B5EF4-FFF2-40B4-BE49-F238E27FC236}">
-                  <a16:creationId xmlns:a16="http://schemas.microsoft.com/office/drawing/2014/main" id="{4CED80F4-1868-C382-91A3-2751F4C9718A}"/>
+                  <a16:creationId xmlns:a16="http://schemas.microsoft.com/office/drawing/2014/main" id="{0015ABE3-B18B-B3C5-2419-A76303AA1242}"/>
                 </a:ext>
               </a:extLst>
             </p:cNvPr>
-            <p:cNvSpPr/>
+            <p:cNvCxnSpPr>
+              <a:cxnSpLocks/>
+              <a:stCxn id="9" idx="1"/>
+            </p:cNvCxnSpPr>
             <p:nvPr/>
-          </p:nvSpPr>
+          </p:nvCxnSpPr>
           <p:spPr>
-            <a:xfrm>
-              <a:off x="3362515" y="3916424"/>
-              <a:ext cx="521208" cy="2029969"/>
+            <a:xfrm flipH="1">
+              <a:off x="6786371" y="2908935"/>
+              <a:ext cx="726949" cy="1810703"/>
             </a:xfrm>
-            <a:prstGeom prst="flowChartAlternateProcess">
+            <a:prstGeom prst="line">
               <a:avLst/>
             </a:prstGeom>
           </p:spPr>
           <p:style>
-            <a:lnRef idx="2">
-              <a:schemeClr val="accent1">
-                <a:shade val="15000"/>
-              </a:schemeClr>
+            <a:lnRef idx="1">
+              <a:schemeClr val="accent1"/>
             </a:lnRef>
-            <a:fillRef idx="1">
+            <a:fillRef idx="0">
               <a:schemeClr val="accent1"/>
             </a:fillRef>
             <a:effectRef idx="0">
               <a:schemeClr val="accent1"/>
             </a:effectRef>
             <a:fontRef idx="minor">
-              <a:schemeClr val="lt1"/>
+              <a:schemeClr val="tx1"/>
             </a:fontRef>
           </p:style>
-          <p:txBody>
-            <a:bodyPr vert="vert270" rtlCol="0" anchor="ctr"/>
-            <a:lstStyle/>
-            <a:p>
-              <a:pPr algn="ctr"/>
-              <a:r>
-                <a:rPr lang="en-US" dirty="0"/>
-                <a:t>LSTM</a:t>
-              </a:r>
-            </a:p>
-          </p:txBody>
-        </p:sp>
-        <p:sp>
-          <p:nvSpPr>
-            <p:cNvPr id="23" name="Flowchart: Alternate Process 22">
+        </p:cxnSp>
+        <p:cxnSp>
+          <p:nvCxnSpPr>
+            <p:cNvPr id="52" name="Straight Connector 51">
               <a:extLst>
                 <a:ext uri="{FF2B5EF4-FFF2-40B4-BE49-F238E27FC236}">
-                  <a16:creationId xmlns:a16="http://schemas.microsoft.com/office/drawing/2014/main" id="{E6E6F606-16BB-D8DB-24D5-4C96AE484B82}"/>
+                  <a16:creationId xmlns:a16="http://schemas.microsoft.com/office/drawing/2014/main" id="{63723142-D7B9-F742-24FE-3839B3552154}"/>
                 </a:ext>
               </a:extLst>
             </p:cNvPr>
-            <p:cNvSpPr/>
+            <p:cNvCxnSpPr>
+              <a:cxnSpLocks/>
+              <a:stCxn id="9" idx="1"/>
+            </p:cNvCxnSpPr>
             <p:nvPr/>
-          </p:nvSpPr>
+          </p:nvCxnSpPr>
           <p:spPr>
             <a:xfrm>
-              <a:off x="3994023" y="4007865"/>
-              <a:ext cx="521208" cy="1847088"/>
+              <a:off x="7513320" y="2908935"/>
+              <a:ext cx="2496315" cy="1099179"/>
             </a:xfrm>
-            <a:prstGeom prst="flowChartAlternateProcess">
+            <a:prstGeom prst="line">
               <a:avLst/>
             </a:prstGeom>
           </p:spPr>
           <p:style>
-            <a:lnRef idx="2">
-              <a:schemeClr val="accent1">
-                <a:shade val="15000"/>
-              </a:schemeClr>
+            <a:lnRef idx="1">
+              <a:schemeClr val="accent1"/>
             </a:lnRef>
-            <a:fillRef idx="1">
+            <a:fillRef idx="0">
               <a:schemeClr val="accent1"/>
             </a:fillRef>
             <a:effectRef idx="0">
               <a:schemeClr val="accent1"/>
             </a:effectRef>
             <a:fontRef idx="minor">
-              <a:schemeClr val="lt1"/>
+              <a:schemeClr val="tx1"/>
             </a:fontRef>
           </p:style>
-          <p:txBody>
-            <a:bodyPr vert="vert270" rtlCol="0" anchor="ctr"/>
-            <a:lstStyle/>
-            <a:p>
-              <a:pPr algn="ctr"/>
-              <a:r>
-                <a:rPr lang="en-US" dirty="0"/>
-                <a:t>Batch Norm</a:t>
-              </a:r>
-            </a:p>
-          </p:txBody>
-        </p:sp>
-        <p:sp>
-          <p:nvSpPr>
-            <p:cNvPr id="24" name="Flowchart: Alternate Process 23">
-              <a:extLst>
-                <a:ext uri="{FF2B5EF4-FFF2-40B4-BE49-F238E27FC236}">
-                  <a16:creationId xmlns:a16="http://schemas.microsoft.com/office/drawing/2014/main" id="{C67CFCA3-D0A2-FCF1-9EB1-8C83149BEAD9}"/>
-                </a:ext>
-              </a:extLst>
-            </p:cNvPr>
-            <p:cNvSpPr/>
-            <p:nvPr/>
-          </p:nvSpPr>
-          <p:spPr>
-            <a:xfrm>
-              <a:off x="4625531" y="4167883"/>
-              <a:ext cx="521208" cy="1527049"/>
-            </a:xfrm>
-            <a:prstGeom prst="flowChartAlternateProcess">
-              <a:avLst/>
-            </a:prstGeom>
-          </p:spPr>
-          <p:style>
-            <a:lnRef idx="2">
-              <a:schemeClr val="accent1">
-                <a:shade val="15000"/>
-              </a:schemeClr>
-            </a:lnRef>
-            <a:fillRef idx="1">
-              <a:schemeClr val="accent1"/>
-            </a:fillRef>
-            <a:effectRef idx="0">
-              <a:schemeClr val="accent1"/>
-            </a:effectRef>
-            <a:fontRef idx="minor">
-              <a:schemeClr val="lt1"/>
-            </a:fontRef>
-          </p:style>
-          <p:txBody>
-            <a:bodyPr vert="vert270" rtlCol="0" anchor="ctr"/>
-            <a:lstStyle/>
-            <a:p>
-              <a:pPr algn="ctr"/>
-              <a:r>
-                <a:rPr lang="en-US" dirty="0" err="1"/>
-                <a:t>LeakyReLU</a:t>
-              </a:r>
-              <a:endParaRPr lang="en-US" dirty="0"/>
-            </a:p>
-          </p:txBody>
-        </p:sp>
-        <p:sp>
-          <p:nvSpPr>
-            <p:cNvPr id="32" name="Flowchart: Alternate Process 31">
-              <a:extLst>
-                <a:ext uri="{FF2B5EF4-FFF2-40B4-BE49-F238E27FC236}">
-                  <a16:creationId xmlns:a16="http://schemas.microsoft.com/office/drawing/2014/main" id="{B56239F4-20C0-21A9-DA24-3F0067D2366C}"/>
-                </a:ext>
-              </a:extLst>
-            </p:cNvPr>
-            <p:cNvSpPr/>
-            <p:nvPr/>
-          </p:nvSpPr>
-          <p:spPr>
-            <a:xfrm>
-              <a:off x="5257038" y="4337047"/>
-              <a:ext cx="521208" cy="1188720"/>
-            </a:xfrm>
-            <a:prstGeom prst="flowChartAlternateProcess">
-              <a:avLst/>
-            </a:prstGeom>
-          </p:spPr>
-          <p:style>
-            <a:lnRef idx="2">
-              <a:schemeClr val="accent1">
-                <a:shade val="15000"/>
-              </a:schemeClr>
-            </a:lnRef>
-            <a:fillRef idx="1">
-              <a:schemeClr val="accent1"/>
-            </a:fillRef>
-            <a:effectRef idx="0">
-              <a:schemeClr val="accent1"/>
-            </a:effectRef>
-            <a:fontRef idx="minor">
-              <a:schemeClr val="lt1"/>
-            </a:fontRef>
-          </p:style>
-          <p:txBody>
-            <a:bodyPr vert="vert270" rtlCol="0" anchor="ctr"/>
-            <a:lstStyle/>
-            <a:p>
-              <a:pPr algn="ctr"/>
-              <a:r>
-                <a:rPr lang="en-US" dirty="0"/>
-                <a:t>Max Pool</a:t>
-              </a:r>
-            </a:p>
-          </p:txBody>
-        </p:sp>
+        </p:cxnSp>
+        <mc:AlternateContent xmlns:mc="http://schemas.openxmlformats.org/markup-compatibility/2006" xmlns:a14="http://schemas.microsoft.com/office/drawing/2010/main">
+          <mc:Choice Requires="a14">
+            <p:sp>
+              <p:nvSpPr>
+                <p:cNvPr id="10" name="Rectangle 9">
+                  <a:extLst>
+                    <a:ext uri="{FF2B5EF4-FFF2-40B4-BE49-F238E27FC236}">
+                      <a16:creationId xmlns:a16="http://schemas.microsoft.com/office/drawing/2014/main" id="{C365D27A-F9FD-3F26-2CE2-75F0C859FBB3}"/>
+                    </a:ext>
+                  </a:extLst>
+                </p:cNvPr>
+                <p:cNvSpPr/>
+                <p:nvPr/>
+              </p:nvSpPr>
+              <p:spPr>
+                <a:xfrm>
+                  <a:off x="2965704" y="850391"/>
+                  <a:ext cx="725424" cy="2240280"/>
+                </a:xfrm>
+                <a:prstGeom prst="rect">
+                  <a:avLst/>
+                </a:prstGeom>
+                <a:solidFill>
+                  <a:srgbClr val="B889DB"/>
+                </a:solidFill>
+                <a:ln>
+                  <a:solidFill>
+                    <a:schemeClr val="tx1"/>
+                  </a:solidFill>
+                </a:ln>
+              </p:spPr>
+              <p:style>
+                <a:lnRef idx="2">
+                  <a:schemeClr val="accent1">
+                    <a:shade val="15000"/>
+                  </a:schemeClr>
+                </a:lnRef>
+                <a:fillRef idx="1">
+                  <a:schemeClr val="accent1"/>
+                </a:fillRef>
+                <a:effectRef idx="0">
+                  <a:schemeClr val="accent1"/>
+                </a:effectRef>
+                <a:fontRef idx="minor">
+                  <a:schemeClr val="lt1"/>
+                </a:fontRef>
+              </p:style>
+              <p:txBody>
+                <a:bodyPr rtlCol="0" anchor="t"/>
+                <a:lstStyle/>
+                <a:p>
+                  <a:pPr algn="ctr"/>
+                  <a14:m>
+                    <m:oMathPara xmlns:m="http://schemas.openxmlformats.org/officeDocument/2006/math">
+                      <m:oMathParaPr>
+                        <m:jc m:val="centerGroup"/>
+                      </m:oMathParaPr>
+                      <m:oMath xmlns:m="http://schemas.openxmlformats.org/officeDocument/2006/math">
+                        <m:r>
+                          <a:rPr lang="en-US" b="0" i="1" smtClean="0">
+                            <a:latin typeface="Cambria Math" panose="02040503050406030204" pitchFamily="18" charset="0"/>
+                          </a:rPr>
+                          <m:t>…</m:t>
+                        </m:r>
+                      </m:oMath>
+                    </m:oMathPara>
+                  </a14:m>
+                  <a:endParaRPr lang="en-US" dirty="0"/>
+                </a:p>
+              </p:txBody>
+            </p:sp>
+          </mc:Choice>
+          <mc:Fallback xmlns="">
+            <p:sp>
+              <p:nvSpPr>
+                <p:cNvPr id="10" name="Rectangle 9">
+                  <a:extLst>
+                    <a:ext uri="{FF2B5EF4-FFF2-40B4-BE49-F238E27FC236}">
+                      <a16:creationId xmlns:a16="http://schemas.microsoft.com/office/drawing/2014/main" id="{C365D27A-F9FD-3F26-2CE2-75F0C859FBB3}"/>
+                    </a:ext>
+                  </a:extLst>
+                </p:cNvPr>
+                <p:cNvSpPr>
+                  <a:spLocks noRot="1" noChangeAspect="1" noMove="1" noResize="1" noEditPoints="1" noAdjustHandles="1" noChangeArrowheads="1" noChangeShapeType="1" noTextEdit="1"/>
+                </p:cNvSpPr>
+                <p:nvPr/>
+              </p:nvSpPr>
+              <p:spPr>
+                <a:xfrm>
+                  <a:off x="2965704" y="850391"/>
+                  <a:ext cx="725424" cy="2240280"/>
+                </a:xfrm>
+                <a:prstGeom prst="rect">
+                  <a:avLst/>
+                </a:prstGeom>
+                <a:blipFill>
+                  <a:blip r:embed="rId4"/>
+                  <a:stretch>
+                    <a:fillRect/>
+                  </a:stretch>
+                </a:blipFill>
+                <a:ln>
+                  <a:solidFill>
+                    <a:schemeClr val="tx1"/>
+                  </a:solidFill>
+                </a:ln>
+              </p:spPr>
+              <p:txBody>
+                <a:bodyPr/>
+                <a:lstStyle/>
+                <a:p>
+                  <a:r>
+                    <a:rPr lang="en-US">
+                      <a:noFill/>
+                    </a:rPr>
+                    <a:t> </a:t>
+                  </a:r>
+                </a:p>
+              </p:txBody>
+            </p:sp>
+          </mc:Fallback>
+        </mc:AlternateContent>
       </p:grpSp>
-      <p:grpSp>
-        <p:nvGrpSpPr>
-          <p:cNvPr id="34" name="Group 33">
+      <p:pic>
+        <p:nvPicPr>
+          <p:cNvPr id="12" name="Picture 4" descr="Inner structure of ConvLSTM. By the convolution operation, the number... |  Download Scientific Diagram">
             <a:extLst>
               <a:ext uri="{FF2B5EF4-FFF2-40B4-BE49-F238E27FC236}">
-                <a16:creationId xmlns:a16="http://schemas.microsoft.com/office/drawing/2014/main" id="{04BDBD15-786E-1368-59DE-2B3EFCD926A0}"/>
+                <a16:creationId xmlns:a16="http://schemas.microsoft.com/office/drawing/2014/main" id="{0728F11B-097C-CAC1-541F-91A97436A4C4}"/>
               </a:ext>
             </a:extLst>
           </p:cNvPr>
-          <p:cNvGrpSpPr/>
+          <p:cNvPicPr>
+            <a:picLocks noChangeAspect="1" noChangeArrowheads="1"/>
+          </p:cNvPicPr>
           <p:nvPr/>
-        </p:nvGrpSpPr>
-        <p:grpSpPr>
-          <a:xfrm rot="10800000">
-            <a:off x="6786373" y="4008116"/>
-            <a:ext cx="3223262" cy="2849879"/>
-            <a:chOff x="2656330" y="3506472"/>
-            <a:chExt cx="3223262" cy="2849879"/>
+        </p:nvPicPr>
+        <p:blipFill>
+          <a:blip r:embed="rId5">
+            <a:extLst>
+              <a:ext uri="{28A0092B-C50C-407E-A947-70E740481C1C}">
+                <a14:useLocalDpi xmlns:a14="http://schemas.microsoft.com/office/drawing/2010/main" val="0"/>
+              </a:ext>
+            </a:extLst>
+          </a:blip>
+          <a:srcRect/>
+          <a:stretch>
+            <a:fillRect/>
+          </a:stretch>
+        </p:blipFill>
+        <p:spPr bwMode="auto">
+          <a:xfrm>
+            <a:off x="383" y="4945423"/>
+            <a:ext cx="2656357" cy="1912577"/>
           </a:xfrm>
-        </p:grpSpPr>
-        <p:sp>
-          <p:nvSpPr>
-            <p:cNvPr id="35" name="Trapezoid 34">
-              <a:extLst>
-                <a:ext uri="{FF2B5EF4-FFF2-40B4-BE49-F238E27FC236}">
-                  <a16:creationId xmlns:a16="http://schemas.microsoft.com/office/drawing/2014/main" id="{EBF12F0F-EC1C-E929-7A5E-9E64ABB55F0B}"/>
-                </a:ext>
-              </a:extLst>
-            </p:cNvPr>
-            <p:cNvSpPr/>
-            <p:nvPr/>
-          </p:nvSpPr>
-          <p:spPr>
-            <a:xfrm rot="5400000">
-              <a:off x="2843021" y="3319781"/>
-              <a:ext cx="2849879" cy="3223262"/>
-            </a:xfrm>
-            <a:prstGeom prst="trapezoid">
-              <a:avLst/>
-            </a:prstGeom>
+          <a:prstGeom prst="rect">
+            <a:avLst/>
+          </a:prstGeom>
+          <a:noFill/>
+          <a:ln>
             <a:solidFill>
-              <a:schemeClr val="accent5">
-                <a:lumMod val="20000"/>
-                <a:lumOff val="80000"/>
-              </a:schemeClr>
+              <a:schemeClr val="tx1"/>
             </a:solidFill>
-            <a:ln>
-              <a:solidFill>
-                <a:schemeClr val="tx1"/>
-              </a:solidFill>
-            </a:ln>
-          </p:spPr>
-          <p:style>
-            <a:lnRef idx="2">
-              <a:schemeClr val="accent1">
-                <a:shade val="15000"/>
-              </a:schemeClr>
-            </a:lnRef>
-            <a:fillRef idx="1">
-              <a:schemeClr val="accent1"/>
-            </a:fillRef>
-            <a:effectRef idx="0">
-              <a:schemeClr val="accent1"/>
-            </a:effectRef>
-            <a:fontRef idx="minor">
-              <a:schemeClr val="lt1"/>
-            </a:fontRef>
-          </p:style>
-          <p:txBody>
-            <a:bodyPr vert="vert270" rtlCol="0" anchor="ctr"/>
-            <a:lstStyle/>
-            <a:p>
-              <a:pPr algn="ctr"/>
-              <a:endParaRPr lang="en-US" dirty="0"/>
-            </a:p>
-          </p:txBody>
-        </p:sp>
-        <p:sp>
-          <p:nvSpPr>
-            <p:cNvPr id="36" name="Flowchart: Alternate Process 35">
-              <a:extLst>
-                <a:ext uri="{FF2B5EF4-FFF2-40B4-BE49-F238E27FC236}">
-                  <a16:creationId xmlns:a16="http://schemas.microsoft.com/office/drawing/2014/main" id="{01A60EF6-5B85-9001-19F7-5D6AE7DAD652}"/>
-                </a:ext>
-              </a:extLst>
-            </p:cNvPr>
-            <p:cNvSpPr/>
-            <p:nvPr/>
-          </p:nvSpPr>
-          <p:spPr>
-            <a:xfrm>
-              <a:off x="2731007" y="3834131"/>
-              <a:ext cx="521208" cy="2194560"/>
-            </a:xfrm>
-            <a:prstGeom prst="flowChartAlternateProcess">
-              <a:avLst/>
-            </a:prstGeom>
-          </p:spPr>
-          <p:style>
-            <a:lnRef idx="2">
-              <a:schemeClr val="accent1">
-                <a:shade val="15000"/>
-              </a:schemeClr>
-            </a:lnRef>
-            <a:fillRef idx="1">
-              <a:schemeClr val="accent1"/>
-            </a:fillRef>
-            <a:effectRef idx="0">
-              <a:schemeClr val="accent1"/>
-            </a:effectRef>
-            <a:fontRef idx="minor">
-              <a:schemeClr val="lt1"/>
-            </a:fontRef>
-          </p:style>
-          <p:txBody>
-            <a:bodyPr vert="vert270" rtlCol="0" anchor="ctr"/>
-            <a:lstStyle/>
-            <a:p>
-              <a:pPr algn="ctr"/>
-              <a:r>
-                <a:rPr lang="en-US" dirty="0" err="1"/>
-                <a:t>Upsampling</a:t>
-              </a:r>
-              <a:endParaRPr lang="en-US" dirty="0"/>
-            </a:p>
-          </p:txBody>
-        </p:sp>
-        <p:sp>
-          <p:nvSpPr>
-            <p:cNvPr id="37" name="Flowchart: Alternate Process 36">
-              <a:extLst>
-                <a:ext uri="{FF2B5EF4-FFF2-40B4-BE49-F238E27FC236}">
-                  <a16:creationId xmlns:a16="http://schemas.microsoft.com/office/drawing/2014/main" id="{D70E8DC4-BB53-DDD2-E149-5A696A4A9A35}"/>
-                </a:ext>
-              </a:extLst>
-            </p:cNvPr>
-            <p:cNvSpPr/>
-            <p:nvPr/>
-          </p:nvSpPr>
-          <p:spPr>
-            <a:xfrm>
-              <a:off x="3362515" y="3916424"/>
-              <a:ext cx="521208" cy="2029969"/>
-            </a:xfrm>
-            <a:prstGeom prst="flowChartAlternateProcess">
-              <a:avLst/>
-            </a:prstGeom>
-          </p:spPr>
-          <p:style>
-            <a:lnRef idx="2">
-              <a:schemeClr val="accent1">
-                <a:shade val="15000"/>
-              </a:schemeClr>
-            </a:lnRef>
-            <a:fillRef idx="1">
-              <a:schemeClr val="accent1"/>
-            </a:fillRef>
-            <a:effectRef idx="0">
-              <a:schemeClr val="accent1"/>
-            </a:effectRef>
-            <a:fontRef idx="minor">
-              <a:schemeClr val="lt1"/>
-            </a:fontRef>
-          </p:style>
-          <p:txBody>
-            <a:bodyPr vert="vert270" rtlCol="0" anchor="ctr"/>
-            <a:lstStyle/>
-            <a:p>
-              <a:pPr algn="ctr"/>
-              <a:r>
-                <a:rPr lang="en-US" dirty="0" err="1"/>
-                <a:t>LeakyReLU</a:t>
-              </a:r>
-              <a:endParaRPr lang="en-US" dirty="0"/>
-            </a:p>
-          </p:txBody>
-        </p:sp>
-        <p:sp>
-          <p:nvSpPr>
-            <p:cNvPr id="38" name="Flowchart: Alternate Process 37">
-              <a:extLst>
-                <a:ext uri="{FF2B5EF4-FFF2-40B4-BE49-F238E27FC236}">
-                  <a16:creationId xmlns:a16="http://schemas.microsoft.com/office/drawing/2014/main" id="{C959C0EA-B6F7-8FC1-A041-4D10FBCC9DAB}"/>
-                </a:ext>
-              </a:extLst>
-            </p:cNvPr>
-            <p:cNvSpPr/>
-            <p:nvPr/>
-          </p:nvSpPr>
-          <p:spPr>
-            <a:xfrm>
-              <a:off x="3994023" y="4007865"/>
-              <a:ext cx="521208" cy="1847088"/>
-            </a:xfrm>
-            <a:prstGeom prst="flowChartAlternateProcess">
-              <a:avLst/>
-            </a:prstGeom>
-          </p:spPr>
-          <p:style>
-            <a:lnRef idx="2">
-              <a:schemeClr val="accent1">
-                <a:shade val="15000"/>
-              </a:schemeClr>
-            </a:lnRef>
-            <a:fillRef idx="1">
-              <a:schemeClr val="accent1"/>
-            </a:fillRef>
-            <a:effectRef idx="0">
-              <a:schemeClr val="accent1"/>
-            </a:effectRef>
-            <a:fontRef idx="minor">
-              <a:schemeClr val="lt1"/>
-            </a:fontRef>
-          </p:style>
-          <p:txBody>
-            <a:bodyPr vert="vert270" rtlCol="0" anchor="ctr"/>
-            <a:lstStyle/>
-            <a:p>
-              <a:pPr algn="ctr"/>
-              <a:r>
-                <a:rPr lang="en-US" dirty="0"/>
-                <a:t>Batch Norm</a:t>
-              </a:r>
-            </a:p>
-          </p:txBody>
-        </p:sp>
-        <p:sp>
-          <p:nvSpPr>
-            <p:cNvPr id="39" name="Flowchart: Alternate Process 38">
-              <a:extLst>
-                <a:ext uri="{FF2B5EF4-FFF2-40B4-BE49-F238E27FC236}">
-                  <a16:creationId xmlns:a16="http://schemas.microsoft.com/office/drawing/2014/main" id="{0800E312-8FD8-0398-E0D5-5B9D8FF1CD44}"/>
-                </a:ext>
-              </a:extLst>
-            </p:cNvPr>
-            <p:cNvSpPr/>
-            <p:nvPr/>
-          </p:nvSpPr>
-          <p:spPr>
-            <a:xfrm>
-              <a:off x="4625531" y="4167883"/>
-              <a:ext cx="521208" cy="1527049"/>
-            </a:xfrm>
-            <a:prstGeom prst="flowChartAlternateProcess">
-              <a:avLst/>
-            </a:prstGeom>
-          </p:spPr>
-          <p:style>
-            <a:lnRef idx="2">
-              <a:schemeClr val="accent1">
-                <a:shade val="15000"/>
-              </a:schemeClr>
-            </a:lnRef>
-            <a:fillRef idx="1">
-              <a:schemeClr val="accent1"/>
-            </a:fillRef>
-            <a:effectRef idx="0">
-              <a:schemeClr val="accent1"/>
-            </a:effectRef>
-            <a:fontRef idx="minor">
-              <a:schemeClr val="lt1"/>
-            </a:fontRef>
-          </p:style>
-          <p:txBody>
-            <a:bodyPr vert="vert270" rtlCol="0" anchor="ctr"/>
-            <a:lstStyle/>
-            <a:p>
-              <a:pPr algn="ctr"/>
-              <a:r>
-                <a:rPr lang="en-US" dirty="0"/>
-                <a:t>Conv </a:t>
-              </a:r>
-              <a:r>
-                <a:rPr lang="en-US" dirty="0" err="1"/>
-                <a:t>Transp</a:t>
-              </a:r>
-              <a:endParaRPr lang="en-US" dirty="0"/>
-            </a:p>
-          </p:txBody>
-        </p:sp>
-        <p:sp>
-          <p:nvSpPr>
-            <p:cNvPr id="40" name="Flowchart: Alternate Process 39">
-              <a:extLst>
-                <a:ext uri="{FF2B5EF4-FFF2-40B4-BE49-F238E27FC236}">
-                  <a16:creationId xmlns:a16="http://schemas.microsoft.com/office/drawing/2014/main" id="{FB4B419F-6744-673B-32DF-8D13B19C2DBA}"/>
-                </a:ext>
-              </a:extLst>
-            </p:cNvPr>
-            <p:cNvSpPr/>
-            <p:nvPr/>
-          </p:nvSpPr>
-          <p:spPr>
-            <a:xfrm>
-              <a:off x="5257038" y="4337047"/>
-              <a:ext cx="521208" cy="1188720"/>
-            </a:xfrm>
-            <a:prstGeom prst="flowChartAlternateProcess">
-              <a:avLst/>
-            </a:prstGeom>
-          </p:spPr>
-          <p:style>
-            <a:lnRef idx="2">
-              <a:schemeClr val="accent1">
-                <a:shade val="15000"/>
-              </a:schemeClr>
-            </a:lnRef>
-            <a:fillRef idx="1">
-              <a:schemeClr val="accent1"/>
-            </a:fillRef>
-            <a:effectRef idx="0">
-              <a:schemeClr val="accent1"/>
-            </a:effectRef>
-            <a:fontRef idx="minor">
-              <a:schemeClr val="lt1"/>
-            </a:fontRef>
-          </p:style>
-          <p:txBody>
-            <a:bodyPr vert="vert270" rtlCol="0" anchor="ctr"/>
-            <a:lstStyle/>
-            <a:p>
-              <a:pPr algn="ctr"/>
-              <a:r>
-                <a:rPr lang="en-US" dirty="0"/>
-                <a:t>LSTM</a:t>
-              </a:r>
-            </a:p>
-          </p:txBody>
-        </p:sp>
-      </p:grpSp>
-      <p:cxnSp>
-        <p:nvCxnSpPr>
-          <p:cNvPr id="42" name="Straight Connector 41">
+          </a:ln>
+          <a:extLst>
+            <a:ext uri="{909E8E84-426E-40DD-AFC4-6F175D3DCCD1}">
+              <a14:hiddenFill xmlns:a14="http://schemas.microsoft.com/office/drawing/2010/main">
+                <a:solidFill>
+                  <a:srgbClr val="FFFFFF"/>
+                </a:solidFill>
+              </a14:hiddenFill>
+            </a:ext>
+          </a:extLst>
+        </p:spPr>
+      </p:pic>
+      <p:sp>
+        <p:nvSpPr>
+          <p:cNvPr id="16" name="TextBox 15">
             <a:extLst>
               <a:ext uri="{FF2B5EF4-FFF2-40B4-BE49-F238E27FC236}">
-                <a16:creationId xmlns:a16="http://schemas.microsoft.com/office/drawing/2014/main" id="{84BC3DC3-F432-B139-0D70-FF8637A55CE3}"/>
+                <a16:creationId xmlns:a16="http://schemas.microsoft.com/office/drawing/2014/main" id="{50E21349-7487-FFA4-4FD3-4E27E8A2CF19}"/>
               </a:ext>
             </a:extLst>
           </p:cNvPr>
-          <p:cNvCxnSpPr>
-            <a:cxnSpLocks/>
-            <a:stCxn id="7" idx="3"/>
-          </p:cNvCxnSpPr>
+          <p:cNvSpPr txBox="1"/>
           <p:nvPr/>
-        </p:nvCxnSpPr>
+        </p:nvSpPr>
         <p:spPr>
-          <a:xfrm flipH="1">
-            <a:off x="2182365" y="2908934"/>
-            <a:ext cx="2496315" cy="1099178"/>
+          <a:xfrm>
+            <a:off x="626034" y="4576091"/>
+            <a:ext cx="1405053" cy="369332"/>
           </a:xfrm>
-          <a:prstGeom prst="line">
+          <a:prstGeom prst="rect">
             <a:avLst/>
           </a:prstGeom>
+          <a:noFill/>
         </p:spPr>
-        <p:style>
-          <a:lnRef idx="1">
-            <a:schemeClr val="accent1"/>
-          </a:lnRef>
-          <a:fillRef idx="0">
-            <a:schemeClr val="accent1"/>
-          </a:fillRef>
-          <a:effectRef idx="0">
-            <a:schemeClr val="accent1"/>
-          </a:effectRef>
-          <a:fontRef idx="minor">
-            <a:schemeClr val="tx1"/>
-          </a:fontRef>
-        </p:style>
-      </p:cxnSp>
-      <p:cxnSp>
-        <p:nvCxnSpPr>
-          <p:cNvPr id="43" name="Straight Connector 42">
-            <a:extLst>
-              <a:ext uri="{FF2B5EF4-FFF2-40B4-BE49-F238E27FC236}">
-                <a16:creationId xmlns:a16="http://schemas.microsoft.com/office/drawing/2014/main" id="{C5338E93-4CD6-AC35-DC8F-17088709785F}"/>
-              </a:ext>
-            </a:extLst>
-          </p:cNvPr>
-          <p:cNvCxnSpPr>
-            <a:cxnSpLocks/>
-            <a:stCxn id="7" idx="3"/>
-          </p:cNvCxnSpPr>
-          <p:nvPr/>
-        </p:nvCxnSpPr>
-        <p:spPr>
-          <a:xfrm>
-            <a:off x="4678680" y="2908934"/>
-            <a:ext cx="726947" cy="1810704"/>
-          </a:xfrm>
-          <a:prstGeom prst="line">
-            <a:avLst/>
-          </a:prstGeom>
-        </p:spPr>
-        <p:style>
-          <a:lnRef idx="1">
-            <a:schemeClr val="accent1"/>
-          </a:lnRef>
-          <a:fillRef idx="0">
-            <a:schemeClr val="accent1"/>
-          </a:fillRef>
-          <a:effectRef idx="0">
-            <a:schemeClr val="accent1"/>
-          </a:effectRef>
-          <a:fontRef idx="minor">
-            <a:schemeClr val="tx1"/>
-          </a:fontRef>
-        </p:style>
-      </p:cxnSp>
-      <p:cxnSp>
-        <p:nvCxnSpPr>
-          <p:cNvPr id="48" name="Straight Connector 47">
-            <a:extLst>
-              <a:ext uri="{FF2B5EF4-FFF2-40B4-BE49-F238E27FC236}">
-                <a16:creationId xmlns:a16="http://schemas.microsoft.com/office/drawing/2014/main" id="{0015ABE3-B18B-B3C5-2419-A76303AA1242}"/>
-              </a:ext>
-            </a:extLst>
-          </p:cNvPr>
-          <p:cNvCxnSpPr>
-            <a:cxnSpLocks/>
-            <a:stCxn id="9" idx="1"/>
-          </p:cNvCxnSpPr>
-          <p:nvPr/>
-        </p:nvCxnSpPr>
-        <p:spPr>
-          <a:xfrm flipH="1">
-            <a:off x="6786371" y="2908935"/>
-            <a:ext cx="726949" cy="1810703"/>
-          </a:xfrm>
-          <a:prstGeom prst="line">
-            <a:avLst/>
-          </a:prstGeom>
-        </p:spPr>
-        <p:style>
-          <a:lnRef idx="1">
-            <a:schemeClr val="accent1"/>
-          </a:lnRef>
-          <a:fillRef idx="0">
-            <a:schemeClr val="accent1"/>
-          </a:fillRef>
-          <a:effectRef idx="0">
-            <a:schemeClr val="accent1"/>
-          </a:effectRef>
-          <a:fontRef idx="minor">
-            <a:schemeClr val="tx1"/>
-          </a:fontRef>
-        </p:style>
-      </p:cxnSp>
-      <p:cxnSp>
-        <p:nvCxnSpPr>
-          <p:cNvPr id="52" name="Straight Connector 51">
-            <a:extLst>
-              <a:ext uri="{FF2B5EF4-FFF2-40B4-BE49-F238E27FC236}">
-                <a16:creationId xmlns:a16="http://schemas.microsoft.com/office/drawing/2014/main" id="{63723142-D7B9-F742-24FE-3839B3552154}"/>
-              </a:ext>
-            </a:extLst>
-          </p:cNvPr>
-          <p:cNvCxnSpPr>
-            <a:cxnSpLocks/>
-            <a:stCxn id="9" idx="1"/>
-          </p:cNvCxnSpPr>
-          <p:nvPr/>
-        </p:nvCxnSpPr>
-        <p:spPr>
-          <a:xfrm>
-            <a:off x="7513320" y="2908935"/>
-            <a:ext cx="2496315" cy="1099179"/>
-          </a:xfrm>
-          <a:prstGeom prst="line">
-            <a:avLst/>
-          </a:prstGeom>
-        </p:spPr>
-        <p:style>
-          <a:lnRef idx="1">
-            <a:schemeClr val="accent1"/>
-          </a:lnRef>
-          <a:fillRef idx="0">
-            <a:schemeClr val="accent1"/>
-          </a:fillRef>
-          <a:effectRef idx="0">
-            <a:schemeClr val="accent1"/>
-          </a:effectRef>
-          <a:fontRef idx="minor">
-            <a:schemeClr val="tx1"/>
-          </a:fontRef>
-        </p:style>
-      </p:cxnSp>
+        <p:txBody>
+          <a:bodyPr wrap="square" rtlCol="0">
+            <a:spAutoFit/>
+          </a:bodyPr>
+          <a:lstStyle/>
+          <a:p>
+            <a:r>
+              <a:rPr lang="en-US" dirty="0"/>
+              <a:t>Conv-LSTM</a:t>
+            </a:r>
+          </a:p>
+        </p:txBody>
+      </p:sp>
     </p:spTree>
     <p:extLst>
       <p:ext uri="{BB962C8B-B14F-4D97-AF65-F5344CB8AC3E}">
@@ -7142,7 +7526,7 @@
 </p:sld>
 </file>
 
-<file path=ppt/slides/slide12.xml><?xml version="1.0" encoding="utf-8"?>
+<file path=ppt/slides/slide11.xml><?xml version="1.0" encoding="utf-8"?>
 <p:sld xmlns:a="http://schemas.openxmlformats.org/drawingml/2006/main" xmlns:r="http://schemas.openxmlformats.org/officeDocument/2006/relationships" xmlns:p="http://schemas.openxmlformats.org/presentationml/2006/main">
   <p:cSld>
     <p:spTree>
@@ -7182,7 +7566,7 @@
           <a:p>
             <a:fld id="{AC0D4EF2-159E-40B9-9280-8D857A02F939}" type="slidenum">
               <a:rPr lang="en-US" smtClean="0"/>
-              <a:t>12</a:t>
+              <a:t>11</a:t>
             </a:fld>
             <a:endParaRPr lang="en-US"/>
           </a:p>
@@ -7696,7 +8080,7 @@
           <p:cNvPr id="2" name="Slide Number Placeholder 1">
             <a:extLst>
               <a:ext uri="{FF2B5EF4-FFF2-40B4-BE49-F238E27FC236}">
-                <a16:creationId xmlns:a16="http://schemas.microsoft.com/office/drawing/2014/main" id="{C27971EB-52FC-6219-A216-0A6DE2985274}"/>
+                <a16:creationId xmlns:a16="http://schemas.microsoft.com/office/drawing/2014/main" id="{81F04754-FED4-F88C-E459-AA261A1A2F78}"/>
               </a:ext>
             </a:extLst>
           </p:cNvPr>
@@ -7725,7 +8109,7 @@
           <p:cNvPr id="4" name="Picture 3">
             <a:extLst>
               <a:ext uri="{FF2B5EF4-FFF2-40B4-BE49-F238E27FC236}">
-                <a16:creationId xmlns:a16="http://schemas.microsoft.com/office/drawing/2014/main" id="{A2766DEA-ADFE-9D30-4CC6-AEC107AEBF67}"/>
+                <a16:creationId xmlns:a16="http://schemas.microsoft.com/office/drawing/2014/main" id="{A5FA38BB-241C-A09D-6C10-79406CC4D82F}"/>
               </a:ext>
             </a:extLst>
           </p:cNvPr>
@@ -7742,18 +8126,84 @@
         </p:blipFill>
         <p:spPr>
           <a:xfrm>
-            <a:off x="1793452" y="0"/>
-            <a:ext cx="8605095" cy="6858000"/>
+            <a:off x="0" y="964580"/>
+            <a:ext cx="6088274" cy="4857076"/>
           </a:xfrm>
           <a:prstGeom prst="rect">
             <a:avLst/>
           </a:prstGeom>
         </p:spPr>
       </p:pic>
+      <p:pic>
+        <p:nvPicPr>
+          <p:cNvPr id="3" name="Picture 2">
+            <a:extLst>
+              <a:ext uri="{FF2B5EF4-FFF2-40B4-BE49-F238E27FC236}">
+                <a16:creationId xmlns:a16="http://schemas.microsoft.com/office/drawing/2014/main" id="{3E7A84FE-5BEA-8705-42D7-96E55DD5F0F3}"/>
+              </a:ext>
+            </a:extLst>
+          </p:cNvPr>
+          <p:cNvPicPr>
+            <a:picLocks noChangeAspect="1"/>
+          </p:cNvPicPr>
+          <p:nvPr/>
+        </p:nvPicPr>
+        <p:blipFill>
+          <a:blip r:embed="rId3"/>
+          <a:stretch>
+            <a:fillRect/>
+          </a:stretch>
+        </p:blipFill>
+        <p:spPr>
+          <a:xfrm>
+            <a:off x="6096000" y="964580"/>
+            <a:ext cx="6096000" cy="4857076"/>
+          </a:xfrm>
+          <a:prstGeom prst="rect">
+            <a:avLst/>
+          </a:prstGeom>
+        </p:spPr>
+      </p:pic>
+      <p:cxnSp>
+        <p:nvCxnSpPr>
+          <p:cNvPr id="6" name="Straight Connector 5">
+            <a:extLst>
+              <a:ext uri="{FF2B5EF4-FFF2-40B4-BE49-F238E27FC236}">
+                <a16:creationId xmlns:a16="http://schemas.microsoft.com/office/drawing/2014/main" id="{6C24FDCA-DD5F-467E-32D1-6A048C9FC659}"/>
+              </a:ext>
+            </a:extLst>
+          </p:cNvPr>
+          <p:cNvCxnSpPr/>
+          <p:nvPr/>
+        </p:nvCxnSpPr>
+        <p:spPr>
+          <a:xfrm>
+            <a:off x="6088274" y="0"/>
+            <a:ext cx="0" cy="6858000"/>
+          </a:xfrm>
+          <a:prstGeom prst="line">
+            <a:avLst/>
+          </a:prstGeom>
+        </p:spPr>
+        <p:style>
+          <a:lnRef idx="1">
+            <a:schemeClr val="dk1"/>
+          </a:lnRef>
+          <a:fillRef idx="0">
+            <a:schemeClr val="dk1"/>
+          </a:fillRef>
+          <a:effectRef idx="0">
+            <a:schemeClr val="dk1"/>
+          </a:effectRef>
+          <a:fontRef idx="minor">
+            <a:schemeClr val="tx1"/>
+          </a:fontRef>
+        </p:style>
+      </p:cxnSp>
     </p:spTree>
     <p:extLst>
       <p:ext uri="{BB962C8B-B14F-4D97-AF65-F5344CB8AC3E}">
-        <p14:creationId xmlns:p14="http://schemas.microsoft.com/office/powerpoint/2010/main" val="1741293462"/>
+        <p14:creationId xmlns:p14="http://schemas.microsoft.com/office/powerpoint/2010/main" val="4292982981"/>
       </p:ext>
     </p:extLst>
   </p:cSld>
@@ -7785,7 +8235,7 @@
           <p:cNvPr id="2" name="Slide Number Placeholder 1">
             <a:extLst>
               <a:ext uri="{FF2B5EF4-FFF2-40B4-BE49-F238E27FC236}">
-                <a16:creationId xmlns:a16="http://schemas.microsoft.com/office/drawing/2014/main" id="{420A8A33-F6F6-DD23-771B-A7AFA1B75A3F}"/>
+                <a16:creationId xmlns:a16="http://schemas.microsoft.com/office/drawing/2014/main" id="{C27971EB-52FC-6219-A216-0A6DE2985274}"/>
               </a:ext>
             </a:extLst>
           </p:cNvPr>
@@ -7814,7 +8264,7 @@
           <p:cNvPr id="4" name="Picture 3">
             <a:extLst>
               <a:ext uri="{FF2B5EF4-FFF2-40B4-BE49-F238E27FC236}">
-                <a16:creationId xmlns:a16="http://schemas.microsoft.com/office/drawing/2014/main" id="{C874EEEB-651E-89BE-2920-17E8542073C3}"/>
+                <a16:creationId xmlns:a16="http://schemas.microsoft.com/office/drawing/2014/main" id="{A2766DEA-ADFE-9D30-4CC6-AEC107AEBF67}"/>
               </a:ext>
             </a:extLst>
           </p:cNvPr>
@@ -7831,18 +8281,84 @@
         </p:blipFill>
         <p:spPr>
           <a:xfrm>
-            <a:off x="1793452" y="0"/>
-            <a:ext cx="8605095" cy="6858000"/>
+            <a:off x="0" y="998034"/>
+            <a:ext cx="6100523" cy="4861932"/>
           </a:xfrm>
           <a:prstGeom prst="rect">
             <a:avLst/>
           </a:prstGeom>
         </p:spPr>
       </p:pic>
+      <p:pic>
+        <p:nvPicPr>
+          <p:cNvPr id="3" name="Picture 2">
+            <a:extLst>
+              <a:ext uri="{FF2B5EF4-FFF2-40B4-BE49-F238E27FC236}">
+                <a16:creationId xmlns:a16="http://schemas.microsoft.com/office/drawing/2014/main" id="{092B7770-0DE7-6B3E-6F82-61A7626DA918}"/>
+              </a:ext>
+            </a:extLst>
+          </p:cNvPr>
+          <p:cNvPicPr>
+            <a:picLocks noChangeAspect="1"/>
+          </p:cNvPicPr>
+          <p:nvPr/>
+        </p:nvPicPr>
+        <p:blipFill>
+          <a:blip r:embed="rId3"/>
+          <a:stretch>
+            <a:fillRect/>
+          </a:stretch>
+        </p:blipFill>
+        <p:spPr>
+          <a:xfrm>
+            <a:off x="6091477" y="998034"/>
+            <a:ext cx="6100523" cy="4861932"/>
+          </a:xfrm>
+          <a:prstGeom prst="rect">
+            <a:avLst/>
+          </a:prstGeom>
+        </p:spPr>
+      </p:pic>
+      <p:cxnSp>
+        <p:nvCxnSpPr>
+          <p:cNvPr id="5" name="Straight Connector 4">
+            <a:extLst>
+              <a:ext uri="{FF2B5EF4-FFF2-40B4-BE49-F238E27FC236}">
+                <a16:creationId xmlns:a16="http://schemas.microsoft.com/office/drawing/2014/main" id="{F2CD4C92-CAB7-30EF-D7CA-2A2AF5229848}"/>
+              </a:ext>
+            </a:extLst>
+          </p:cNvPr>
+          <p:cNvCxnSpPr/>
+          <p:nvPr/>
+        </p:nvCxnSpPr>
+        <p:spPr>
+          <a:xfrm>
+            <a:off x="6091477" y="0"/>
+            <a:ext cx="0" cy="6858000"/>
+          </a:xfrm>
+          <a:prstGeom prst="line">
+            <a:avLst/>
+          </a:prstGeom>
+        </p:spPr>
+        <p:style>
+          <a:lnRef idx="1">
+            <a:schemeClr val="dk1"/>
+          </a:lnRef>
+          <a:fillRef idx="0">
+            <a:schemeClr val="dk1"/>
+          </a:fillRef>
+          <a:effectRef idx="0">
+            <a:schemeClr val="dk1"/>
+          </a:effectRef>
+          <a:fontRef idx="minor">
+            <a:schemeClr val="tx1"/>
+          </a:fontRef>
+        </p:style>
+      </p:cxnSp>
     </p:spTree>
     <p:extLst>
       <p:ext uri="{BB962C8B-B14F-4D97-AF65-F5344CB8AC3E}">
-        <p14:creationId xmlns:p14="http://schemas.microsoft.com/office/powerpoint/2010/main" val="4262906838"/>
+        <p14:creationId xmlns:p14="http://schemas.microsoft.com/office/powerpoint/2010/main" val="1741293462"/>
       </p:ext>
     </p:extLst>
   </p:cSld>
@@ -7853,184 +8369,6 @@
 </file>
 
 <file path=ppt/slides/slide7.xml><?xml version="1.0" encoding="utf-8"?>
-<p:sld xmlns:a="http://schemas.openxmlformats.org/drawingml/2006/main" xmlns:r="http://schemas.openxmlformats.org/officeDocument/2006/relationships" xmlns:p="http://schemas.openxmlformats.org/presentationml/2006/main">
-  <p:cSld>
-    <p:spTree>
-      <p:nvGrpSpPr>
-        <p:cNvPr id="1" name=""/>
-        <p:cNvGrpSpPr/>
-        <p:nvPr/>
-      </p:nvGrpSpPr>
-      <p:grpSpPr>
-        <a:xfrm>
-          <a:off x="0" y="0"/>
-          <a:ext cx="0" cy="0"/>
-          <a:chOff x="0" y="0"/>
-          <a:chExt cx="0" cy="0"/>
-        </a:xfrm>
-      </p:grpSpPr>
-      <p:sp>
-        <p:nvSpPr>
-          <p:cNvPr id="2" name="Slide Number Placeholder 1">
-            <a:extLst>
-              <a:ext uri="{FF2B5EF4-FFF2-40B4-BE49-F238E27FC236}">
-                <a16:creationId xmlns:a16="http://schemas.microsoft.com/office/drawing/2014/main" id="{81F04754-FED4-F88C-E459-AA261A1A2F78}"/>
-              </a:ext>
-            </a:extLst>
-          </p:cNvPr>
-          <p:cNvSpPr>
-            <a:spLocks noGrp="1"/>
-          </p:cNvSpPr>
-          <p:nvPr>
-            <p:ph type="sldNum" sz="quarter" idx="12"/>
-          </p:nvPr>
-        </p:nvSpPr>
-        <p:spPr/>
-        <p:txBody>
-          <a:bodyPr/>
-          <a:lstStyle/>
-          <a:p>
-            <a:fld id="{AC0D4EF2-159E-40B9-9280-8D857A02F939}" type="slidenum">
-              <a:rPr lang="en-US" smtClean="0"/>
-              <a:t>7</a:t>
-            </a:fld>
-            <a:endParaRPr lang="en-US"/>
-          </a:p>
-        </p:txBody>
-      </p:sp>
-      <p:pic>
-        <p:nvPicPr>
-          <p:cNvPr id="4" name="Picture 3">
-            <a:extLst>
-              <a:ext uri="{FF2B5EF4-FFF2-40B4-BE49-F238E27FC236}">
-                <a16:creationId xmlns:a16="http://schemas.microsoft.com/office/drawing/2014/main" id="{A5FA38BB-241C-A09D-6C10-79406CC4D82F}"/>
-              </a:ext>
-            </a:extLst>
-          </p:cNvPr>
-          <p:cNvPicPr>
-            <a:picLocks noChangeAspect="1"/>
-          </p:cNvPicPr>
-          <p:nvPr/>
-        </p:nvPicPr>
-        <p:blipFill>
-          <a:blip r:embed="rId2"/>
-          <a:stretch>
-            <a:fillRect/>
-          </a:stretch>
-        </p:blipFill>
-        <p:spPr>
-          <a:xfrm>
-            <a:off x="1797798" y="0"/>
-            <a:ext cx="8596403" cy="6858000"/>
-          </a:xfrm>
-          <a:prstGeom prst="rect">
-            <a:avLst/>
-          </a:prstGeom>
-        </p:spPr>
-      </p:pic>
-    </p:spTree>
-    <p:extLst>
-      <p:ext uri="{BB962C8B-B14F-4D97-AF65-F5344CB8AC3E}">
-        <p14:creationId xmlns:p14="http://schemas.microsoft.com/office/powerpoint/2010/main" val="4292982981"/>
-      </p:ext>
-    </p:extLst>
-  </p:cSld>
-  <p:clrMapOvr>
-    <a:masterClrMapping/>
-  </p:clrMapOvr>
-</p:sld>
-</file>
-
-<file path=ppt/slides/slide8.xml><?xml version="1.0" encoding="utf-8"?>
-<p:sld xmlns:a="http://schemas.openxmlformats.org/drawingml/2006/main" xmlns:r="http://schemas.openxmlformats.org/officeDocument/2006/relationships" xmlns:p="http://schemas.openxmlformats.org/presentationml/2006/main">
-  <p:cSld>
-    <p:spTree>
-      <p:nvGrpSpPr>
-        <p:cNvPr id="1" name=""/>
-        <p:cNvGrpSpPr/>
-        <p:nvPr/>
-      </p:nvGrpSpPr>
-      <p:grpSpPr>
-        <a:xfrm>
-          <a:off x="0" y="0"/>
-          <a:ext cx="0" cy="0"/>
-          <a:chOff x="0" y="0"/>
-          <a:chExt cx="0" cy="0"/>
-        </a:xfrm>
-      </p:grpSpPr>
-      <p:sp>
-        <p:nvSpPr>
-          <p:cNvPr id="2" name="Slide Number Placeholder 1">
-            <a:extLst>
-              <a:ext uri="{FF2B5EF4-FFF2-40B4-BE49-F238E27FC236}">
-                <a16:creationId xmlns:a16="http://schemas.microsoft.com/office/drawing/2014/main" id="{5FC475E3-D4A0-31B0-95E9-414DEC239390}"/>
-              </a:ext>
-            </a:extLst>
-          </p:cNvPr>
-          <p:cNvSpPr>
-            <a:spLocks noGrp="1"/>
-          </p:cNvSpPr>
-          <p:nvPr>
-            <p:ph type="sldNum" sz="quarter" idx="12"/>
-          </p:nvPr>
-        </p:nvSpPr>
-        <p:spPr/>
-        <p:txBody>
-          <a:bodyPr/>
-          <a:lstStyle/>
-          <a:p>
-            <a:fld id="{AC0D4EF2-159E-40B9-9280-8D857A02F939}" type="slidenum">
-              <a:rPr lang="en-US" smtClean="0"/>
-              <a:t>8</a:t>
-            </a:fld>
-            <a:endParaRPr lang="en-US"/>
-          </a:p>
-        </p:txBody>
-      </p:sp>
-      <p:pic>
-        <p:nvPicPr>
-          <p:cNvPr id="4" name="Picture 3">
-            <a:extLst>
-              <a:ext uri="{FF2B5EF4-FFF2-40B4-BE49-F238E27FC236}">
-                <a16:creationId xmlns:a16="http://schemas.microsoft.com/office/drawing/2014/main" id="{DBA8E25D-BB14-521A-BCE3-A04329BC3A73}"/>
-              </a:ext>
-            </a:extLst>
-          </p:cNvPr>
-          <p:cNvPicPr>
-            <a:picLocks noChangeAspect="1"/>
-          </p:cNvPicPr>
-          <p:nvPr/>
-        </p:nvPicPr>
-        <p:blipFill>
-          <a:blip r:embed="rId2"/>
-          <a:stretch>
-            <a:fillRect/>
-          </a:stretch>
-        </p:blipFill>
-        <p:spPr>
-          <a:xfrm>
-            <a:off x="1792344" y="0"/>
-            <a:ext cx="8607312" cy="6858000"/>
-          </a:xfrm>
-          <a:prstGeom prst="rect">
-            <a:avLst/>
-          </a:prstGeom>
-        </p:spPr>
-      </p:pic>
-    </p:spTree>
-    <p:extLst>
-      <p:ext uri="{BB962C8B-B14F-4D97-AF65-F5344CB8AC3E}">
-        <p14:creationId xmlns:p14="http://schemas.microsoft.com/office/powerpoint/2010/main" val="1851771391"/>
-      </p:ext>
-    </p:extLst>
-  </p:cSld>
-  <p:clrMapOvr>
-    <a:masterClrMapping/>
-  </p:clrMapOvr>
-</p:sld>
-</file>
-
-<file path=ppt/slides/slide9.xml><?xml version="1.0" encoding="utf-8"?>
 <p:sld xmlns:a="http://schemas.openxmlformats.org/drawingml/2006/main" xmlns:r="http://schemas.openxmlformats.org/officeDocument/2006/relationships" xmlns:p="http://schemas.openxmlformats.org/presentationml/2006/main">
   <p:cSld>
     <p:spTree>
@@ -8106,7 +8444,7 @@
             </p:spPr>
             <p:txBody>
               <a:bodyPr>
-                <a:normAutofit/>
+                <a:normAutofit fontScale="92500" lnSpcReduction="10000"/>
               </a:bodyPr>
               <a:lstStyle/>
               <a:p>
@@ -8138,8 +8476,28 @@
               <a:p>
                 <a:pPr lvl="1"/>
                 <a:r>
+                  <a:rPr lang="en-US" dirty="0">
+                    <a:solidFill>
+                      <a:schemeClr val="accent6"/>
+                    </a:solidFill>
+                  </a:rPr>
+                  <a:t>GR</a:t>
+                </a:r>
+                <a:r>
                   <a:rPr lang="en-US" dirty="0"/>
-                  <a:t>GR/Correction present in some</a:t>
+                  <a:t>/</a:t>
+                </a:r>
+                <a:r>
+                  <a:rPr lang="en-US" dirty="0">
+                    <a:solidFill>
+                      <a:schemeClr val="accent6"/>
+                    </a:solidFill>
+                  </a:rPr>
+                  <a:t>Correction</a:t>
+                </a:r>
+                <a:r>
+                  <a:rPr lang="en-US" dirty="0"/>
+                  <a:t> only present in some</a:t>
                 </a:r>
               </a:p>
               <a:p>
@@ -8243,7 +8601,7 @@
               <a:p>
                 <a:r>
                   <a:rPr lang="en-US" i="1" dirty="0"/>
-                  <a:t>Train an RNN to automatically correct the SP log based on the other logs???</a:t>
+                  <a:t>Train an CNN-RNN to automatically correct the SP log based on the other logs and attributes???</a:t>
                 </a:r>
               </a:p>
               <a:p>
@@ -8355,6 +8713,72 @@
                               </m:r>
                             </m:den>
                           </m:f>
+                          <m:r>
+                            <a:rPr lang="en-US" b="0" i="1" smtClean="0">
+                              <a:latin typeface="Cambria Math" panose="02040503050406030204" pitchFamily="18" charset="0"/>
+                            </a:rPr>
+                            <m:t>,</m:t>
+                          </m:r>
+                          <m:r>
+                            <a:rPr lang="en-US" b="0" i="1" smtClean="0">
+                              <a:latin typeface="Cambria Math" panose="02040503050406030204" pitchFamily="18" charset="0"/>
+                            </a:rPr>
+                            <m:t>𝒞</m:t>
+                          </m:r>
+                          <m:d>
+                            <m:dPr>
+                              <m:ctrlPr>
+                                <a:rPr lang="en-US" b="0" i="1" smtClean="0">
+                                  <a:latin typeface="Cambria Math" panose="02040503050406030204" pitchFamily="18" charset="0"/>
+                                </a:rPr>
+                              </m:ctrlPr>
+                            </m:dPr>
+                            <m:e>
+                              <m:r>
+                                <a:rPr lang="en-US" b="0" i="1" smtClean="0">
+                                  <a:latin typeface="Cambria Math" panose="02040503050406030204" pitchFamily="18" charset="0"/>
+                                </a:rPr>
+                                <m:t>𝑥</m:t>
+                              </m:r>
+                            </m:e>
+                          </m:d>
+                          <m:r>
+                            <a:rPr lang="en-US" b="0" i="1" smtClean="0">
+                              <a:latin typeface="Cambria Math" panose="02040503050406030204" pitchFamily="18" charset="0"/>
+                            </a:rPr>
+                            <m:t>,</m:t>
+                          </m:r>
+                          <m:sSub>
+                            <m:sSubPr>
+                              <m:ctrlPr>
+                                <a:rPr lang="en-US" b="0" i="1" smtClean="0">
+                                  <a:latin typeface="Cambria Math" panose="02040503050406030204" pitchFamily="18" charset="0"/>
+                                </a:rPr>
+                              </m:ctrlPr>
+                            </m:sSubPr>
+                            <m:e>
+                              <m:r>
+                                <a:rPr lang="en-US" b="0" i="1" smtClean="0">
+                                  <a:latin typeface="Cambria Math" panose="02040503050406030204" pitchFamily="18" charset="0"/>
+                                </a:rPr>
+                                <m:t>𝐶</m:t>
+                              </m:r>
+                            </m:e>
+                            <m:sub>
+                              <m:r>
+                                <a:rPr lang="en-US" b="0" i="1" smtClean="0">
+                                  <a:latin typeface="Cambria Math" panose="02040503050406030204" pitchFamily="18" charset="0"/>
+                                </a:rPr>
+                                <m:t>𝑥</m:t>
+                              </m:r>
+                            </m:sub>
+                          </m:sSub>
+                          <m:r>
+                            <a:rPr lang="en-US" b="0" i="1" smtClean="0">
+                              <a:latin typeface="Cambria Math" panose="02040503050406030204" pitchFamily="18" charset="0"/>
+                            </a:rPr>
+                            <m:t>,…</m:t>
+                          </m:r>
                         </m:e>
                       </m:d>
                     </m:oMath>
@@ -8390,7 +8814,7 @@
               <a:blipFill>
                 <a:blip r:embed="rId2"/>
                 <a:stretch>
-                  <a:fillRect l="-1706" t="-2985" r="-2559"/>
+                  <a:fillRect l="-1422" t="-3731"/>
                 </a:stretch>
               </a:blipFill>
             </p:spPr>
@@ -8432,7 +8856,7 @@
           <a:p>
             <a:fld id="{AC0D4EF2-159E-40B9-9280-8D857A02F939}" type="slidenum">
               <a:rPr lang="en-US" smtClean="0"/>
-              <a:t>9</a:t>
+              <a:t>7</a:t>
             </a:fld>
             <a:endParaRPr lang="en-US"/>
           </a:p>
@@ -8537,6 +8961,2425 @@
     <p:extLst>
       <p:ext uri="{BB962C8B-B14F-4D97-AF65-F5344CB8AC3E}">
         <p14:creationId xmlns:p14="http://schemas.microsoft.com/office/powerpoint/2010/main" val="2724077169"/>
+      </p:ext>
+    </p:extLst>
+  </p:cSld>
+  <p:clrMapOvr>
+    <a:masterClrMapping/>
+  </p:clrMapOvr>
+</p:sld>
+</file>
+
+<file path=ppt/slides/slide8.xml><?xml version="1.0" encoding="utf-8"?>
+<p:sld xmlns:a="http://schemas.openxmlformats.org/drawingml/2006/main" xmlns:r="http://schemas.openxmlformats.org/officeDocument/2006/relationships" xmlns:p="http://schemas.openxmlformats.org/presentationml/2006/main">
+  <p:cSld>
+    <p:spTree>
+      <p:nvGrpSpPr>
+        <p:cNvPr id="1" name=""/>
+        <p:cNvGrpSpPr/>
+        <p:nvPr/>
+      </p:nvGrpSpPr>
+      <p:grpSpPr>
+        <a:xfrm>
+          <a:off x="0" y="0"/>
+          <a:ext cx="0" cy="0"/>
+          <a:chOff x="0" y="0"/>
+          <a:chExt cx="0" cy="0"/>
+        </a:xfrm>
+      </p:grpSpPr>
+      <p:sp>
+        <p:nvSpPr>
+          <p:cNvPr id="2" name="Slide Number Placeholder 1">
+            <a:extLst>
+              <a:ext uri="{FF2B5EF4-FFF2-40B4-BE49-F238E27FC236}">
+                <a16:creationId xmlns:a16="http://schemas.microsoft.com/office/drawing/2014/main" id="{BBA06ED0-D1DB-5386-D290-4A0510426484}"/>
+              </a:ext>
+            </a:extLst>
+          </p:cNvPr>
+          <p:cNvSpPr>
+            <a:spLocks noGrp="1"/>
+          </p:cNvSpPr>
+          <p:nvPr>
+            <p:ph type="sldNum" sz="quarter" idx="12"/>
+          </p:nvPr>
+        </p:nvSpPr>
+        <p:spPr/>
+        <p:txBody>
+          <a:bodyPr/>
+          <a:lstStyle/>
+          <a:p>
+            <a:fld id="{AC0D4EF2-159E-40B9-9280-8D857A02F939}" type="slidenum">
+              <a:rPr lang="en-US" smtClean="0"/>
+              <a:t>8</a:t>
+            </a:fld>
+            <a:endParaRPr lang="en-US"/>
+          </a:p>
+        </p:txBody>
+      </p:sp>
+      <p:grpSp>
+        <p:nvGrpSpPr>
+          <p:cNvPr id="37" name="Group 36">
+            <a:extLst>
+              <a:ext uri="{FF2B5EF4-FFF2-40B4-BE49-F238E27FC236}">
+                <a16:creationId xmlns:a16="http://schemas.microsoft.com/office/drawing/2014/main" id="{E66AA6FE-14F8-059E-5F00-C459DE5E51B7}"/>
+              </a:ext>
+            </a:extLst>
+          </p:cNvPr>
+          <p:cNvGrpSpPr/>
+          <p:nvPr/>
+        </p:nvGrpSpPr>
+        <p:grpSpPr>
+          <a:xfrm>
+            <a:off x="6902604" y="404107"/>
+            <a:ext cx="5155517" cy="6049786"/>
+            <a:chOff x="713678" y="314116"/>
+            <a:chExt cx="5155517" cy="6049786"/>
+          </a:xfrm>
+        </p:grpSpPr>
+        <p:sp>
+          <p:nvSpPr>
+            <p:cNvPr id="3" name="Freeform: Shape 2">
+              <a:extLst>
+                <a:ext uri="{FF2B5EF4-FFF2-40B4-BE49-F238E27FC236}">
+                  <a16:creationId xmlns:a16="http://schemas.microsoft.com/office/drawing/2014/main" id="{9A7B511A-C0DA-9F55-01D2-0F32553AA097}"/>
+                </a:ext>
+              </a:extLst>
+            </p:cNvPr>
+            <p:cNvSpPr/>
+            <p:nvPr/>
+          </p:nvSpPr>
+          <p:spPr>
+            <a:xfrm>
+              <a:off x="4282068" y="810595"/>
+              <a:ext cx="1587127" cy="5553307"/>
+            </a:xfrm>
+            <a:custGeom>
+              <a:avLst/>
+              <a:gdLst>
+                <a:gd name="connsiteX0" fmla="*/ 735980 w 1587127"/>
+                <a:gd name="connsiteY0" fmla="*/ 0 h 5553307"/>
+                <a:gd name="connsiteX1" fmla="*/ 345688 w 1587127"/>
+                <a:gd name="connsiteY1" fmla="*/ 122663 h 5553307"/>
+                <a:gd name="connsiteX2" fmla="*/ 211873 w 1587127"/>
+                <a:gd name="connsiteY2" fmla="*/ 200722 h 5553307"/>
+                <a:gd name="connsiteX3" fmla="*/ 33454 w 1587127"/>
+                <a:gd name="connsiteY3" fmla="*/ 512956 h 5553307"/>
+                <a:gd name="connsiteX4" fmla="*/ 0 w 1587127"/>
+                <a:gd name="connsiteY4" fmla="*/ 747132 h 5553307"/>
+                <a:gd name="connsiteX5" fmla="*/ 78058 w 1587127"/>
+                <a:gd name="connsiteY5" fmla="*/ 936702 h 5553307"/>
+                <a:gd name="connsiteX6" fmla="*/ 434897 w 1587127"/>
+                <a:gd name="connsiteY6" fmla="*/ 1226634 h 5553307"/>
+                <a:gd name="connsiteX7" fmla="*/ 657922 w 1587127"/>
+                <a:gd name="connsiteY7" fmla="*/ 1349297 h 5553307"/>
+                <a:gd name="connsiteX8" fmla="*/ 1126273 w 1587127"/>
+                <a:gd name="connsiteY8" fmla="*/ 1683834 h 5553307"/>
+                <a:gd name="connsiteX9" fmla="*/ 1516566 w 1587127"/>
+                <a:gd name="connsiteY9" fmla="*/ 2129883 h 5553307"/>
+                <a:gd name="connsiteX10" fmla="*/ 1572322 w 1587127"/>
+                <a:gd name="connsiteY10" fmla="*/ 2274849 h 5553307"/>
+                <a:gd name="connsiteX11" fmla="*/ 1550019 w 1587127"/>
+                <a:gd name="connsiteY11" fmla="*/ 2642839 h 5553307"/>
+                <a:gd name="connsiteX12" fmla="*/ 1483112 w 1587127"/>
+                <a:gd name="connsiteY12" fmla="*/ 2776654 h 5553307"/>
+                <a:gd name="connsiteX13" fmla="*/ 1282390 w 1587127"/>
+                <a:gd name="connsiteY13" fmla="*/ 3033132 h 5553307"/>
+                <a:gd name="connsiteX14" fmla="*/ 892097 w 1587127"/>
+                <a:gd name="connsiteY14" fmla="*/ 3300761 h 5553307"/>
+                <a:gd name="connsiteX15" fmla="*/ 747132 w 1587127"/>
+                <a:gd name="connsiteY15" fmla="*/ 3479180 h 5553307"/>
+                <a:gd name="connsiteX16" fmla="*/ 602166 w 1587127"/>
+                <a:gd name="connsiteY16" fmla="*/ 3891775 h 5553307"/>
+                <a:gd name="connsiteX17" fmla="*/ 579863 w 1587127"/>
+                <a:gd name="connsiteY17" fmla="*/ 4282068 h 5553307"/>
+                <a:gd name="connsiteX18" fmla="*/ 624468 w 1587127"/>
+                <a:gd name="connsiteY18" fmla="*/ 4572000 h 5553307"/>
+                <a:gd name="connsiteX19" fmla="*/ 780585 w 1587127"/>
+                <a:gd name="connsiteY19" fmla="*/ 4917688 h 5553307"/>
+                <a:gd name="connsiteX20" fmla="*/ 1003610 w 1587127"/>
+                <a:gd name="connsiteY20" fmla="*/ 5285678 h 5553307"/>
+                <a:gd name="connsiteX21" fmla="*/ 1081668 w 1587127"/>
+                <a:gd name="connsiteY21" fmla="*/ 5408341 h 5553307"/>
+                <a:gd name="connsiteX22" fmla="*/ 1126273 w 1587127"/>
+                <a:gd name="connsiteY22" fmla="*/ 5475249 h 5553307"/>
+                <a:gd name="connsiteX23" fmla="*/ 1148575 w 1587127"/>
+                <a:gd name="connsiteY23" fmla="*/ 5519854 h 5553307"/>
+                <a:gd name="connsiteX24" fmla="*/ 1159727 w 1587127"/>
+                <a:gd name="connsiteY24" fmla="*/ 5553307 h 5553307"/>
+              </a:gdLst>
+              <a:ahLst/>
+              <a:cxnLst>
+                <a:cxn ang="0">
+                  <a:pos x="connsiteX0" y="connsiteY0"/>
+                </a:cxn>
+                <a:cxn ang="0">
+                  <a:pos x="connsiteX1" y="connsiteY1"/>
+                </a:cxn>
+                <a:cxn ang="0">
+                  <a:pos x="connsiteX2" y="connsiteY2"/>
+                </a:cxn>
+                <a:cxn ang="0">
+                  <a:pos x="connsiteX3" y="connsiteY3"/>
+                </a:cxn>
+                <a:cxn ang="0">
+                  <a:pos x="connsiteX4" y="connsiteY4"/>
+                </a:cxn>
+                <a:cxn ang="0">
+                  <a:pos x="connsiteX5" y="connsiteY5"/>
+                </a:cxn>
+                <a:cxn ang="0">
+                  <a:pos x="connsiteX6" y="connsiteY6"/>
+                </a:cxn>
+                <a:cxn ang="0">
+                  <a:pos x="connsiteX7" y="connsiteY7"/>
+                </a:cxn>
+                <a:cxn ang="0">
+                  <a:pos x="connsiteX8" y="connsiteY8"/>
+                </a:cxn>
+                <a:cxn ang="0">
+                  <a:pos x="connsiteX9" y="connsiteY9"/>
+                </a:cxn>
+                <a:cxn ang="0">
+                  <a:pos x="connsiteX10" y="connsiteY10"/>
+                </a:cxn>
+                <a:cxn ang="0">
+                  <a:pos x="connsiteX11" y="connsiteY11"/>
+                </a:cxn>
+                <a:cxn ang="0">
+                  <a:pos x="connsiteX12" y="connsiteY12"/>
+                </a:cxn>
+                <a:cxn ang="0">
+                  <a:pos x="connsiteX13" y="connsiteY13"/>
+                </a:cxn>
+                <a:cxn ang="0">
+                  <a:pos x="connsiteX14" y="connsiteY14"/>
+                </a:cxn>
+                <a:cxn ang="0">
+                  <a:pos x="connsiteX15" y="connsiteY15"/>
+                </a:cxn>
+                <a:cxn ang="0">
+                  <a:pos x="connsiteX16" y="connsiteY16"/>
+                </a:cxn>
+                <a:cxn ang="0">
+                  <a:pos x="connsiteX17" y="connsiteY17"/>
+                </a:cxn>
+                <a:cxn ang="0">
+                  <a:pos x="connsiteX18" y="connsiteY18"/>
+                </a:cxn>
+                <a:cxn ang="0">
+                  <a:pos x="connsiteX19" y="connsiteY19"/>
+                </a:cxn>
+                <a:cxn ang="0">
+                  <a:pos x="connsiteX20" y="connsiteY20"/>
+                </a:cxn>
+                <a:cxn ang="0">
+                  <a:pos x="connsiteX21" y="connsiteY21"/>
+                </a:cxn>
+                <a:cxn ang="0">
+                  <a:pos x="connsiteX22" y="connsiteY22"/>
+                </a:cxn>
+                <a:cxn ang="0">
+                  <a:pos x="connsiteX23" y="connsiteY23"/>
+                </a:cxn>
+                <a:cxn ang="0">
+                  <a:pos x="connsiteX24" y="connsiteY24"/>
+                </a:cxn>
+              </a:cxnLst>
+              <a:rect l="l" t="t" r="r" b="b"/>
+              <a:pathLst>
+                <a:path w="1587127" h="5553307">
+                  <a:moveTo>
+                    <a:pt x="735980" y="0"/>
+                  </a:moveTo>
+                  <a:cubicBezTo>
+                    <a:pt x="555938" y="42363"/>
+                    <a:pt x="519096" y="41739"/>
+                    <a:pt x="345688" y="122663"/>
+                  </a:cubicBezTo>
+                  <a:cubicBezTo>
+                    <a:pt x="298893" y="144501"/>
+                    <a:pt x="256478" y="174702"/>
+                    <a:pt x="211873" y="200722"/>
+                  </a:cubicBezTo>
+                  <a:cubicBezTo>
+                    <a:pt x="132839" y="309393"/>
+                    <a:pt x="73393" y="374985"/>
+                    <a:pt x="33454" y="512956"/>
+                  </a:cubicBezTo>
+                  <a:cubicBezTo>
+                    <a:pt x="11529" y="588698"/>
+                    <a:pt x="11151" y="669073"/>
+                    <a:pt x="0" y="747132"/>
+                  </a:cubicBezTo>
+                  <a:cubicBezTo>
+                    <a:pt x="26019" y="810322"/>
+                    <a:pt x="41011" y="879278"/>
+                    <a:pt x="78058" y="936702"/>
+                  </a:cubicBezTo>
+                  <a:cubicBezTo>
+                    <a:pt x="170370" y="1079785"/>
+                    <a:pt x="291773" y="1142227"/>
+                    <a:pt x="434897" y="1226634"/>
+                  </a:cubicBezTo>
+                  <a:cubicBezTo>
+                    <a:pt x="507979" y="1269733"/>
+                    <a:pt x="584840" y="1306198"/>
+                    <a:pt x="657922" y="1349297"/>
+                  </a:cubicBezTo>
+                  <a:cubicBezTo>
+                    <a:pt x="855535" y="1465838"/>
+                    <a:pt x="941840" y="1529425"/>
+                    <a:pt x="1126273" y="1683834"/>
+                  </a:cubicBezTo>
+                  <a:cubicBezTo>
+                    <a:pt x="1332321" y="1856339"/>
+                    <a:pt x="1382555" y="1895365"/>
+                    <a:pt x="1516566" y="2129883"/>
+                  </a:cubicBezTo>
+                  <a:cubicBezTo>
+                    <a:pt x="1542253" y="2174834"/>
+                    <a:pt x="1553737" y="2226527"/>
+                    <a:pt x="1572322" y="2274849"/>
+                  </a:cubicBezTo>
+                  <a:cubicBezTo>
+                    <a:pt x="1590949" y="2423866"/>
+                    <a:pt x="1599951" y="2437563"/>
+                    <a:pt x="1550019" y="2642839"/>
+                  </a:cubicBezTo>
+                  <a:cubicBezTo>
+                    <a:pt x="1538232" y="2691296"/>
+                    <a:pt x="1507651" y="2733239"/>
+                    <a:pt x="1483112" y="2776654"/>
+                  </a:cubicBezTo>
+                  <a:cubicBezTo>
+                    <a:pt x="1432944" y="2865413"/>
+                    <a:pt x="1362420" y="2969660"/>
+                    <a:pt x="1282390" y="3033132"/>
+                  </a:cubicBezTo>
+                  <a:cubicBezTo>
+                    <a:pt x="1021022" y="3240423"/>
+                    <a:pt x="1136618" y="3064391"/>
+                    <a:pt x="892097" y="3300761"/>
+                  </a:cubicBezTo>
+                  <a:cubicBezTo>
+                    <a:pt x="837002" y="3354020"/>
+                    <a:pt x="786295" y="3413314"/>
+                    <a:pt x="747132" y="3479180"/>
+                  </a:cubicBezTo>
+                  <a:cubicBezTo>
+                    <a:pt x="657616" y="3629731"/>
+                    <a:pt x="642109" y="3732005"/>
+                    <a:pt x="602166" y="3891775"/>
+                  </a:cubicBezTo>
+                  <a:cubicBezTo>
+                    <a:pt x="594732" y="4021873"/>
+                    <a:pt x="575593" y="4151828"/>
+                    <a:pt x="579863" y="4282068"/>
+                  </a:cubicBezTo>
+                  <a:cubicBezTo>
+                    <a:pt x="583067" y="4379797"/>
+                    <a:pt x="601298" y="4477004"/>
+                    <a:pt x="624468" y="4572000"/>
+                  </a:cubicBezTo>
+                  <a:cubicBezTo>
+                    <a:pt x="642552" y="4646143"/>
+                    <a:pt x="745924" y="4857032"/>
+                    <a:pt x="780585" y="4917688"/>
+                  </a:cubicBezTo>
+                  <a:cubicBezTo>
+                    <a:pt x="851748" y="5042223"/>
+                    <a:pt x="928592" y="5163427"/>
+                    <a:pt x="1003610" y="5285678"/>
+                  </a:cubicBezTo>
+                  <a:cubicBezTo>
+                    <a:pt x="1028958" y="5326985"/>
+                    <a:pt x="1055340" y="5367652"/>
+                    <a:pt x="1081668" y="5408341"/>
+                  </a:cubicBezTo>
+                  <a:cubicBezTo>
+                    <a:pt x="1096229" y="5430845"/>
+                    <a:pt x="1114286" y="5451274"/>
+                    <a:pt x="1126273" y="5475249"/>
+                  </a:cubicBezTo>
+                  <a:cubicBezTo>
+                    <a:pt x="1133707" y="5490117"/>
+                    <a:pt x="1142027" y="5504575"/>
+                    <a:pt x="1148575" y="5519854"/>
+                  </a:cubicBezTo>
+                  <a:cubicBezTo>
+                    <a:pt x="1153205" y="5530658"/>
+                    <a:pt x="1159727" y="5553307"/>
+                    <a:pt x="1159727" y="5553307"/>
+                  </a:cubicBezTo>
+                </a:path>
+              </a:pathLst>
+            </a:custGeom>
+            <a:noFill/>
+          </p:spPr>
+          <p:style>
+            <a:lnRef idx="2">
+              <a:schemeClr val="accent1">
+                <a:shade val="15000"/>
+              </a:schemeClr>
+            </a:lnRef>
+            <a:fillRef idx="1">
+              <a:schemeClr val="accent1"/>
+            </a:fillRef>
+            <a:effectRef idx="0">
+              <a:schemeClr val="accent1"/>
+            </a:effectRef>
+            <a:fontRef idx="minor">
+              <a:schemeClr val="lt1"/>
+            </a:fontRef>
+          </p:style>
+          <p:txBody>
+            <a:bodyPr rtlCol="0" anchor="ctr"/>
+            <a:lstStyle/>
+            <a:p>
+              <a:pPr algn="ctr"/>
+              <a:endParaRPr lang="en-US"/>
+            </a:p>
+          </p:txBody>
+        </p:sp>
+        <p:sp>
+          <p:nvSpPr>
+            <p:cNvPr id="4" name="Freeform: Shape 3">
+              <a:extLst>
+                <a:ext uri="{FF2B5EF4-FFF2-40B4-BE49-F238E27FC236}">
+                  <a16:creationId xmlns:a16="http://schemas.microsoft.com/office/drawing/2014/main" id="{E1D699F5-2216-9595-7418-2E43EF1459D7}"/>
+                </a:ext>
+              </a:extLst>
+            </p:cNvPr>
+            <p:cNvSpPr/>
+            <p:nvPr/>
+          </p:nvSpPr>
+          <p:spPr>
+            <a:xfrm>
+              <a:off x="713678" y="810594"/>
+              <a:ext cx="3211551" cy="5553307"/>
+            </a:xfrm>
+            <a:custGeom>
+              <a:avLst/>
+              <a:gdLst>
+                <a:gd name="connsiteX0" fmla="*/ 1360448 w 3211551"/>
+                <a:gd name="connsiteY0" fmla="*/ 6888 h 5783220"/>
+                <a:gd name="connsiteX1" fmla="*/ 1706136 w 3211551"/>
+                <a:gd name="connsiteY1" fmla="*/ 18039 h 5783220"/>
+                <a:gd name="connsiteX2" fmla="*/ 1973765 w 3211551"/>
+                <a:gd name="connsiteY2" fmla="*/ 29190 h 5783220"/>
+                <a:gd name="connsiteX3" fmla="*/ 1839951 w 3211551"/>
+                <a:gd name="connsiteY3" fmla="*/ 140702 h 5783220"/>
+                <a:gd name="connsiteX4" fmla="*/ 1594624 w 3211551"/>
+                <a:gd name="connsiteY4" fmla="*/ 296820 h 5783220"/>
+                <a:gd name="connsiteX5" fmla="*/ 1516565 w 3211551"/>
+                <a:gd name="connsiteY5" fmla="*/ 419483 h 5783220"/>
+                <a:gd name="connsiteX6" fmla="*/ 1728439 w 3211551"/>
+                <a:gd name="connsiteY6" fmla="*/ 475239 h 5783220"/>
+                <a:gd name="connsiteX7" fmla="*/ 1639229 w 3211551"/>
+                <a:gd name="connsiteY7" fmla="*/ 586751 h 5783220"/>
+                <a:gd name="connsiteX8" fmla="*/ 1338146 w 3211551"/>
+                <a:gd name="connsiteY8" fmla="*/ 731717 h 5783220"/>
+                <a:gd name="connsiteX9" fmla="*/ 1081668 w 3211551"/>
+                <a:gd name="connsiteY9" fmla="*/ 876683 h 5783220"/>
+                <a:gd name="connsiteX10" fmla="*/ 1382751 w 3211551"/>
+                <a:gd name="connsiteY10" fmla="*/ 999346 h 5783220"/>
+                <a:gd name="connsiteX11" fmla="*/ 1862253 w 3211551"/>
+                <a:gd name="connsiteY11" fmla="*/ 1099707 h 5783220"/>
+                <a:gd name="connsiteX12" fmla="*/ 1739590 w 3211551"/>
+                <a:gd name="connsiteY12" fmla="*/ 1155463 h 5783220"/>
+                <a:gd name="connsiteX13" fmla="*/ 1650380 w 3211551"/>
+                <a:gd name="connsiteY13" fmla="*/ 1222371 h 5783220"/>
+                <a:gd name="connsiteX14" fmla="*/ 1851102 w 3211551"/>
+                <a:gd name="connsiteY14" fmla="*/ 1300429 h 5783220"/>
+                <a:gd name="connsiteX15" fmla="*/ 2263697 w 3211551"/>
+                <a:gd name="connsiteY15" fmla="*/ 1356185 h 5783220"/>
+                <a:gd name="connsiteX16" fmla="*/ 2207941 w 3211551"/>
+                <a:gd name="connsiteY16" fmla="*/ 1456546 h 5783220"/>
+                <a:gd name="connsiteX17" fmla="*/ 2408663 w 3211551"/>
+                <a:gd name="connsiteY17" fmla="*/ 1590361 h 5783220"/>
+                <a:gd name="connsiteX18" fmla="*/ 2687444 w 3211551"/>
+                <a:gd name="connsiteY18" fmla="*/ 1657268 h 5783220"/>
+                <a:gd name="connsiteX19" fmla="*/ 2966224 w 3211551"/>
+                <a:gd name="connsiteY19" fmla="*/ 1757629 h 5783220"/>
+                <a:gd name="connsiteX20" fmla="*/ 2988526 w 3211551"/>
+                <a:gd name="connsiteY20" fmla="*/ 1813385 h 5783220"/>
+                <a:gd name="connsiteX21" fmla="*/ 3211551 w 3211551"/>
+                <a:gd name="connsiteY21" fmla="*/ 1969502 h 5783220"/>
+                <a:gd name="connsiteX22" fmla="*/ 2877014 w 3211551"/>
+                <a:gd name="connsiteY22" fmla="*/ 2114468 h 5783220"/>
+                <a:gd name="connsiteX23" fmla="*/ 2977375 w 3211551"/>
+                <a:gd name="connsiteY23" fmla="*/ 2181376 h 5783220"/>
+                <a:gd name="connsiteX24" fmla="*/ 2787804 w 3211551"/>
+                <a:gd name="connsiteY24" fmla="*/ 2270585 h 5783220"/>
+                <a:gd name="connsiteX25" fmla="*/ 2687444 w 3211551"/>
+                <a:gd name="connsiteY25" fmla="*/ 2449005 h 5783220"/>
+                <a:gd name="connsiteX26" fmla="*/ 3111190 w 3211551"/>
+                <a:gd name="connsiteY26" fmla="*/ 2672029 h 5783220"/>
+                <a:gd name="connsiteX27" fmla="*/ 2832409 w 3211551"/>
+                <a:gd name="connsiteY27" fmla="*/ 2861600 h 5783220"/>
+                <a:gd name="connsiteX28" fmla="*/ 2899317 w 3211551"/>
+                <a:gd name="connsiteY28" fmla="*/ 2928507 h 5783220"/>
+                <a:gd name="connsiteX29" fmla="*/ 3010829 w 3211551"/>
+                <a:gd name="connsiteY29" fmla="*/ 2973112 h 5783220"/>
+                <a:gd name="connsiteX30" fmla="*/ 2999678 w 3211551"/>
+                <a:gd name="connsiteY30" fmla="*/ 3017717 h 5783220"/>
+                <a:gd name="connsiteX31" fmla="*/ 2932770 w 3211551"/>
+                <a:gd name="connsiteY31" fmla="*/ 3151532 h 5783220"/>
+                <a:gd name="connsiteX32" fmla="*/ 2787804 w 3211551"/>
+                <a:gd name="connsiteY32" fmla="*/ 3441463 h 5783220"/>
+                <a:gd name="connsiteX33" fmla="*/ 2286000 w 3211551"/>
+                <a:gd name="connsiteY33" fmla="*/ 3753698 h 5783220"/>
+                <a:gd name="connsiteX34" fmla="*/ 1973765 w 3211551"/>
+                <a:gd name="connsiteY34" fmla="*/ 3954420 h 5783220"/>
+                <a:gd name="connsiteX35" fmla="*/ 1371600 w 3211551"/>
+                <a:gd name="connsiteY35" fmla="*/ 3999024 h 5783220"/>
+                <a:gd name="connsiteX36" fmla="*/ 802887 w 3211551"/>
+                <a:gd name="connsiteY36" fmla="*/ 4077083 h 5783220"/>
+                <a:gd name="connsiteX37" fmla="*/ 245326 w 3211551"/>
+                <a:gd name="connsiteY37" fmla="*/ 4166293 h 5783220"/>
+                <a:gd name="connsiteX38" fmla="*/ 122663 w 3211551"/>
+                <a:gd name="connsiteY38" fmla="*/ 4233200 h 5783220"/>
+                <a:gd name="connsiteX39" fmla="*/ 211873 w 3211551"/>
+                <a:gd name="connsiteY39" fmla="*/ 4288956 h 5783220"/>
+                <a:gd name="connsiteX40" fmla="*/ 111512 w 3211551"/>
+                <a:gd name="connsiteY40" fmla="*/ 4445073 h 5783220"/>
+                <a:gd name="connsiteX41" fmla="*/ 0 w 3211551"/>
+                <a:gd name="connsiteY41" fmla="*/ 4656946 h 5783220"/>
+                <a:gd name="connsiteX42" fmla="*/ 78058 w 3211551"/>
+                <a:gd name="connsiteY42" fmla="*/ 4723854 h 5783220"/>
+                <a:gd name="connsiteX43" fmla="*/ 156117 w 3211551"/>
+                <a:gd name="connsiteY43" fmla="*/ 4846517 h 5783220"/>
+                <a:gd name="connsiteX44" fmla="*/ 144965 w 3211551"/>
+                <a:gd name="connsiteY44" fmla="*/ 4969181 h 5783220"/>
+                <a:gd name="connsiteX45" fmla="*/ 345687 w 3211551"/>
+                <a:gd name="connsiteY45" fmla="*/ 5080693 h 5783220"/>
+                <a:gd name="connsiteX46" fmla="*/ 133814 w 3211551"/>
+                <a:gd name="connsiteY46" fmla="*/ 5270263 h 5783220"/>
+                <a:gd name="connsiteX47" fmla="*/ 401444 w 3211551"/>
+                <a:gd name="connsiteY47" fmla="*/ 5381776 h 5783220"/>
+                <a:gd name="connsiteX48" fmla="*/ 356839 w 3211551"/>
+                <a:gd name="connsiteY48" fmla="*/ 5448683 h 5783220"/>
+                <a:gd name="connsiteX49" fmla="*/ 323385 w 3211551"/>
+                <a:gd name="connsiteY49" fmla="*/ 5593649 h 5783220"/>
+                <a:gd name="connsiteX50" fmla="*/ 278780 w 3211551"/>
+                <a:gd name="connsiteY50" fmla="*/ 5682859 h 5783220"/>
+                <a:gd name="connsiteX51" fmla="*/ 256478 w 3211551"/>
+                <a:gd name="connsiteY51" fmla="*/ 5783220 h 5783220"/>
+              </a:gdLst>
+              <a:ahLst/>
+              <a:cxnLst>
+                <a:cxn ang="0">
+                  <a:pos x="connsiteX0" y="connsiteY0"/>
+                </a:cxn>
+                <a:cxn ang="0">
+                  <a:pos x="connsiteX1" y="connsiteY1"/>
+                </a:cxn>
+                <a:cxn ang="0">
+                  <a:pos x="connsiteX2" y="connsiteY2"/>
+                </a:cxn>
+                <a:cxn ang="0">
+                  <a:pos x="connsiteX3" y="connsiteY3"/>
+                </a:cxn>
+                <a:cxn ang="0">
+                  <a:pos x="connsiteX4" y="connsiteY4"/>
+                </a:cxn>
+                <a:cxn ang="0">
+                  <a:pos x="connsiteX5" y="connsiteY5"/>
+                </a:cxn>
+                <a:cxn ang="0">
+                  <a:pos x="connsiteX6" y="connsiteY6"/>
+                </a:cxn>
+                <a:cxn ang="0">
+                  <a:pos x="connsiteX7" y="connsiteY7"/>
+                </a:cxn>
+                <a:cxn ang="0">
+                  <a:pos x="connsiteX8" y="connsiteY8"/>
+                </a:cxn>
+                <a:cxn ang="0">
+                  <a:pos x="connsiteX9" y="connsiteY9"/>
+                </a:cxn>
+                <a:cxn ang="0">
+                  <a:pos x="connsiteX10" y="connsiteY10"/>
+                </a:cxn>
+                <a:cxn ang="0">
+                  <a:pos x="connsiteX11" y="connsiteY11"/>
+                </a:cxn>
+                <a:cxn ang="0">
+                  <a:pos x="connsiteX12" y="connsiteY12"/>
+                </a:cxn>
+                <a:cxn ang="0">
+                  <a:pos x="connsiteX13" y="connsiteY13"/>
+                </a:cxn>
+                <a:cxn ang="0">
+                  <a:pos x="connsiteX14" y="connsiteY14"/>
+                </a:cxn>
+                <a:cxn ang="0">
+                  <a:pos x="connsiteX15" y="connsiteY15"/>
+                </a:cxn>
+                <a:cxn ang="0">
+                  <a:pos x="connsiteX16" y="connsiteY16"/>
+                </a:cxn>
+                <a:cxn ang="0">
+                  <a:pos x="connsiteX17" y="connsiteY17"/>
+                </a:cxn>
+                <a:cxn ang="0">
+                  <a:pos x="connsiteX18" y="connsiteY18"/>
+                </a:cxn>
+                <a:cxn ang="0">
+                  <a:pos x="connsiteX19" y="connsiteY19"/>
+                </a:cxn>
+                <a:cxn ang="0">
+                  <a:pos x="connsiteX20" y="connsiteY20"/>
+                </a:cxn>
+                <a:cxn ang="0">
+                  <a:pos x="connsiteX21" y="connsiteY21"/>
+                </a:cxn>
+                <a:cxn ang="0">
+                  <a:pos x="connsiteX22" y="connsiteY22"/>
+                </a:cxn>
+                <a:cxn ang="0">
+                  <a:pos x="connsiteX23" y="connsiteY23"/>
+                </a:cxn>
+                <a:cxn ang="0">
+                  <a:pos x="connsiteX24" y="connsiteY24"/>
+                </a:cxn>
+                <a:cxn ang="0">
+                  <a:pos x="connsiteX25" y="connsiteY25"/>
+                </a:cxn>
+                <a:cxn ang="0">
+                  <a:pos x="connsiteX26" y="connsiteY26"/>
+                </a:cxn>
+                <a:cxn ang="0">
+                  <a:pos x="connsiteX27" y="connsiteY27"/>
+                </a:cxn>
+                <a:cxn ang="0">
+                  <a:pos x="connsiteX28" y="connsiteY28"/>
+                </a:cxn>
+                <a:cxn ang="0">
+                  <a:pos x="connsiteX29" y="connsiteY29"/>
+                </a:cxn>
+                <a:cxn ang="0">
+                  <a:pos x="connsiteX30" y="connsiteY30"/>
+                </a:cxn>
+                <a:cxn ang="0">
+                  <a:pos x="connsiteX31" y="connsiteY31"/>
+                </a:cxn>
+                <a:cxn ang="0">
+                  <a:pos x="connsiteX32" y="connsiteY32"/>
+                </a:cxn>
+                <a:cxn ang="0">
+                  <a:pos x="connsiteX33" y="connsiteY33"/>
+                </a:cxn>
+                <a:cxn ang="0">
+                  <a:pos x="connsiteX34" y="connsiteY34"/>
+                </a:cxn>
+                <a:cxn ang="0">
+                  <a:pos x="connsiteX35" y="connsiteY35"/>
+                </a:cxn>
+                <a:cxn ang="0">
+                  <a:pos x="connsiteX36" y="connsiteY36"/>
+                </a:cxn>
+                <a:cxn ang="0">
+                  <a:pos x="connsiteX37" y="connsiteY37"/>
+                </a:cxn>
+                <a:cxn ang="0">
+                  <a:pos x="connsiteX38" y="connsiteY38"/>
+                </a:cxn>
+                <a:cxn ang="0">
+                  <a:pos x="connsiteX39" y="connsiteY39"/>
+                </a:cxn>
+                <a:cxn ang="0">
+                  <a:pos x="connsiteX40" y="connsiteY40"/>
+                </a:cxn>
+                <a:cxn ang="0">
+                  <a:pos x="connsiteX41" y="connsiteY41"/>
+                </a:cxn>
+                <a:cxn ang="0">
+                  <a:pos x="connsiteX42" y="connsiteY42"/>
+                </a:cxn>
+                <a:cxn ang="0">
+                  <a:pos x="connsiteX43" y="connsiteY43"/>
+                </a:cxn>
+                <a:cxn ang="0">
+                  <a:pos x="connsiteX44" y="connsiteY44"/>
+                </a:cxn>
+                <a:cxn ang="0">
+                  <a:pos x="connsiteX45" y="connsiteY45"/>
+                </a:cxn>
+                <a:cxn ang="0">
+                  <a:pos x="connsiteX46" y="connsiteY46"/>
+                </a:cxn>
+                <a:cxn ang="0">
+                  <a:pos x="connsiteX47" y="connsiteY47"/>
+                </a:cxn>
+                <a:cxn ang="0">
+                  <a:pos x="connsiteX48" y="connsiteY48"/>
+                </a:cxn>
+                <a:cxn ang="0">
+                  <a:pos x="connsiteX49" y="connsiteY49"/>
+                </a:cxn>
+                <a:cxn ang="0">
+                  <a:pos x="connsiteX50" y="connsiteY50"/>
+                </a:cxn>
+                <a:cxn ang="0">
+                  <a:pos x="connsiteX51" y="connsiteY51"/>
+                </a:cxn>
+              </a:cxnLst>
+              <a:rect l="l" t="t" r="r" b="b"/>
+              <a:pathLst>
+                <a:path w="3211551" h="5783220">
+                  <a:moveTo>
+                    <a:pt x="1360448" y="6888"/>
+                  </a:moveTo>
+                  <a:lnTo>
+                    <a:pt x="1706136" y="18039"/>
+                  </a:lnTo>
+                  <a:cubicBezTo>
+                    <a:pt x="1795364" y="21284"/>
+                    <a:pt x="1907946" y="-31143"/>
+                    <a:pt x="1973765" y="29190"/>
+                  </a:cubicBezTo>
+                  <a:cubicBezTo>
+                    <a:pt x="2016566" y="68424"/>
+                    <a:pt x="1887386" y="107218"/>
+                    <a:pt x="1839951" y="140702"/>
+                  </a:cubicBezTo>
+                  <a:cubicBezTo>
+                    <a:pt x="1760763" y="196600"/>
+                    <a:pt x="1676400" y="244781"/>
+                    <a:pt x="1594624" y="296820"/>
+                  </a:cubicBezTo>
+                  <a:cubicBezTo>
+                    <a:pt x="1568604" y="337708"/>
+                    <a:pt x="1509711" y="371505"/>
+                    <a:pt x="1516565" y="419483"/>
+                  </a:cubicBezTo>
+                  <a:cubicBezTo>
+                    <a:pt x="1519238" y="438195"/>
+                    <a:pt x="1726017" y="474755"/>
+                    <a:pt x="1728439" y="475239"/>
+                  </a:cubicBezTo>
+                  <a:cubicBezTo>
+                    <a:pt x="1698702" y="512410"/>
+                    <a:pt x="1679010" y="560609"/>
+                    <a:pt x="1639229" y="586751"/>
+                  </a:cubicBezTo>
+                  <a:cubicBezTo>
+                    <a:pt x="1546141" y="647923"/>
+                    <a:pt x="1436972" y="680328"/>
+                    <a:pt x="1338146" y="731717"/>
+                  </a:cubicBezTo>
+                  <a:cubicBezTo>
+                    <a:pt x="1251018" y="777024"/>
+                    <a:pt x="1167161" y="828361"/>
+                    <a:pt x="1081668" y="876683"/>
+                  </a:cubicBezTo>
+                  <a:cubicBezTo>
+                    <a:pt x="1183344" y="978359"/>
+                    <a:pt x="1132166" y="941174"/>
+                    <a:pt x="1382751" y="999346"/>
+                  </a:cubicBezTo>
+                  <a:cubicBezTo>
+                    <a:pt x="2090165" y="1163567"/>
+                    <a:pt x="1537557" y="1002300"/>
+                    <a:pt x="1862253" y="1099707"/>
+                  </a:cubicBezTo>
+                  <a:cubicBezTo>
+                    <a:pt x="1821365" y="1118292"/>
+                    <a:pt x="1778459" y="1132960"/>
+                    <a:pt x="1739590" y="1155463"/>
+                  </a:cubicBezTo>
+                  <a:cubicBezTo>
+                    <a:pt x="1707421" y="1174087"/>
+                    <a:pt x="1627717" y="1192908"/>
+                    <a:pt x="1650380" y="1222371"/>
+                  </a:cubicBezTo>
+                  <a:cubicBezTo>
+                    <a:pt x="1694150" y="1279272"/>
+                    <a:pt x="1780963" y="1285126"/>
+                    <a:pt x="1851102" y="1300429"/>
+                  </a:cubicBezTo>
+                  <a:cubicBezTo>
+                    <a:pt x="1986694" y="1330013"/>
+                    <a:pt x="2126165" y="1337600"/>
+                    <a:pt x="2263697" y="1356185"/>
+                  </a:cubicBezTo>
+                  <a:cubicBezTo>
+                    <a:pt x="2580242" y="1451150"/>
+                    <a:pt x="2182974" y="1306746"/>
+                    <a:pt x="2207941" y="1456546"/>
+                  </a:cubicBezTo>
+                  <a:cubicBezTo>
+                    <a:pt x="2221161" y="1535865"/>
+                    <a:pt x="2334487" y="1559311"/>
+                    <a:pt x="2408663" y="1590361"/>
+                  </a:cubicBezTo>
+                  <a:cubicBezTo>
+                    <a:pt x="2496817" y="1627263"/>
+                    <a:pt x="2595105" y="1632644"/>
+                    <a:pt x="2687444" y="1657268"/>
+                  </a:cubicBezTo>
+                  <a:cubicBezTo>
+                    <a:pt x="2906846" y="1715775"/>
+                    <a:pt x="2850722" y="1688329"/>
+                    <a:pt x="2966224" y="1757629"/>
+                  </a:cubicBezTo>
+                  <a:cubicBezTo>
+                    <a:pt x="2973658" y="1776214"/>
+                    <a:pt x="2974949" y="1798676"/>
+                    <a:pt x="2988526" y="1813385"/>
+                  </a:cubicBezTo>
+                  <a:cubicBezTo>
+                    <a:pt x="3048675" y="1878547"/>
+                    <a:pt x="3136818" y="1924663"/>
+                    <a:pt x="3211551" y="1969502"/>
+                  </a:cubicBezTo>
+                  <a:cubicBezTo>
+                    <a:pt x="3185364" y="1976776"/>
+                    <a:pt x="2893990" y="2035246"/>
+                    <a:pt x="2877014" y="2114468"/>
+                  </a:cubicBezTo>
+                  <a:cubicBezTo>
+                    <a:pt x="2868589" y="2153782"/>
+                    <a:pt x="2977375" y="2181376"/>
+                    <a:pt x="2977375" y="2181376"/>
+                  </a:cubicBezTo>
+                  <a:cubicBezTo>
+                    <a:pt x="2914185" y="2211112"/>
+                    <a:pt x="2839121" y="2223216"/>
+                    <a:pt x="2787804" y="2270585"/>
+                  </a:cubicBezTo>
+                  <a:cubicBezTo>
+                    <a:pt x="2737664" y="2316868"/>
+                    <a:pt x="2663953" y="2384940"/>
+                    <a:pt x="2687444" y="2449005"/>
+                  </a:cubicBezTo>
+                  <a:cubicBezTo>
+                    <a:pt x="2730453" y="2566303"/>
+                    <a:pt x="3009190" y="2638029"/>
+                    <a:pt x="3111190" y="2672029"/>
+                  </a:cubicBezTo>
+                  <a:cubicBezTo>
+                    <a:pt x="3000827" y="2708817"/>
+                    <a:pt x="2882308" y="2726159"/>
+                    <a:pt x="2832409" y="2861600"/>
+                  </a:cubicBezTo>
+                  <a:cubicBezTo>
+                    <a:pt x="2821505" y="2891196"/>
+                    <a:pt x="2872571" y="2911791"/>
+                    <a:pt x="2899317" y="2928507"/>
+                  </a:cubicBezTo>
+                  <a:cubicBezTo>
+                    <a:pt x="2933266" y="2949725"/>
+                    <a:pt x="2973658" y="2958244"/>
+                    <a:pt x="3010829" y="2973112"/>
+                  </a:cubicBezTo>
+                  <a:cubicBezTo>
+                    <a:pt x="3007112" y="2987980"/>
+                    <a:pt x="3005821" y="3003676"/>
+                    <a:pt x="2999678" y="3017717"/>
+                  </a:cubicBezTo>
+                  <a:cubicBezTo>
+                    <a:pt x="2979689" y="3063406"/>
+                    <a:pt x="2947290" y="3103823"/>
+                    <a:pt x="2932770" y="3151532"/>
+                  </a:cubicBezTo>
+                  <a:cubicBezTo>
+                    <a:pt x="2877630" y="3332704"/>
+                    <a:pt x="3012526" y="3264050"/>
+                    <a:pt x="2787804" y="3441463"/>
+                  </a:cubicBezTo>
+                  <a:cubicBezTo>
+                    <a:pt x="2248336" y="3867360"/>
+                    <a:pt x="2724493" y="3380167"/>
+                    <a:pt x="2286000" y="3753698"/>
+                  </a:cubicBezTo>
+                  <a:cubicBezTo>
+                    <a:pt x="2121183" y="3894098"/>
+                    <a:pt x="2284028" y="3904107"/>
+                    <a:pt x="1973765" y="3954420"/>
+                  </a:cubicBezTo>
+                  <a:cubicBezTo>
+                    <a:pt x="1775089" y="3986638"/>
+                    <a:pt x="1571776" y="3978053"/>
+                    <a:pt x="1371600" y="3999024"/>
+                  </a:cubicBezTo>
+                  <a:cubicBezTo>
+                    <a:pt x="1181293" y="4018961"/>
+                    <a:pt x="992159" y="4048973"/>
+                    <a:pt x="802887" y="4077083"/>
+                  </a:cubicBezTo>
+                  <a:cubicBezTo>
+                    <a:pt x="616711" y="4104733"/>
+                    <a:pt x="245326" y="4166293"/>
+                    <a:pt x="245326" y="4166293"/>
+                  </a:cubicBezTo>
+                  <a:cubicBezTo>
+                    <a:pt x="204438" y="4188595"/>
+                    <a:pt x="134917" y="4188266"/>
+                    <a:pt x="122663" y="4233200"/>
+                  </a:cubicBezTo>
+                  <a:cubicBezTo>
+                    <a:pt x="113436" y="4267031"/>
+                    <a:pt x="213716" y="4253938"/>
+                    <a:pt x="211873" y="4288956"/>
+                  </a:cubicBezTo>
+                  <a:cubicBezTo>
+                    <a:pt x="208622" y="4350735"/>
+                    <a:pt x="142380" y="4391460"/>
+                    <a:pt x="111512" y="4445073"/>
+                  </a:cubicBezTo>
+                  <a:cubicBezTo>
+                    <a:pt x="71690" y="4514237"/>
+                    <a:pt x="37171" y="4586322"/>
+                    <a:pt x="0" y="4656946"/>
+                  </a:cubicBezTo>
+                  <a:cubicBezTo>
+                    <a:pt x="26019" y="4679249"/>
+                    <a:pt x="46033" y="4711654"/>
+                    <a:pt x="78058" y="4723854"/>
+                  </a:cubicBezTo>
+                  <a:cubicBezTo>
+                    <a:pt x="247834" y="4788531"/>
+                    <a:pt x="289261" y="4675330"/>
+                    <a:pt x="156117" y="4846517"/>
+                  </a:cubicBezTo>
+                  <a:cubicBezTo>
+                    <a:pt x="152400" y="4887405"/>
+                    <a:pt x="128290" y="4931663"/>
+                    <a:pt x="144965" y="4969181"/>
+                  </a:cubicBezTo>
+                  <a:cubicBezTo>
+                    <a:pt x="174691" y="5036065"/>
+                    <a:pt x="287052" y="5061148"/>
+                    <a:pt x="345687" y="5080693"/>
+                  </a:cubicBezTo>
+                  <a:cubicBezTo>
+                    <a:pt x="342732" y="5082512"/>
+                    <a:pt x="107298" y="5199553"/>
+                    <a:pt x="133814" y="5270263"/>
+                  </a:cubicBezTo>
+                  <a:cubicBezTo>
+                    <a:pt x="157749" y="5334090"/>
+                    <a:pt x="350725" y="5369096"/>
+                    <a:pt x="401444" y="5381776"/>
+                  </a:cubicBezTo>
+                  <a:cubicBezTo>
+                    <a:pt x="386576" y="5404078"/>
+                    <a:pt x="368072" y="5424346"/>
+                    <a:pt x="356839" y="5448683"/>
+                  </a:cubicBezTo>
+                  <a:cubicBezTo>
+                    <a:pt x="294017" y="5584794"/>
+                    <a:pt x="367649" y="5469708"/>
+                    <a:pt x="323385" y="5593649"/>
+                  </a:cubicBezTo>
+                  <a:cubicBezTo>
+                    <a:pt x="312203" y="5624959"/>
+                    <a:pt x="278780" y="5682859"/>
+                    <a:pt x="278780" y="5682859"/>
+                  </a:cubicBezTo>
+                  <a:cubicBezTo>
+                    <a:pt x="264623" y="5753643"/>
+                    <a:pt x="272226" y="5720227"/>
+                    <a:pt x="256478" y="5783220"/>
+                  </a:cubicBezTo>
+                </a:path>
+              </a:pathLst>
+            </a:custGeom>
+            <a:noFill/>
+          </p:spPr>
+          <p:style>
+            <a:lnRef idx="2">
+              <a:schemeClr val="accent1">
+                <a:shade val="15000"/>
+              </a:schemeClr>
+            </a:lnRef>
+            <a:fillRef idx="1">
+              <a:schemeClr val="accent1"/>
+            </a:fillRef>
+            <a:effectRef idx="0">
+              <a:schemeClr val="accent1"/>
+            </a:effectRef>
+            <a:fontRef idx="minor">
+              <a:schemeClr val="lt1"/>
+            </a:fontRef>
+          </p:style>
+          <p:txBody>
+            <a:bodyPr rtlCol="0" anchor="ctr"/>
+            <a:lstStyle/>
+            <a:p>
+              <a:pPr algn="ctr"/>
+              <a:endParaRPr lang="en-US"/>
+            </a:p>
+          </p:txBody>
+        </p:sp>
+        <p:cxnSp>
+          <p:nvCxnSpPr>
+            <p:cNvPr id="6" name="Straight Connector 5">
+              <a:extLst>
+                <a:ext uri="{FF2B5EF4-FFF2-40B4-BE49-F238E27FC236}">
+                  <a16:creationId xmlns:a16="http://schemas.microsoft.com/office/drawing/2014/main" id="{3BC607D9-3A38-CC6A-8343-5D8B1D029F56}"/>
+                </a:ext>
+              </a:extLst>
+            </p:cNvPr>
+            <p:cNvCxnSpPr>
+              <a:stCxn id="4" idx="2"/>
+            </p:cNvCxnSpPr>
+            <p:nvPr/>
+          </p:nvCxnSpPr>
+          <p:spPr>
+            <a:xfrm flipV="1">
+              <a:off x="2687443" y="810594"/>
+              <a:ext cx="2341757" cy="28030"/>
+            </a:xfrm>
+            <a:prstGeom prst="line">
+              <a:avLst/>
+            </a:prstGeom>
+            <a:ln w="9525" cap="flat" cmpd="sng" algn="ctr">
+              <a:solidFill>
+                <a:srgbClr val="FF0000"/>
+              </a:solidFill>
+              <a:prstDash val="solid"/>
+              <a:round/>
+              <a:headEnd type="none" w="med" len="med"/>
+              <a:tailEnd type="arrow" w="med" len="med"/>
+            </a:ln>
+          </p:spPr>
+          <p:style>
+            <a:lnRef idx="0">
+              <a:scrgbClr r="0" g="0" b="0"/>
+            </a:lnRef>
+            <a:fillRef idx="0">
+              <a:scrgbClr r="0" g="0" b="0"/>
+            </a:fillRef>
+            <a:effectRef idx="0">
+              <a:scrgbClr r="0" g="0" b="0"/>
+            </a:effectRef>
+            <a:fontRef idx="minor">
+              <a:schemeClr val="tx1"/>
+            </a:fontRef>
+          </p:style>
+        </p:cxnSp>
+        <p:cxnSp>
+          <p:nvCxnSpPr>
+            <p:cNvPr id="7" name="Straight Connector 6">
+              <a:extLst>
+                <a:ext uri="{FF2B5EF4-FFF2-40B4-BE49-F238E27FC236}">
+                  <a16:creationId xmlns:a16="http://schemas.microsoft.com/office/drawing/2014/main" id="{D50963FC-3799-851A-9115-B25108D73809}"/>
+                </a:ext>
+              </a:extLst>
+            </p:cNvPr>
+            <p:cNvCxnSpPr>
+              <a:cxnSpLocks/>
+              <a:stCxn id="4" idx="6"/>
+              <a:endCxn id="3" idx="3"/>
+            </p:cNvCxnSpPr>
+            <p:nvPr/>
+          </p:nvCxnSpPr>
+          <p:spPr>
+            <a:xfrm>
+              <a:off x="2442117" y="1266940"/>
+              <a:ext cx="1873405" cy="56611"/>
+            </a:xfrm>
+            <a:prstGeom prst="line">
+              <a:avLst/>
+            </a:prstGeom>
+            <a:ln w="9525" cap="flat" cmpd="sng" algn="ctr">
+              <a:solidFill>
+                <a:srgbClr val="FF0000"/>
+              </a:solidFill>
+              <a:prstDash val="solid"/>
+              <a:round/>
+              <a:headEnd type="none" w="med" len="med"/>
+              <a:tailEnd type="arrow" w="med" len="med"/>
+            </a:ln>
+          </p:spPr>
+          <p:style>
+            <a:lnRef idx="0">
+              <a:scrgbClr r="0" g="0" b="0"/>
+            </a:lnRef>
+            <a:fillRef idx="0">
+              <a:scrgbClr r="0" g="0" b="0"/>
+            </a:fillRef>
+            <a:effectRef idx="0">
+              <a:scrgbClr r="0" g="0" b="0"/>
+            </a:effectRef>
+            <a:fontRef idx="minor">
+              <a:schemeClr val="tx1"/>
+            </a:fontRef>
+          </p:style>
+        </p:cxnSp>
+        <p:cxnSp>
+          <p:nvCxnSpPr>
+            <p:cNvPr id="11" name="Straight Connector 10">
+              <a:extLst>
+                <a:ext uri="{FF2B5EF4-FFF2-40B4-BE49-F238E27FC236}">
+                  <a16:creationId xmlns:a16="http://schemas.microsoft.com/office/drawing/2014/main" id="{0DE0545A-14EB-BAD4-727B-0DACD0B4B104}"/>
+                </a:ext>
+              </a:extLst>
+            </p:cNvPr>
+            <p:cNvCxnSpPr>
+              <a:cxnSpLocks/>
+              <a:stCxn id="4" idx="13"/>
+              <a:endCxn id="3" idx="6"/>
+            </p:cNvCxnSpPr>
+            <p:nvPr/>
+          </p:nvCxnSpPr>
+          <p:spPr>
+            <a:xfrm>
+              <a:off x="2364058" y="1984369"/>
+              <a:ext cx="2352907" cy="52860"/>
+            </a:xfrm>
+            <a:prstGeom prst="line">
+              <a:avLst/>
+            </a:prstGeom>
+            <a:ln w="9525" cap="flat" cmpd="sng" algn="ctr">
+              <a:solidFill>
+                <a:srgbClr val="FF0000"/>
+              </a:solidFill>
+              <a:prstDash val="solid"/>
+              <a:round/>
+              <a:headEnd type="none" w="med" len="med"/>
+              <a:tailEnd type="arrow" w="med" len="med"/>
+            </a:ln>
+          </p:spPr>
+          <p:style>
+            <a:lnRef idx="0">
+              <a:scrgbClr r="0" g="0" b="0"/>
+            </a:lnRef>
+            <a:fillRef idx="0">
+              <a:scrgbClr r="0" g="0" b="0"/>
+            </a:fillRef>
+            <a:effectRef idx="0">
+              <a:scrgbClr r="0" g="0" b="0"/>
+            </a:effectRef>
+            <a:fontRef idx="minor">
+              <a:schemeClr val="tx1"/>
+            </a:fontRef>
+          </p:style>
+        </p:cxnSp>
+        <p:cxnSp>
+          <p:nvCxnSpPr>
+            <p:cNvPr id="15" name="Straight Connector 14">
+              <a:extLst>
+                <a:ext uri="{FF2B5EF4-FFF2-40B4-BE49-F238E27FC236}">
+                  <a16:creationId xmlns:a16="http://schemas.microsoft.com/office/drawing/2014/main" id="{CE9D8A34-D8D7-AE59-6A76-5B36C547FA7E}"/>
+                </a:ext>
+              </a:extLst>
+            </p:cNvPr>
+            <p:cNvCxnSpPr>
+              <a:cxnSpLocks/>
+              <a:stCxn id="4" idx="19"/>
+              <a:endCxn id="3" idx="8"/>
+            </p:cNvCxnSpPr>
+            <p:nvPr/>
+          </p:nvCxnSpPr>
+          <p:spPr>
+            <a:xfrm flipV="1">
+              <a:off x="3679902" y="2494429"/>
+              <a:ext cx="1728439" cy="3919"/>
+            </a:xfrm>
+            <a:prstGeom prst="line">
+              <a:avLst/>
+            </a:prstGeom>
+            <a:ln w="9525" cap="flat" cmpd="sng" algn="ctr">
+              <a:solidFill>
+                <a:srgbClr val="FF0000"/>
+              </a:solidFill>
+              <a:prstDash val="solid"/>
+              <a:round/>
+              <a:headEnd type="none" w="med" len="med"/>
+              <a:tailEnd type="arrow" w="med" len="med"/>
+            </a:ln>
+          </p:spPr>
+          <p:style>
+            <a:lnRef idx="0">
+              <a:scrgbClr r="0" g="0" b="0"/>
+            </a:lnRef>
+            <a:fillRef idx="0">
+              <a:scrgbClr r="0" g="0" b="0"/>
+            </a:fillRef>
+            <a:effectRef idx="0">
+              <a:scrgbClr r="0" g="0" b="0"/>
+            </a:effectRef>
+            <a:fontRef idx="minor">
+              <a:schemeClr val="tx1"/>
+            </a:fontRef>
+          </p:style>
+        </p:cxnSp>
+        <p:cxnSp>
+          <p:nvCxnSpPr>
+            <p:cNvPr id="18" name="Straight Connector 17">
+              <a:extLst>
+                <a:ext uri="{FF2B5EF4-FFF2-40B4-BE49-F238E27FC236}">
+                  <a16:creationId xmlns:a16="http://schemas.microsoft.com/office/drawing/2014/main" id="{83472E37-2390-AE4A-7902-C07F83EE64AD}"/>
+                </a:ext>
+              </a:extLst>
+            </p:cNvPr>
+            <p:cNvCxnSpPr>
+              <a:cxnSpLocks/>
+              <a:stCxn id="4" idx="25"/>
+              <a:endCxn id="3" idx="10"/>
+            </p:cNvCxnSpPr>
+            <p:nvPr/>
+          </p:nvCxnSpPr>
+          <p:spPr>
+            <a:xfrm flipV="1">
+              <a:off x="3401122" y="3085444"/>
+              <a:ext cx="2453268" cy="76794"/>
+            </a:xfrm>
+            <a:prstGeom prst="line">
+              <a:avLst/>
+            </a:prstGeom>
+            <a:ln w="9525" cap="flat" cmpd="sng" algn="ctr">
+              <a:solidFill>
+                <a:srgbClr val="FF0000"/>
+              </a:solidFill>
+              <a:prstDash val="solid"/>
+              <a:round/>
+              <a:headEnd type="none" w="med" len="med"/>
+              <a:tailEnd type="arrow" w="med" len="med"/>
+            </a:ln>
+          </p:spPr>
+          <p:style>
+            <a:lnRef idx="0">
+              <a:scrgbClr r="0" g="0" b="0"/>
+            </a:lnRef>
+            <a:fillRef idx="0">
+              <a:scrgbClr r="0" g="0" b="0"/>
+            </a:fillRef>
+            <a:effectRef idx="0">
+              <a:scrgbClr r="0" g="0" b="0"/>
+            </a:effectRef>
+            <a:fontRef idx="minor">
+              <a:schemeClr val="tx1"/>
+            </a:fontRef>
+          </p:style>
+        </p:cxnSp>
+        <p:cxnSp>
+          <p:nvCxnSpPr>
+            <p:cNvPr id="21" name="Straight Connector 20">
+              <a:extLst>
+                <a:ext uri="{FF2B5EF4-FFF2-40B4-BE49-F238E27FC236}">
+                  <a16:creationId xmlns:a16="http://schemas.microsoft.com/office/drawing/2014/main" id="{F3B865BF-FF9E-8FF9-FBF8-946C0ACBF72B}"/>
+                </a:ext>
+              </a:extLst>
+            </p:cNvPr>
+            <p:cNvCxnSpPr>
+              <a:cxnSpLocks/>
+              <a:stCxn id="4" idx="32"/>
+              <a:endCxn id="3" idx="14"/>
+            </p:cNvCxnSpPr>
+            <p:nvPr/>
+          </p:nvCxnSpPr>
+          <p:spPr>
+            <a:xfrm flipV="1">
+              <a:off x="3501482" y="4111356"/>
+              <a:ext cx="1672683" cy="3885"/>
+            </a:xfrm>
+            <a:prstGeom prst="line">
+              <a:avLst/>
+            </a:prstGeom>
+            <a:ln w="9525" cap="flat" cmpd="sng" algn="ctr">
+              <a:solidFill>
+                <a:srgbClr val="FF0000"/>
+              </a:solidFill>
+              <a:prstDash val="solid"/>
+              <a:round/>
+              <a:headEnd type="none" w="med" len="med"/>
+              <a:tailEnd type="arrow" w="med" len="med"/>
+            </a:ln>
+          </p:spPr>
+          <p:style>
+            <a:lnRef idx="0">
+              <a:scrgbClr r="0" g="0" b="0"/>
+            </a:lnRef>
+            <a:fillRef idx="0">
+              <a:scrgbClr r="0" g="0" b="0"/>
+            </a:fillRef>
+            <a:effectRef idx="0">
+              <a:scrgbClr r="0" g="0" b="0"/>
+            </a:effectRef>
+            <a:fontRef idx="minor">
+              <a:schemeClr val="tx1"/>
+            </a:fontRef>
+          </p:style>
+        </p:cxnSp>
+        <p:cxnSp>
+          <p:nvCxnSpPr>
+            <p:cNvPr id="24" name="Straight Connector 23">
+              <a:extLst>
+                <a:ext uri="{FF2B5EF4-FFF2-40B4-BE49-F238E27FC236}">
+                  <a16:creationId xmlns:a16="http://schemas.microsoft.com/office/drawing/2014/main" id="{12272C63-36A2-EE66-1088-FFA39BF22E68}"/>
+                </a:ext>
+              </a:extLst>
+            </p:cNvPr>
+            <p:cNvCxnSpPr>
+              <a:cxnSpLocks/>
+              <a:stCxn id="4" idx="40"/>
+              <a:endCxn id="3" idx="17"/>
+            </p:cNvCxnSpPr>
+            <p:nvPr/>
+          </p:nvCxnSpPr>
+          <p:spPr>
+            <a:xfrm>
+              <a:off x="825190" y="5078952"/>
+              <a:ext cx="4036741" cy="13711"/>
+            </a:xfrm>
+            <a:prstGeom prst="line">
+              <a:avLst/>
+            </a:prstGeom>
+            <a:ln w="9525" cap="flat" cmpd="sng" algn="ctr">
+              <a:solidFill>
+                <a:srgbClr val="FF0000"/>
+              </a:solidFill>
+              <a:prstDash val="solid"/>
+              <a:round/>
+              <a:headEnd type="none" w="med" len="med"/>
+              <a:tailEnd type="arrow" w="med" len="med"/>
+            </a:ln>
+          </p:spPr>
+          <p:style>
+            <a:lnRef idx="0">
+              <a:scrgbClr r="0" g="0" b="0"/>
+            </a:lnRef>
+            <a:fillRef idx="0">
+              <a:scrgbClr r="0" g="0" b="0"/>
+            </a:fillRef>
+            <a:effectRef idx="0">
+              <a:scrgbClr r="0" g="0" b="0"/>
+            </a:effectRef>
+            <a:fontRef idx="minor">
+              <a:schemeClr val="tx1"/>
+            </a:fontRef>
+          </p:style>
+        </p:cxnSp>
+        <p:cxnSp>
+          <p:nvCxnSpPr>
+            <p:cNvPr id="27" name="Straight Connector 26">
+              <a:extLst>
+                <a:ext uri="{FF2B5EF4-FFF2-40B4-BE49-F238E27FC236}">
+                  <a16:creationId xmlns:a16="http://schemas.microsoft.com/office/drawing/2014/main" id="{713CA71A-A3BE-F8F1-9540-64A9F0BB4022}"/>
+                </a:ext>
+              </a:extLst>
+            </p:cNvPr>
+            <p:cNvCxnSpPr>
+              <a:cxnSpLocks/>
+              <a:stCxn id="4" idx="47"/>
+              <a:endCxn id="3" idx="20"/>
+            </p:cNvCxnSpPr>
+            <p:nvPr/>
+          </p:nvCxnSpPr>
+          <p:spPr>
+            <a:xfrm>
+              <a:off x="1115122" y="5978416"/>
+              <a:ext cx="4170556" cy="117857"/>
+            </a:xfrm>
+            <a:prstGeom prst="line">
+              <a:avLst/>
+            </a:prstGeom>
+            <a:ln w="9525" cap="flat" cmpd="sng" algn="ctr">
+              <a:solidFill>
+                <a:srgbClr val="FF0000"/>
+              </a:solidFill>
+              <a:prstDash val="solid"/>
+              <a:round/>
+              <a:headEnd type="none" w="med" len="med"/>
+              <a:tailEnd type="arrow" w="med" len="med"/>
+            </a:ln>
+          </p:spPr>
+          <p:style>
+            <a:lnRef idx="0">
+              <a:scrgbClr r="0" g="0" b="0"/>
+            </a:lnRef>
+            <a:fillRef idx="0">
+              <a:scrgbClr r="0" g="0" b="0"/>
+            </a:fillRef>
+            <a:effectRef idx="0">
+              <a:scrgbClr r="0" g="0" b="0"/>
+            </a:effectRef>
+            <a:fontRef idx="minor">
+              <a:schemeClr val="tx1"/>
+            </a:fontRef>
+          </p:style>
+        </p:cxnSp>
+        <p:cxnSp>
+          <p:nvCxnSpPr>
+            <p:cNvPr id="30" name="Straight Connector 29">
+              <a:extLst>
+                <a:ext uri="{FF2B5EF4-FFF2-40B4-BE49-F238E27FC236}">
+                  <a16:creationId xmlns:a16="http://schemas.microsoft.com/office/drawing/2014/main" id="{13B25660-D930-9043-6F56-5DF5CCA6142A}"/>
+                </a:ext>
+              </a:extLst>
+            </p:cNvPr>
+            <p:cNvCxnSpPr>
+              <a:cxnSpLocks/>
+              <a:stCxn id="4" idx="51"/>
+              <a:endCxn id="3" idx="23"/>
+            </p:cNvCxnSpPr>
+            <p:nvPr/>
+          </p:nvCxnSpPr>
+          <p:spPr>
+            <a:xfrm flipV="1">
+              <a:off x="970156" y="6330449"/>
+              <a:ext cx="4460487" cy="33452"/>
+            </a:xfrm>
+            <a:prstGeom prst="line">
+              <a:avLst/>
+            </a:prstGeom>
+            <a:ln w="9525" cap="flat" cmpd="sng" algn="ctr">
+              <a:solidFill>
+                <a:srgbClr val="FF0000"/>
+              </a:solidFill>
+              <a:prstDash val="solid"/>
+              <a:round/>
+              <a:headEnd type="none" w="med" len="med"/>
+              <a:tailEnd type="arrow" w="med" len="med"/>
+            </a:ln>
+          </p:spPr>
+          <p:style>
+            <a:lnRef idx="0">
+              <a:scrgbClr r="0" g="0" b="0"/>
+            </a:lnRef>
+            <a:fillRef idx="0">
+              <a:scrgbClr r="0" g="0" b="0"/>
+            </a:fillRef>
+            <a:effectRef idx="0">
+              <a:scrgbClr r="0" g="0" b="0"/>
+            </a:effectRef>
+            <a:fontRef idx="minor">
+              <a:schemeClr val="tx1"/>
+            </a:fontRef>
+          </p:style>
+        </p:cxnSp>
+        <mc:AlternateContent xmlns:mc="http://schemas.openxmlformats.org/markup-compatibility/2006">
+          <mc:Choice xmlns:a14="http://schemas.microsoft.com/office/drawing/2010/main" Requires="a14">
+            <p:sp>
+              <p:nvSpPr>
+                <p:cNvPr id="33" name="TextBox 32">
+                  <a:extLst>
+                    <a:ext uri="{FF2B5EF4-FFF2-40B4-BE49-F238E27FC236}">
+                      <a16:creationId xmlns:a16="http://schemas.microsoft.com/office/drawing/2014/main" id="{43EC50C3-053B-AF02-F8CF-21870AAAC9FB}"/>
+                    </a:ext>
+                  </a:extLst>
+                </p:cNvPr>
+                <p:cNvSpPr txBox="1"/>
+                <p:nvPr/>
+              </p:nvSpPr>
+              <p:spPr>
+                <a:xfrm>
+                  <a:off x="3482961" y="392056"/>
+                  <a:ext cx="395941" cy="492443"/>
+                </a:xfrm>
+                <a:prstGeom prst="rect">
+                  <a:avLst/>
+                </a:prstGeom>
+                <a:noFill/>
+              </p:spPr>
+              <p:txBody>
+                <a:bodyPr wrap="none" lIns="0" tIns="0" rIns="0" bIns="0" rtlCol="0">
+                  <a:spAutoFit/>
+                </a:bodyPr>
+                <a:lstStyle/>
+                <a:p>
+                  <a14:m>
+                    <m:oMathPara xmlns:m="http://schemas.openxmlformats.org/officeDocument/2006/math">
+                      <m:oMathParaPr>
+                        <m:jc m:val="centerGroup"/>
+                      </m:oMathParaPr>
+                      <m:oMath xmlns:m="http://schemas.openxmlformats.org/officeDocument/2006/math">
+                        <m:r>
+                          <a:rPr lang="en-US" sz="3200" b="0" i="1" smtClean="0">
+                            <a:solidFill>
+                              <a:srgbClr val="FF0000"/>
+                            </a:solidFill>
+                            <a:latin typeface="Cambria Math" panose="02040503050406030204" pitchFamily="18" charset="0"/>
+                          </a:rPr>
+                          <m:t>ℱ</m:t>
+                        </m:r>
+                      </m:oMath>
+                    </m:oMathPara>
+                  </a14:m>
+                  <a:endParaRPr lang="en-US" sz="3200" dirty="0">
+                    <a:solidFill>
+                      <a:srgbClr val="FF0000"/>
+                    </a:solidFill>
+                  </a:endParaRPr>
+                </a:p>
+              </p:txBody>
+            </p:sp>
+          </mc:Choice>
+          <mc:Fallback>
+            <p:sp>
+              <p:nvSpPr>
+                <p:cNvPr id="33" name="TextBox 32">
+                  <a:extLst>
+                    <a:ext uri="{FF2B5EF4-FFF2-40B4-BE49-F238E27FC236}">
+                      <a16:creationId xmlns:a16="http://schemas.microsoft.com/office/drawing/2014/main" id="{43EC50C3-053B-AF02-F8CF-21870AAAC9FB}"/>
+                    </a:ext>
+                  </a:extLst>
+                </p:cNvPr>
+                <p:cNvSpPr txBox="1">
+                  <a:spLocks noRot="1" noChangeAspect="1" noMove="1" noResize="1" noEditPoints="1" noAdjustHandles="1" noChangeArrowheads="1" noChangeShapeType="1" noTextEdit="1"/>
+                </p:cNvSpPr>
+                <p:nvPr/>
+              </p:nvSpPr>
+              <p:spPr>
+                <a:xfrm>
+                  <a:off x="3482961" y="392056"/>
+                  <a:ext cx="395941" cy="492443"/>
+                </a:xfrm>
+                <a:prstGeom prst="rect">
+                  <a:avLst/>
+                </a:prstGeom>
+                <a:blipFill>
+                  <a:blip r:embed="rId2"/>
+                  <a:stretch>
+                    <a:fillRect/>
+                  </a:stretch>
+                </a:blipFill>
+              </p:spPr>
+              <p:txBody>
+                <a:bodyPr/>
+                <a:lstStyle/>
+                <a:p>
+                  <a:r>
+                    <a:rPr lang="en-US">
+                      <a:noFill/>
+                    </a:rPr>
+                    <a:t> </a:t>
+                  </a:r>
+                </a:p>
+              </p:txBody>
+            </p:sp>
+          </mc:Fallback>
+        </mc:AlternateContent>
+        <mc:AlternateContent xmlns:mc="http://schemas.openxmlformats.org/markup-compatibility/2006">
+          <mc:Choice xmlns:a14="http://schemas.microsoft.com/office/drawing/2010/main" Requires="a14">
+            <p:sp>
+              <p:nvSpPr>
+                <p:cNvPr id="34" name="TextBox 33">
+                  <a:extLst>
+                    <a:ext uri="{FF2B5EF4-FFF2-40B4-BE49-F238E27FC236}">
+                      <a16:creationId xmlns:a16="http://schemas.microsoft.com/office/drawing/2014/main" id="{52A7BD40-65D8-3501-AFAE-6101D622B868}"/>
+                    </a:ext>
+                  </a:extLst>
+                </p:cNvPr>
+                <p:cNvSpPr txBox="1"/>
+                <p:nvPr/>
+              </p:nvSpPr>
+              <p:spPr>
+                <a:xfrm>
+                  <a:off x="2280406" y="314117"/>
+                  <a:ext cx="323422" cy="492443"/>
+                </a:xfrm>
+                <a:prstGeom prst="rect">
+                  <a:avLst/>
+                </a:prstGeom>
+                <a:noFill/>
+              </p:spPr>
+              <p:txBody>
+                <a:bodyPr wrap="none" lIns="0" tIns="0" rIns="0" bIns="0" rtlCol="0">
+                  <a:spAutoFit/>
+                </a:bodyPr>
+                <a:lstStyle/>
+                <a:p>
+                  <a14:m>
+                    <m:oMathPara xmlns:m="http://schemas.openxmlformats.org/officeDocument/2006/math">
+                      <m:oMathParaPr>
+                        <m:jc m:val="centerGroup"/>
+                      </m:oMathParaPr>
+                      <m:oMath xmlns:m="http://schemas.openxmlformats.org/officeDocument/2006/math">
+                        <m:r>
+                          <a:rPr lang="en-US" sz="3200" b="0" i="1" smtClean="0">
+                            <a:solidFill>
+                              <a:schemeClr val="tx1"/>
+                            </a:solidFill>
+                            <a:latin typeface="Cambria Math" panose="02040503050406030204" pitchFamily="18" charset="0"/>
+                          </a:rPr>
+                          <m:t>𝑥</m:t>
+                        </m:r>
+                      </m:oMath>
+                    </m:oMathPara>
+                  </a14:m>
+                  <a:endParaRPr lang="en-US" sz="3200" dirty="0">
+                    <a:solidFill>
+                      <a:schemeClr val="tx1"/>
+                    </a:solidFill>
+                  </a:endParaRPr>
+                </a:p>
+              </p:txBody>
+            </p:sp>
+          </mc:Choice>
+          <mc:Fallback>
+            <p:sp>
+              <p:nvSpPr>
+                <p:cNvPr id="34" name="TextBox 33">
+                  <a:extLst>
+                    <a:ext uri="{FF2B5EF4-FFF2-40B4-BE49-F238E27FC236}">
+                      <a16:creationId xmlns:a16="http://schemas.microsoft.com/office/drawing/2014/main" id="{52A7BD40-65D8-3501-AFAE-6101D622B868}"/>
+                    </a:ext>
+                  </a:extLst>
+                </p:cNvPr>
+                <p:cNvSpPr txBox="1">
+                  <a:spLocks noRot="1" noChangeAspect="1" noMove="1" noResize="1" noEditPoints="1" noAdjustHandles="1" noChangeArrowheads="1" noChangeShapeType="1" noTextEdit="1"/>
+                </p:cNvSpPr>
+                <p:nvPr/>
+              </p:nvSpPr>
+              <p:spPr>
+                <a:xfrm>
+                  <a:off x="2280406" y="314117"/>
+                  <a:ext cx="323422" cy="492443"/>
+                </a:xfrm>
+                <a:prstGeom prst="rect">
+                  <a:avLst/>
+                </a:prstGeom>
+                <a:blipFill>
+                  <a:blip r:embed="rId3"/>
+                  <a:stretch>
+                    <a:fillRect/>
+                  </a:stretch>
+                </a:blipFill>
+              </p:spPr>
+              <p:txBody>
+                <a:bodyPr/>
+                <a:lstStyle/>
+                <a:p>
+                  <a:r>
+                    <a:rPr lang="en-US">
+                      <a:noFill/>
+                    </a:rPr>
+                    <a:t> </a:t>
+                  </a:r>
+                </a:p>
+              </p:txBody>
+            </p:sp>
+          </mc:Fallback>
+        </mc:AlternateContent>
+        <mc:AlternateContent xmlns:mc="http://schemas.openxmlformats.org/markup-compatibility/2006">
+          <mc:Choice xmlns:a14="http://schemas.microsoft.com/office/drawing/2010/main" Requires="a14">
+            <p:sp>
+              <p:nvSpPr>
+                <p:cNvPr id="35" name="TextBox 34">
+                  <a:extLst>
+                    <a:ext uri="{FF2B5EF4-FFF2-40B4-BE49-F238E27FC236}">
+                      <a16:creationId xmlns:a16="http://schemas.microsoft.com/office/drawing/2014/main" id="{2D4C7EA0-5E8B-42C7-42F0-D6C9F39FB6AD}"/>
+                    </a:ext>
+                  </a:extLst>
+                </p:cNvPr>
+                <p:cNvSpPr txBox="1"/>
+                <p:nvPr/>
+              </p:nvSpPr>
+              <p:spPr>
+                <a:xfrm>
+                  <a:off x="4867489" y="314116"/>
+                  <a:ext cx="494751" cy="492443"/>
+                </a:xfrm>
+                <a:prstGeom prst="rect">
+                  <a:avLst/>
+                </a:prstGeom>
+                <a:noFill/>
+              </p:spPr>
+              <p:txBody>
+                <a:bodyPr wrap="none" lIns="0" tIns="0" rIns="0" bIns="0" rtlCol="0">
+                  <a:spAutoFit/>
+                </a:bodyPr>
+                <a:lstStyle/>
+                <a:p>
+                  <a14:m>
+                    <m:oMathPara xmlns:m="http://schemas.openxmlformats.org/officeDocument/2006/math">
+                      <m:oMathParaPr>
+                        <m:jc m:val="centerGroup"/>
+                      </m:oMathParaPr>
+                      <m:oMath xmlns:m="http://schemas.openxmlformats.org/officeDocument/2006/math">
+                        <m:sSup>
+                          <m:sSupPr>
+                            <m:ctrlPr>
+                              <a:rPr lang="en-US" sz="3200" b="0" i="1" smtClean="0">
+                                <a:solidFill>
+                                  <a:schemeClr val="tx1"/>
+                                </a:solidFill>
+                                <a:latin typeface="Cambria Math" panose="02040503050406030204" pitchFamily="18" charset="0"/>
+                              </a:rPr>
+                            </m:ctrlPr>
+                          </m:sSupPr>
+                          <m:e>
+                            <m:r>
+                              <a:rPr lang="en-US" sz="3200" b="0" i="1" smtClean="0">
+                                <a:solidFill>
+                                  <a:schemeClr val="tx1"/>
+                                </a:solidFill>
+                                <a:latin typeface="Cambria Math" panose="02040503050406030204" pitchFamily="18" charset="0"/>
+                              </a:rPr>
+                              <m:t>𝑥</m:t>
+                            </m:r>
+                          </m:e>
+                          <m:sup>
+                            <m:r>
+                              <a:rPr lang="en-US" sz="3200" b="0" i="1" smtClean="0">
+                                <a:solidFill>
+                                  <a:schemeClr val="tx1"/>
+                                </a:solidFill>
+                                <a:latin typeface="Cambria Math" panose="02040503050406030204" pitchFamily="18" charset="0"/>
+                              </a:rPr>
+                              <m:t>∗</m:t>
+                            </m:r>
+                          </m:sup>
+                        </m:sSup>
+                      </m:oMath>
+                    </m:oMathPara>
+                  </a14:m>
+                  <a:endParaRPr lang="en-US" sz="3200" dirty="0">
+                    <a:solidFill>
+                      <a:schemeClr val="tx1"/>
+                    </a:solidFill>
+                  </a:endParaRPr>
+                </a:p>
+              </p:txBody>
+            </p:sp>
+          </mc:Choice>
+          <mc:Fallback>
+            <p:sp>
+              <p:nvSpPr>
+                <p:cNvPr id="35" name="TextBox 34">
+                  <a:extLst>
+                    <a:ext uri="{FF2B5EF4-FFF2-40B4-BE49-F238E27FC236}">
+                      <a16:creationId xmlns:a16="http://schemas.microsoft.com/office/drawing/2014/main" id="{2D4C7EA0-5E8B-42C7-42F0-D6C9F39FB6AD}"/>
+                    </a:ext>
+                  </a:extLst>
+                </p:cNvPr>
+                <p:cNvSpPr txBox="1">
+                  <a:spLocks noRot="1" noChangeAspect="1" noMove="1" noResize="1" noEditPoints="1" noAdjustHandles="1" noChangeArrowheads="1" noChangeShapeType="1" noTextEdit="1"/>
+                </p:cNvSpPr>
+                <p:nvPr/>
+              </p:nvSpPr>
+              <p:spPr>
+                <a:xfrm>
+                  <a:off x="4867489" y="314116"/>
+                  <a:ext cx="494751" cy="492443"/>
+                </a:xfrm>
+                <a:prstGeom prst="rect">
+                  <a:avLst/>
+                </a:prstGeom>
+                <a:blipFill>
+                  <a:blip r:embed="rId4"/>
+                  <a:stretch>
+                    <a:fillRect/>
+                  </a:stretch>
+                </a:blipFill>
+              </p:spPr>
+              <p:txBody>
+                <a:bodyPr/>
+                <a:lstStyle/>
+                <a:p>
+                  <a:r>
+                    <a:rPr lang="en-US">
+                      <a:noFill/>
+                    </a:rPr>
+                    <a:t> </a:t>
+                  </a:r>
+                </a:p>
+              </p:txBody>
+            </p:sp>
+          </mc:Fallback>
+        </mc:AlternateContent>
+      </p:grpSp>
+      <mc:AlternateContent xmlns:mc="http://schemas.openxmlformats.org/markup-compatibility/2006">
+        <mc:Choice xmlns:a14="http://schemas.microsoft.com/office/drawing/2010/main" Requires="a14">
+          <p:sp>
+            <p:nvSpPr>
+              <p:cNvPr id="38" name="Content Placeholder 9">
+                <a:extLst>
+                  <a:ext uri="{FF2B5EF4-FFF2-40B4-BE49-F238E27FC236}">
+                    <a16:creationId xmlns:a16="http://schemas.microsoft.com/office/drawing/2014/main" id="{B317B12C-5D50-61E7-42AD-649C9BC517DF}"/>
+                  </a:ext>
+                </a:extLst>
+              </p:cNvPr>
+              <p:cNvSpPr txBox="1">
+                <a:spLocks/>
+              </p:cNvSpPr>
+              <p:nvPr/>
+            </p:nvSpPr>
+            <p:spPr>
+              <a:xfrm>
+                <a:off x="20184" y="1133854"/>
+                <a:ext cx="7503234" cy="4934552"/>
+              </a:xfrm>
+              <a:prstGeom prst="rect">
+                <a:avLst/>
+              </a:prstGeom>
+            </p:spPr>
+            <p:txBody>
+              <a:bodyPr>
+                <a:normAutofit/>
+              </a:bodyPr>
+              <a:lstStyle>
+                <a:lvl1pPr marL="228600" indent="-228600" algn="l" defTabSz="914400" rtl="0" eaLnBrk="1" latinLnBrk="0" hangingPunct="1">
+                  <a:lnSpc>
+                    <a:spcPct val="90000"/>
+                  </a:lnSpc>
+                  <a:spcBef>
+                    <a:spcPts val="1000"/>
+                  </a:spcBef>
+                  <a:buFont typeface="Arial" panose="020B0604020202020204" pitchFamily="34" charset="0"/>
+                  <a:buChar char="•"/>
+                  <a:defRPr sz="2800" kern="1200">
+                    <a:solidFill>
+                      <a:schemeClr val="tx1"/>
+                    </a:solidFill>
+                    <a:latin typeface="+mn-lt"/>
+                    <a:ea typeface="+mn-ea"/>
+                    <a:cs typeface="+mn-cs"/>
+                  </a:defRPr>
+                </a:lvl1pPr>
+                <a:lvl2pPr marL="685800" indent="-228600" algn="l" defTabSz="914400" rtl="0" eaLnBrk="1" latinLnBrk="0" hangingPunct="1">
+                  <a:lnSpc>
+                    <a:spcPct val="90000"/>
+                  </a:lnSpc>
+                  <a:spcBef>
+                    <a:spcPts val="500"/>
+                  </a:spcBef>
+                  <a:buFont typeface="Arial" panose="020B0604020202020204" pitchFamily="34" charset="0"/>
+                  <a:buChar char="•"/>
+                  <a:defRPr sz="2400" kern="1200">
+                    <a:solidFill>
+                      <a:schemeClr val="tx1"/>
+                    </a:solidFill>
+                    <a:latin typeface="+mn-lt"/>
+                    <a:ea typeface="+mn-ea"/>
+                    <a:cs typeface="+mn-cs"/>
+                  </a:defRPr>
+                </a:lvl2pPr>
+                <a:lvl3pPr marL="1143000" indent="-228600" algn="l" defTabSz="914400" rtl="0" eaLnBrk="1" latinLnBrk="0" hangingPunct="1">
+                  <a:lnSpc>
+                    <a:spcPct val="90000"/>
+                  </a:lnSpc>
+                  <a:spcBef>
+                    <a:spcPts val="500"/>
+                  </a:spcBef>
+                  <a:buFont typeface="Arial" panose="020B0604020202020204" pitchFamily="34" charset="0"/>
+                  <a:buChar char="•"/>
+                  <a:defRPr sz="2000" kern="1200">
+                    <a:solidFill>
+                      <a:schemeClr val="tx1"/>
+                    </a:solidFill>
+                    <a:latin typeface="+mn-lt"/>
+                    <a:ea typeface="+mn-ea"/>
+                    <a:cs typeface="+mn-cs"/>
+                  </a:defRPr>
+                </a:lvl3pPr>
+                <a:lvl4pPr marL="1600200" indent="-228600" algn="l" defTabSz="914400" rtl="0" eaLnBrk="1" latinLnBrk="0" hangingPunct="1">
+                  <a:lnSpc>
+                    <a:spcPct val="90000"/>
+                  </a:lnSpc>
+                  <a:spcBef>
+                    <a:spcPts val="500"/>
+                  </a:spcBef>
+                  <a:buFont typeface="Arial" panose="020B0604020202020204" pitchFamily="34" charset="0"/>
+                  <a:buChar char="•"/>
+                  <a:defRPr sz="1800" kern="1200">
+                    <a:solidFill>
+                      <a:schemeClr val="tx1"/>
+                    </a:solidFill>
+                    <a:latin typeface="+mn-lt"/>
+                    <a:ea typeface="+mn-ea"/>
+                    <a:cs typeface="+mn-cs"/>
+                  </a:defRPr>
+                </a:lvl4pPr>
+                <a:lvl5pPr marL="2057400" indent="-228600" algn="l" defTabSz="914400" rtl="0" eaLnBrk="1" latinLnBrk="0" hangingPunct="1">
+                  <a:lnSpc>
+                    <a:spcPct val="90000"/>
+                  </a:lnSpc>
+                  <a:spcBef>
+                    <a:spcPts val="500"/>
+                  </a:spcBef>
+                  <a:buFont typeface="Arial" panose="020B0604020202020204" pitchFamily="34" charset="0"/>
+                  <a:buChar char="•"/>
+                  <a:defRPr sz="1800" kern="1200">
+                    <a:solidFill>
+                      <a:schemeClr val="tx1"/>
+                    </a:solidFill>
+                    <a:latin typeface="+mn-lt"/>
+                    <a:ea typeface="+mn-ea"/>
+                    <a:cs typeface="+mn-cs"/>
+                  </a:defRPr>
+                </a:lvl5pPr>
+                <a:lvl6pPr marL="2514600" indent="-228600" algn="l" defTabSz="914400" rtl="0" eaLnBrk="1" latinLnBrk="0" hangingPunct="1">
+                  <a:lnSpc>
+                    <a:spcPct val="90000"/>
+                  </a:lnSpc>
+                  <a:spcBef>
+                    <a:spcPts val="500"/>
+                  </a:spcBef>
+                  <a:buFont typeface="Arial" panose="020B0604020202020204" pitchFamily="34" charset="0"/>
+                  <a:buChar char="•"/>
+                  <a:defRPr sz="1800" kern="1200">
+                    <a:solidFill>
+                      <a:schemeClr val="tx1"/>
+                    </a:solidFill>
+                    <a:latin typeface="+mn-lt"/>
+                    <a:ea typeface="+mn-ea"/>
+                    <a:cs typeface="+mn-cs"/>
+                  </a:defRPr>
+                </a:lvl6pPr>
+                <a:lvl7pPr marL="2971800" indent="-228600" algn="l" defTabSz="914400" rtl="0" eaLnBrk="1" latinLnBrk="0" hangingPunct="1">
+                  <a:lnSpc>
+                    <a:spcPct val="90000"/>
+                  </a:lnSpc>
+                  <a:spcBef>
+                    <a:spcPts val="500"/>
+                  </a:spcBef>
+                  <a:buFont typeface="Arial" panose="020B0604020202020204" pitchFamily="34" charset="0"/>
+                  <a:buChar char="•"/>
+                  <a:defRPr sz="1800" kern="1200">
+                    <a:solidFill>
+                      <a:schemeClr val="tx1"/>
+                    </a:solidFill>
+                    <a:latin typeface="+mn-lt"/>
+                    <a:ea typeface="+mn-ea"/>
+                    <a:cs typeface="+mn-cs"/>
+                  </a:defRPr>
+                </a:lvl7pPr>
+                <a:lvl8pPr marL="3429000" indent="-228600" algn="l" defTabSz="914400" rtl="0" eaLnBrk="1" latinLnBrk="0" hangingPunct="1">
+                  <a:lnSpc>
+                    <a:spcPct val="90000"/>
+                  </a:lnSpc>
+                  <a:spcBef>
+                    <a:spcPts val="500"/>
+                  </a:spcBef>
+                  <a:buFont typeface="Arial" panose="020B0604020202020204" pitchFamily="34" charset="0"/>
+                  <a:buChar char="•"/>
+                  <a:defRPr sz="1800" kern="1200">
+                    <a:solidFill>
+                      <a:schemeClr val="tx1"/>
+                    </a:solidFill>
+                    <a:latin typeface="+mn-lt"/>
+                    <a:ea typeface="+mn-ea"/>
+                    <a:cs typeface="+mn-cs"/>
+                  </a:defRPr>
+                </a:lvl8pPr>
+                <a:lvl9pPr marL="3886200" indent="-228600" algn="l" defTabSz="914400" rtl="0" eaLnBrk="1" latinLnBrk="0" hangingPunct="1">
+                  <a:lnSpc>
+                    <a:spcPct val="90000"/>
+                  </a:lnSpc>
+                  <a:spcBef>
+                    <a:spcPts val="500"/>
+                  </a:spcBef>
+                  <a:buFont typeface="Arial" panose="020B0604020202020204" pitchFamily="34" charset="0"/>
+                  <a:buChar char="•"/>
+                  <a:defRPr sz="1800" kern="1200">
+                    <a:solidFill>
+                      <a:schemeClr val="tx1"/>
+                    </a:solidFill>
+                    <a:latin typeface="+mn-lt"/>
+                    <a:ea typeface="+mn-ea"/>
+                    <a:cs typeface="+mn-cs"/>
+                  </a:defRPr>
+                </a:lvl9pPr>
+              </a:lstStyle>
+              <a:p>
+                <a:r>
+                  <a:rPr lang="en-US" i="1" dirty="0"/>
+                  <a:t>Train an CNN-RNN to automatically correct the SP log based on the other logs and attributes???</a:t>
+                </a:r>
+              </a:p>
+              <a:p>
+                <a:pPr marL="0" indent="0">
+                  <a:buFont typeface="Arial" panose="020B0604020202020204" pitchFamily="34" charset="0"/>
+                  <a:buNone/>
+                </a:pPr>
+                <a14:m>
+                  <m:oMathPara xmlns:m="http://schemas.openxmlformats.org/officeDocument/2006/math">
+                    <m:oMathParaPr>
+                      <m:jc m:val="centerGroup"/>
+                    </m:oMathParaPr>
+                    <m:oMath xmlns:m="http://schemas.openxmlformats.org/officeDocument/2006/math">
+                      <m:sSup>
+                        <m:sSupPr>
+                          <m:ctrlPr>
+                            <a:rPr lang="en-US" i="1" smtClean="0">
+                              <a:latin typeface="Cambria Math" panose="02040503050406030204" pitchFamily="18" charset="0"/>
+                            </a:rPr>
+                          </m:ctrlPr>
+                        </m:sSupPr>
+                        <m:e>
+                          <m:r>
+                            <a:rPr lang="en-US" i="1" smtClean="0">
+                              <a:latin typeface="Cambria Math" panose="02040503050406030204" pitchFamily="18" charset="0"/>
+                            </a:rPr>
+                            <m:t>𝑥</m:t>
+                          </m:r>
+                        </m:e>
+                        <m:sup>
+                          <m:r>
+                            <a:rPr lang="en-US" i="1" smtClean="0">
+                              <a:latin typeface="Cambria Math" panose="02040503050406030204" pitchFamily="18" charset="0"/>
+                            </a:rPr>
+                            <m:t>∗</m:t>
+                          </m:r>
+                        </m:sup>
+                      </m:sSup>
+                      <m:r>
+                        <a:rPr lang="en-US" i="1" smtClean="0">
+                          <a:latin typeface="Cambria Math" panose="02040503050406030204" pitchFamily="18" charset="0"/>
+                        </a:rPr>
+                        <m:t>=</m:t>
+                      </m:r>
+                      <m:r>
+                        <a:rPr lang="en-US" i="1" smtClean="0">
+                          <a:solidFill>
+                            <a:srgbClr val="FF0000"/>
+                          </a:solidFill>
+                          <a:latin typeface="Cambria Math" panose="02040503050406030204" pitchFamily="18" charset="0"/>
+                        </a:rPr>
+                        <m:t>ℱ</m:t>
+                      </m:r>
+                      <m:d>
+                        <m:dPr>
+                          <m:ctrlPr>
+                            <a:rPr lang="en-US" i="1" smtClean="0">
+                              <a:latin typeface="Cambria Math" panose="02040503050406030204" pitchFamily="18" charset="0"/>
+                            </a:rPr>
+                          </m:ctrlPr>
+                        </m:dPr>
+                        <m:e>
+                          <m:r>
+                            <a:rPr lang="en-US" i="1" smtClean="0">
+                              <a:latin typeface="Cambria Math" panose="02040503050406030204" pitchFamily="18" charset="0"/>
+                            </a:rPr>
+                            <m:t>𝑥</m:t>
+                          </m:r>
+                          <m:r>
+                            <a:rPr lang="en-US" i="1" smtClean="0">
+                              <a:latin typeface="Cambria Math" panose="02040503050406030204" pitchFamily="18" charset="0"/>
+                            </a:rPr>
+                            <m:t>,</m:t>
+                          </m:r>
+                          <m:f>
+                            <m:fPr>
+                              <m:type m:val="skw"/>
+                              <m:ctrlPr>
+                                <a:rPr lang="en-US" i="1" smtClean="0">
+                                  <a:latin typeface="Cambria Math" panose="02040503050406030204" pitchFamily="18" charset="0"/>
+                                </a:rPr>
+                              </m:ctrlPr>
+                            </m:fPr>
+                            <m:num>
+                              <m:r>
+                                <a:rPr lang="en-US" i="1" smtClean="0">
+                                  <a:latin typeface="Cambria Math" panose="02040503050406030204" pitchFamily="18" charset="0"/>
+                                </a:rPr>
+                                <m:t>𝜕</m:t>
+                              </m:r>
+                              <m:r>
+                                <a:rPr lang="en-US" i="1" smtClean="0">
+                                  <a:latin typeface="Cambria Math" panose="02040503050406030204" pitchFamily="18" charset="0"/>
+                                </a:rPr>
+                                <m:t>𝑥</m:t>
+                              </m:r>
+                            </m:num>
+                            <m:den>
+                              <m:r>
+                                <a:rPr lang="en-US" i="1" smtClean="0">
+                                  <a:latin typeface="Cambria Math" panose="02040503050406030204" pitchFamily="18" charset="0"/>
+                                </a:rPr>
+                                <m:t>𝜕</m:t>
+                              </m:r>
+                              <m:r>
+                                <a:rPr lang="en-US" i="1" smtClean="0">
+                                  <a:latin typeface="Cambria Math" panose="02040503050406030204" pitchFamily="18" charset="0"/>
+                                </a:rPr>
+                                <m:t>𝑧</m:t>
+                              </m:r>
+                            </m:den>
+                          </m:f>
+                          <m:r>
+                            <a:rPr lang="en-US" i="1" smtClean="0">
+                              <a:latin typeface="Cambria Math" panose="02040503050406030204" pitchFamily="18" charset="0"/>
+                            </a:rPr>
+                            <m:t>,</m:t>
+                          </m:r>
+                          <m:r>
+                            <a:rPr lang="en-US" i="1" smtClean="0">
+                              <a:latin typeface="Cambria Math" panose="02040503050406030204" pitchFamily="18" charset="0"/>
+                            </a:rPr>
+                            <m:t>𝒞</m:t>
+                          </m:r>
+                          <m:d>
+                            <m:dPr>
+                              <m:ctrlPr>
+                                <a:rPr lang="en-US" i="1" smtClean="0">
+                                  <a:latin typeface="Cambria Math" panose="02040503050406030204" pitchFamily="18" charset="0"/>
+                                </a:rPr>
+                              </m:ctrlPr>
+                            </m:dPr>
+                            <m:e>
+                              <m:r>
+                                <a:rPr lang="en-US" i="1" smtClean="0">
+                                  <a:latin typeface="Cambria Math" panose="02040503050406030204" pitchFamily="18" charset="0"/>
+                                </a:rPr>
+                                <m:t>𝑥</m:t>
+                              </m:r>
+                            </m:e>
+                          </m:d>
+                          <m:r>
+                            <a:rPr lang="en-US" i="1" smtClean="0">
+                              <a:latin typeface="Cambria Math" panose="02040503050406030204" pitchFamily="18" charset="0"/>
+                            </a:rPr>
+                            <m:t>,</m:t>
+                          </m:r>
+                          <m:sSub>
+                            <m:sSubPr>
+                              <m:ctrlPr>
+                                <a:rPr lang="en-US" i="1" smtClean="0">
+                                  <a:latin typeface="Cambria Math" panose="02040503050406030204" pitchFamily="18" charset="0"/>
+                                </a:rPr>
+                              </m:ctrlPr>
+                            </m:sSubPr>
+                            <m:e>
+                              <m:r>
+                                <a:rPr lang="en-US" i="1" smtClean="0">
+                                  <a:latin typeface="Cambria Math" panose="02040503050406030204" pitchFamily="18" charset="0"/>
+                                </a:rPr>
+                                <m:t>𝐶</m:t>
+                              </m:r>
+                            </m:e>
+                            <m:sub>
+                              <m:r>
+                                <a:rPr lang="en-US" i="1" smtClean="0">
+                                  <a:latin typeface="Cambria Math" panose="02040503050406030204" pitchFamily="18" charset="0"/>
+                                </a:rPr>
+                                <m:t>𝑥</m:t>
+                              </m:r>
+                            </m:sub>
+                          </m:sSub>
+                          <m:r>
+                            <a:rPr lang="en-US" i="1" smtClean="0">
+                              <a:latin typeface="Cambria Math" panose="02040503050406030204" pitchFamily="18" charset="0"/>
+                            </a:rPr>
+                            <m:t>,…</m:t>
+                          </m:r>
+                        </m:e>
+                      </m:d>
+                    </m:oMath>
+                  </m:oMathPara>
+                </a14:m>
+                <a:endParaRPr lang="en-US" i="1" dirty="0"/>
+              </a:p>
+              <a:p>
+                <a:pPr marL="0" indent="0">
+                  <a:buFont typeface="Arial" panose="020B0604020202020204" pitchFamily="34" charset="0"/>
+                  <a:buNone/>
+                </a:pPr>
+                <a:endParaRPr lang="en-US" i="1" dirty="0"/>
+              </a:p>
+              <a:p>
+                <a:pPr marL="0" indent="0">
+                  <a:buFont typeface="Arial" panose="020B0604020202020204" pitchFamily="34" charset="0"/>
+                  <a:buNone/>
+                </a:pPr>
+                <a:r>
+                  <a:rPr lang="en-US" dirty="0">
+                    <a:solidFill>
+                      <a:srgbClr val="FF0000"/>
+                    </a:solidFill>
+                  </a:rPr>
+                  <a:t>Learn the baseline correction mapping operator </a:t>
+                </a:r>
+                <a14:m>
+                  <m:oMath xmlns:m="http://schemas.openxmlformats.org/officeDocument/2006/math">
+                    <m:r>
+                      <a:rPr lang="en-US" b="0" i="1" smtClean="0">
+                        <a:solidFill>
+                          <a:srgbClr val="FF0000"/>
+                        </a:solidFill>
+                        <a:latin typeface="Cambria Math" panose="02040503050406030204" pitchFamily="18" charset="0"/>
+                      </a:rPr>
+                      <m:t>ℱ</m:t>
+                    </m:r>
+                  </m:oMath>
+                </a14:m>
+                <a:r>
+                  <a:rPr lang="en-US" dirty="0">
+                    <a:solidFill>
+                      <a:srgbClr val="FF0000"/>
+                    </a:solidFill>
+                  </a:rPr>
+                  <a:t> </a:t>
+                </a:r>
+                <a:r>
+                  <a:rPr lang="en-US" dirty="0"/>
+                  <a:t>from </a:t>
+                </a:r>
+                <a14:m>
+                  <m:oMath xmlns:m="http://schemas.openxmlformats.org/officeDocument/2006/math">
+                    <m:r>
+                      <a:rPr lang="en-US" b="0" i="1" smtClean="0">
+                        <a:latin typeface="Cambria Math" panose="02040503050406030204" pitchFamily="18" charset="0"/>
+                      </a:rPr>
+                      <m:t>𝑥</m:t>
+                    </m:r>
+                  </m:oMath>
+                </a14:m>
+                <a:r>
+                  <a:rPr lang="en-US" dirty="0"/>
+                  <a:t> to </a:t>
+                </a:r>
+                <a14:m>
+                  <m:oMath xmlns:m="http://schemas.openxmlformats.org/officeDocument/2006/math">
+                    <m:sSup>
+                      <m:sSupPr>
+                        <m:ctrlPr>
+                          <a:rPr lang="en-US" b="0" i="1" smtClean="0">
+                            <a:latin typeface="Cambria Math" panose="02040503050406030204" pitchFamily="18" charset="0"/>
+                          </a:rPr>
+                        </m:ctrlPr>
+                      </m:sSupPr>
+                      <m:e>
+                        <m:r>
+                          <a:rPr lang="en-US" b="0" i="1" smtClean="0">
+                            <a:latin typeface="Cambria Math" panose="02040503050406030204" pitchFamily="18" charset="0"/>
+                          </a:rPr>
+                          <m:t>𝑥</m:t>
+                        </m:r>
+                      </m:e>
+                      <m:sup>
+                        <m:r>
+                          <a:rPr lang="en-US" b="0" i="1" smtClean="0">
+                            <a:latin typeface="Cambria Math" panose="02040503050406030204" pitchFamily="18" charset="0"/>
+                          </a:rPr>
+                          <m:t>∗</m:t>
+                        </m:r>
+                      </m:sup>
+                    </m:sSup>
+                  </m:oMath>
+                </a14:m>
+                <a:r>
+                  <a:rPr lang="en-US" dirty="0"/>
+                  <a:t> such that:</a:t>
+                </a:r>
+              </a:p>
+              <a:p>
+                <a:pPr marL="0" indent="0">
+                  <a:buFont typeface="Arial" panose="020B0604020202020204" pitchFamily="34" charset="0"/>
+                  <a:buNone/>
+                </a:pPr>
+                <a14:m>
+                  <m:oMathPara xmlns:m="http://schemas.openxmlformats.org/officeDocument/2006/math">
+                    <m:oMathParaPr>
+                      <m:jc m:val="centerGroup"/>
+                    </m:oMathParaPr>
+                    <m:oMath xmlns:m="http://schemas.openxmlformats.org/officeDocument/2006/math">
+                      <m:sSup>
+                        <m:sSupPr>
+                          <m:ctrlPr>
+                            <a:rPr lang="en-US" b="0" i="1" smtClean="0">
+                              <a:latin typeface="Cambria Math" panose="02040503050406030204" pitchFamily="18" charset="0"/>
+                            </a:rPr>
+                          </m:ctrlPr>
+                        </m:sSupPr>
+                        <m:e>
+                          <m:r>
+                            <a:rPr lang="en-US" b="0" i="1" smtClean="0">
+                              <a:latin typeface="Cambria Math" panose="02040503050406030204" pitchFamily="18" charset="0"/>
+                            </a:rPr>
+                            <m:t>𝑥</m:t>
+                          </m:r>
+                        </m:e>
+                        <m:sup>
+                          <m:r>
+                            <a:rPr lang="en-US" b="0" i="1" smtClean="0">
+                              <a:latin typeface="Cambria Math" panose="02040503050406030204" pitchFamily="18" charset="0"/>
+                            </a:rPr>
+                            <m:t>∗</m:t>
+                          </m:r>
+                        </m:sup>
+                      </m:sSup>
+                      <m:r>
+                        <a:rPr lang="en-US" b="0" i="1" smtClean="0">
+                          <a:latin typeface="Cambria Math" panose="02040503050406030204" pitchFamily="18" charset="0"/>
+                        </a:rPr>
+                        <m:t>=</m:t>
+                      </m:r>
+                      <m:r>
+                        <a:rPr lang="en-US" b="0" i="1" smtClean="0">
+                          <a:solidFill>
+                            <a:srgbClr val="FF0000"/>
+                          </a:solidFill>
+                          <a:latin typeface="Cambria Math" panose="02040503050406030204" pitchFamily="18" charset="0"/>
+                        </a:rPr>
+                        <m:t>ℱ</m:t>
+                      </m:r>
+                      <m:d>
+                        <m:dPr>
+                          <m:ctrlPr>
+                            <a:rPr lang="en-US" b="0" i="1" smtClean="0">
+                              <a:latin typeface="Cambria Math" panose="02040503050406030204" pitchFamily="18" charset="0"/>
+                            </a:rPr>
+                          </m:ctrlPr>
+                        </m:dPr>
+                        <m:e>
+                          <m:r>
+                            <a:rPr lang="en-US" b="0" i="1" smtClean="0">
+                              <a:latin typeface="Cambria Math" panose="02040503050406030204" pitchFamily="18" charset="0"/>
+                            </a:rPr>
+                            <m:t>𝑥</m:t>
+                          </m:r>
+                          <m:r>
+                            <a:rPr lang="en-US" b="0" i="1" smtClean="0">
+                              <a:latin typeface="Cambria Math" panose="02040503050406030204" pitchFamily="18" charset="0"/>
+                            </a:rPr>
+                            <m:t>,…</m:t>
+                          </m:r>
+                        </m:e>
+                      </m:d>
+                    </m:oMath>
+                  </m:oMathPara>
+                </a14:m>
+                <a:endParaRPr lang="en-US" dirty="0"/>
+              </a:p>
+            </p:txBody>
+          </p:sp>
+        </mc:Choice>
+        <mc:Fallback>
+          <p:sp>
+            <p:nvSpPr>
+              <p:cNvPr id="38" name="Content Placeholder 9">
+                <a:extLst>
+                  <a:ext uri="{FF2B5EF4-FFF2-40B4-BE49-F238E27FC236}">
+                    <a16:creationId xmlns:a16="http://schemas.microsoft.com/office/drawing/2014/main" id="{B317B12C-5D50-61E7-42AD-649C9BC517DF}"/>
+                  </a:ext>
+                </a:extLst>
+              </p:cNvPr>
+              <p:cNvSpPr txBox="1">
+                <a:spLocks noRot="1" noChangeAspect="1" noMove="1" noResize="1" noEditPoints="1" noAdjustHandles="1" noChangeArrowheads="1" noChangeShapeType="1" noTextEdit="1"/>
+              </p:cNvSpPr>
+              <p:nvPr/>
+            </p:nvSpPr>
+            <p:spPr>
+              <a:xfrm>
+                <a:off x="20184" y="1133854"/>
+                <a:ext cx="7503234" cy="4934552"/>
+              </a:xfrm>
+              <a:prstGeom prst="rect">
+                <a:avLst/>
+              </a:prstGeom>
+              <a:blipFill>
+                <a:blip r:embed="rId5"/>
+                <a:stretch>
+                  <a:fillRect l="-1625" t="-1978"/>
+                </a:stretch>
+              </a:blipFill>
+            </p:spPr>
+            <p:txBody>
+              <a:bodyPr/>
+              <a:lstStyle/>
+              <a:p>
+                <a:r>
+                  <a:rPr lang="en-US">
+                    <a:noFill/>
+                  </a:rPr>
+                  <a:t> </a:t>
+                </a:r>
+              </a:p>
+            </p:txBody>
+          </p:sp>
+        </mc:Fallback>
+      </mc:AlternateContent>
+    </p:spTree>
+    <p:extLst>
+      <p:ext uri="{BB962C8B-B14F-4D97-AF65-F5344CB8AC3E}">
+        <p14:creationId xmlns:p14="http://schemas.microsoft.com/office/powerpoint/2010/main" val="2325373194"/>
+      </p:ext>
+    </p:extLst>
+  </p:cSld>
+  <p:clrMapOvr>
+    <a:masterClrMapping/>
+  </p:clrMapOvr>
+</p:sld>
+</file>
+
+<file path=ppt/slides/slide9.xml><?xml version="1.0" encoding="utf-8"?>
+<p:sld xmlns:a="http://schemas.openxmlformats.org/drawingml/2006/main" xmlns:r="http://schemas.openxmlformats.org/officeDocument/2006/relationships" xmlns:p="http://schemas.openxmlformats.org/presentationml/2006/main">
+  <p:cSld>
+    <p:spTree>
+      <p:nvGrpSpPr>
+        <p:cNvPr id="1" name=""/>
+        <p:cNvGrpSpPr/>
+        <p:nvPr/>
+      </p:nvGrpSpPr>
+      <p:grpSpPr>
+        <a:xfrm>
+          <a:off x="0" y="0"/>
+          <a:ext cx="0" cy="0"/>
+          <a:chOff x="0" y="0"/>
+          <a:chExt cx="0" cy="0"/>
+        </a:xfrm>
+      </p:grpSpPr>
+      <p:sp>
+        <p:nvSpPr>
+          <p:cNvPr id="2" name="Slide Number Placeholder 1">
+            <a:extLst>
+              <a:ext uri="{FF2B5EF4-FFF2-40B4-BE49-F238E27FC236}">
+                <a16:creationId xmlns:a16="http://schemas.microsoft.com/office/drawing/2014/main" id="{A5E0E224-6C12-210E-FD92-B222D232D0CE}"/>
+              </a:ext>
+            </a:extLst>
+          </p:cNvPr>
+          <p:cNvSpPr>
+            <a:spLocks noGrp="1"/>
+          </p:cNvSpPr>
+          <p:nvPr>
+            <p:ph type="sldNum" sz="quarter" idx="12"/>
+          </p:nvPr>
+        </p:nvSpPr>
+        <p:spPr/>
+        <p:txBody>
+          <a:bodyPr/>
+          <a:lstStyle/>
+          <a:p>
+            <a:fld id="{AC0D4EF2-159E-40B9-9280-8D857A02F939}" type="slidenum">
+              <a:rPr lang="en-US" smtClean="0"/>
+              <a:t>9</a:t>
+            </a:fld>
+            <a:endParaRPr lang="en-US"/>
+          </a:p>
+        </p:txBody>
+      </p:sp>
+      <p:pic>
+        <p:nvPicPr>
+          <p:cNvPr id="18" name="Picture 17">
+            <a:extLst>
+              <a:ext uri="{FF2B5EF4-FFF2-40B4-BE49-F238E27FC236}">
+                <a16:creationId xmlns:a16="http://schemas.microsoft.com/office/drawing/2014/main" id="{0ABC1062-9B0C-118A-D23F-C86781017A8D}"/>
+              </a:ext>
+            </a:extLst>
+          </p:cNvPr>
+          <p:cNvPicPr>
+            <a:picLocks noChangeAspect="1"/>
+          </p:cNvPicPr>
+          <p:nvPr/>
+        </p:nvPicPr>
+        <p:blipFill>
+          <a:blip r:embed="rId2"/>
+          <a:stretch>
+            <a:fillRect/>
+          </a:stretch>
+        </p:blipFill>
+        <p:spPr>
+          <a:xfrm>
+            <a:off x="358908" y="0"/>
+            <a:ext cx="11474183" cy="6858000"/>
+          </a:xfrm>
+          <a:prstGeom prst="rect">
+            <a:avLst/>
+          </a:prstGeom>
+        </p:spPr>
+      </p:pic>
+    </p:spTree>
+    <p:extLst>
+      <p:ext uri="{BB962C8B-B14F-4D97-AF65-F5344CB8AC3E}">
+        <p14:creationId xmlns:p14="http://schemas.microsoft.com/office/powerpoint/2010/main" val="2303991370"/>
       </p:ext>
     </p:extLst>
   </p:cSld>

--- a/Updates/2023_12_08_SP500_MisaelMorales.pptx
+++ b/Updates/2023_12_08_SP500_MisaelMorales.pptx
@@ -8908,17 +8908,10 @@
           <a:lstStyle/>
           <a:p>
             <a:r>
-              <a:rPr lang="en-US" dirty="0"/>
-              <a:t>UT </a:t>
+              <a:rPr lang="en-US" dirty="0" err="1"/>
+              <a:t>UT_dir_surveys</a:t>
             </a:r>
-            <a:r>
-              <a:rPr lang="en-US" dirty="0" err="1"/>
-              <a:t>dir</a:t>
-            </a:r>
-            <a:r>
-              <a:rPr lang="en-US" dirty="0"/>
-              <a:t> surveys</a:t>
-            </a:r>
+            <a:endParaRPr lang="en-US" dirty="0"/>
           </a:p>
         </p:txBody>
       </p:sp>
@@ -8966,15 +8959,20 @@
           <p:nvPr/>
         </p:nvPicPr>
         <p:blipFill>
-          <a:blip r:embed="rId2"/>
-          <a:stretch>
-            <a:fillRect/>
-          </a:stretch>
+          <a:blip r:embed="rId2">
+            <a:extLst>
+              <a:ext uri="{28A0092B-C50C-407E-A947-70E740481C1C}">
+                <a14:useLocalDpi xmlns:a14="http://schemas.microsoft.com/office/drawing/2010/main" val="0"/>
+              </a:ext>
+            </a:extLst>
+          </a:blip>
+          <a:srcRect/>
+          <a:stretch/>
         </p:blipFill>
         <p:spPr>
           <a:xfrm>
-            <a:off x="340423" y="1681162"/>
-            <a:ext cx="5000625" cy="4857750"/>
+            <a:off x="477003" y="1681162"/>
+            <a:ext cx="4727465" cy="4857750"/>
           </a:xfrm>
           <a:prstGeom prst="rect">
             <a:avLst/>
@@ -9032,15 +9030,20 @@
           <p:nvPr/>
         </p:nvPicPr>
         <p:blipFill>
-          <a:blip r:embed="rId3"/>
-          <a:stretch>
-            <a:fillRect/>
-          </a:stretch>
+          <a:blip r:embed="rId3">
+            <a:extLst>
+              <a:ext uri="{28A0092B-C50C-407E-A947-70E740481C1C}">
+                <a14:useLocalDpi xmlns:a14="http://schemas.microsoft.com/office/drawing/2010/main" val="0"/>
+              </a:ext>
+            </a:extLst>
+          </a:blip>
+          <a:srcRect/>
+          <a:stretch/>
         </p:blipFill>
         <p:spPr>
           <a:xfrm>
-            <a:off x="5424487" y="1700212"/>
-            <a:ext cx="5000625" cy="4838700"/>
+            <a:off x="5570336" y="1700212"/>
+            <a:ext cx="4708926" cy="4838700"/>
           </a:xfrm>
           <a:prstGeom prst="rect">
             <a:avLst/>

--- a/Updates/2023_12_08_SP500_MisaelMorales.pptx
+++ b/Updates/2023_12_08_SP500_MisaelMorales.pptx
@@ -1978,6 +1978,61 @@
     </pc:docChg>
   </pc:docChgLst>
   <pc:docChgLst>
+    <pc:chgData name="Morales, Misael M" userId="1d0ead06-f695-4fa0-9a14-d29dc7a06678" providerId="ADAL" clId="{FC58CBF3-B76F-43DB-8F04-6BA31560B778}"/>
+    <pc:docChg chg="undo custSel modSld">
+      <pc:chgData name="Morales, Misael M" userId="1d0ead06-f695-4fa0-9a14-d29dc7a06678" providerId="ADAL" clId="{FC58CBF3-B76F-43DB-8F04-6BA31560B778}" dt="2023-09-13T02:30:37.887" v="702" actId="1076"/>
+      <pc:docMkLst>
+        <pc:docMk/>
+      </pc:docMkLst>
+      <pc:sldChg chg="modSp mod">
+        <pc:chgData name="Morales, Misael M" userId="1d0ead06-f695-4fa0-9a14-d29dc7a06678" providerId="ADAL" clId="{FC58CBF3-B76F-43DB-8F04-6BA31560B778}" dt="2023-09-13T02:24:02.325" v="12" actId="20577"/>
+        <pc:sldMkLst>
+          <pc:docMk/>
+          <pc:sldMk cId="469576663" sldId="256"/>
+        </pc:sldMkLst>
+        <pc:spChg chg="mod">
+          <ac:chgData name="Morales, Misael M" userId="1d0ead06-f695-4fa0-9a14-d29dc7a06678" providerId="ADAL" clId="{FC58CBF3-B76F-43DB-8F04-6BA31560B778}" dt="2023-09-13T02:24:02.325" v="12" actId="20577"/>
+          <ac:spMkLst>
+            <pc:docMk/>
+            <pc:sldMk cId="469576663" sldId="256"/>
+            <ac:spMk id="3" creationId="{7B64883F-7067-394F-89AB-874A2F741B6C}"/>
+          </ac:spMkLst>
+        </pc:spChg>
+      </pc:sldChg>
+      <pc:sldChg chg="addSp delSp modSp mod">
+        <pc:chgData name="Morales, Misael M" userId="1d0ead06-f695-4fa0-9a14-d29dc7a06678" providerId="ADAL" clId="{FC58CBF3-B76F-43DB-8F04-6BA31560B778}" dt="2023-09-13T02:30:37.887" v="702" actId="1076"/>
+        <pc:sldMkLst>
+          <pc:docMk/>
+          <pc:sldMk cId="3568296946" sldId="257"/>
+        </pc:sldMkLst>
+        <pc:spChg chg="del mod">
+          <ac:chgData name="Morales, Misael M" userId="1d0ead06-f695-4fa0-9a14-d29dc7a06678" providerId="ADAL" clId="{FC58CBF3-B76F-43DB-8F04-6BA31560B778}" dt="2023-09-13T02:27:15.256" v="424" actId="478"/>
+          <ac:spMkLst>
+            <pc:docMk/>
+            <pc:sldMk cId="3568296946" sldId="257"/>
+            <ac:spMk id="2" creationId="{8FDFE5BB-707F-D7A0-91F3-4902AFC53E35}"/>
+          </ac:spMkLst>
+        </pc:spChg>
+        <pc:spChg chg="mod">
+          <ac:chgData name="Morales, Misael M" userId="1d0ead06-f695-4fa0-9a14-d29dc7a06678" providerId="ADAL" clId="{FC58CBF3-B76F-43DB-8F04-6BA31560B778}" dt="2023-09-13T02:30:37.887" v="702" actId="1076"/>
+          <ac:spMkLst>
+            <pc:docMk/>
+            <pc:sldMk cId="3568296946" sldId="257"/>
+            <ac:spMk id="3" creationId="{BAF7B33C-0CD5-D24C-C386-37C9733EDA50}"/>
+          </ac:spMkLst>
+        </pc:spChg>
+        <pc:spChg chg="add del mod">
+          <ac:chgData name="Morales, Misael M" userId="1d0ead06-f695-4fa0-9a14-d29dc7a06678" providerId="ADAL" clId="{FC58CBF3-B76F-43DB-8F04-6BA31560B778}" dt="2023-09-13T02:27:17.020" v="425" actId="478"/>
+          <ac:spMkLst>
+            <pc:docMk/>
+            <pc:sldMk cId="3568296946" sldId="257"/>
+            <ac:spMk id="5" creationId="{230C44F1-8639-9F45-6AEE-6C6D9F19062F}"/>
+          </ac:spMkLst>
+        </pc:spChg>
+      </pc:sldChg>
+    </pc:docChg>
+  </pc:docChgLst>
+  <pc:docChgLst>
     <pc:chgData name="Morales, Misael M" userId="1d0ead06-f695-4fa0-9a14-d29dc7a06678" providerId="ADAL" clId="{CACFB818-FA64-4CC5-A002-EAF191D3440A}"/>
     <pc:docChg chg="custSel addSld delSld modSld">
       <pc:chgData name="Morales, Misael M" userId="1d0ead06-f695-4fa0-9a14-d29dc7a06678" providerId="ADAL" clId="{CACFB818-FA64-4CC5-A002-EAF191D3440A}" dt="2023-10-11T16:49:52.082" v="2471" actId="27636"/>
@@ -2072,61 +2127,6 @@
             <pc:docMk/>
             <pc:sldMk cId="1841832818" sldId="261"/>
             <ac:spMk id="3" creationId="{1872E4FC-F276-73C1-44D8-FEFCE8B24AF2}"/>
-          </ac:spMkLst>
-        </pc:spChg>
-      </pc:sldChg>
-    </pc:docChg>
-  </pc:docChgLst>
-  <pc:docChgLst>
-    <pc:chgData name="Morales, Misael M" userId="1d0ead06-f695-4fa0-9a14-d29dc7a06678" providerId="ADAL" clId="{FC58CBF3-B76F-43DB-8F04-6BA31560B778}"/>
-    <pc:docChg chg="undo custSel modSld">
-      <pc:chgData name="Morales, Misael M" userId="1d0ead06-f695-4fa0-9a14-d29dc7a06678" providerId="ADAL" clId="{FC58CBF3-B76F-43DB-8F04-6BA31560B778}" dt="2023-09-13T02:30:37.887" v="702" actId="1076"/>
-      <pc:docMkLst>
-        <pc:docMk/>
-      </pc:docMkLst>
-      <pc:sldChg chg="modSp mod">
-        <pc:chgData name="Morales, Misael M" userId="1d0ead06-f695-4fa0-9a14-d29dc7a06678" providerId="ADAL" clId="{FC58CBF3-B76F-43DB-8F04-6BA31560B778}" dt="2023-09-13T02:24:02.325" v="12" actId="20577"/>
-        <pc:sldMkLst>
-          <pc:docMk/>
-          <pc:sldMk cId="469576663" sldId="256"/>
-        </pc:sldMkLst>
-        <pc:spChg chg="mod">
-          <ac:chgData name="Morales, Misael M" userId="1d0ead06-f695-4fa0-9a14-d29dc7a06678" providerId="ADAL" clId="{FC58CBF3-B76F-43DB-8F04-6BA31560B778}" dt="2023-09-13T02:24:02.325" v="12" actId="20577"/>
-          <ac:spMkLst>
-            <pc:docMk/>
-            <pc:sldMk cId="469576663" sldId="256"/>
-            <ac:spMk id="3" creationId="{7B64883F-7067-394F-89AB-874A2F741B6C}"/>
-          </ac:spMkLst>
-        </pc:spChg>
-      </pc:sldChg>
-      <pc:sldChg chg="addSp delSp modSp mod">
-        <pc:chgData name="Morales, Misael M" userId="1d0ead06-f695-4fa0-9a14-d29dc7a06678" providerId="ADAL" clId="{FC58CBF3-B76F-43DB-8F04-6BA31560B778}" dt="2023-09-13T02:30:37.887" v="702" actId="1076"/>
-        <pc:sldMkLst>
-          <pc:docMk/>
-          <pc:sldMk cId="3568296946" sldId="257"/>
-        </pc:sldMkLst>
-        <pc:spChg chg="del mod">
-          <ac:chgData name="Morales, Misael M" userId="1d0ead06-f695-4fa0-9a14-d29dc7a06678" providerId="ADAL" clId="{FC58CBF3-B76F-43DB-8F04-6BA31560B778}" dt="2023-09-13T02:27:15.256" v="424" actId="478"/>
-          <ac:spMkLst>
-            <pc:docMk/>
-            <pc:sldMk cId="3568296946" sldId="257"/>
-            <ac:spMk id="2" creationId="{8FDFE5BB-707F-D7A0-91F3-4902AFC53E35}"/>
-          </ac:spMkLst>
-        </pc:spChg>
-        <pc:spChg chg="mod">
-          <ac:chgData name="Morales, Misael M" userId="1d0ead06-f695-4fa0-9a14-d29dc7a06678" providerId="ADAL" clId="{FC58CBF3-B76F-43DB-8F04-6BA31560B778}" dt="2023-09-13T02:30:37.887" v="702" actId="1076"/>
-          <ac:spMkLst>
-            <pc:docMk/>
-            <pc:sldMk cId="3568296946" sldId="257"/>
-            <ac:spMk id="3" creationId="{BAF7B33C-0CD5-D24C-C386-37C9733EDA50}"/>
-          </ac:spMkLst>
-        </pc:spChg>
-        <pc:spChg chg="add del mod">
-          <ac:chgData name="Morales, Misael M" userId="1d0ead06-f695-4fa0-9a14-d29dc7a06678" providerId="ADAL" clId="{FC58CBF3-B76F-43DB-8F04-6BA31560B778}" dt="2023-09-13T02:27:17.020" v="425" actId="478"/>
-          <ac:spMkLst>
-            <pc:docMk/>
-            <pc:sldMk cId="3568296946" sldId="257"/>
-            <ac:spMk id="5" creationId="{230C44F1-8639-9F45-6AEE-6C6D9F19062F}"/>
           </ac:spMkLst>
         </pc:spChg>
       </pc:sldChg>
@@ -2217,7 +2217,7 @@
           <a:p>
             <a:fld id="{E3116162-49D8-43D0-8E45-EA22045512C0}" type="datetimeFigureOut">
               <a:rPr lang="en-US" smtClean="0"/>
-              <a:t>12/7/2023</a:t>
+              <a:t>12/8/2023</a:t>
             </a:fld>
             <a:endParaRPr lang="en-US"/>
           </a:p>
@@ -2718,7 +2718,7 @@
           <a:p>
             <a:fld id="{D71D3BE9-04E4-4706-83E7-877FB49D5130}" type="datetime1">
               <a:rPr lang="en-US" smtClean="0"/>
-              <a:t>12/7/2023</a:t>
+              <a:t>12/8/2023</a:t>
             </a:fld>
             <a:endParaRPr lang="en-US"/>
           </a:p>
@@ -2916,7 +2916,7 @@
           <a:p>
             <a:fld id="{784E2626-A12A-4F58-AD7A-A459D0435A78}" type="datetime1">
               <a:rPr lang="en-US" smtClean="0"/>
-              <a:t>12/7/2023</a:t>
+              <a:t>12/8/2023</a:t>
             </a:fld>
             <a:endParaRPr lang="en-US"/>
           </a:p>
@@ -3124,7 +3124,7 @@
           <a:p>
             <a:fld id="{A30750CD-A14E-48DC-BAB2-8E357B3BB818}" type="datetime1">
               <a:rPr lang="en-US" smtClean="0"/>
-              <a:t>12/7/2023</a:t>
+              <a:t>12/8/2023</a:t>
             </a:fld>
             <a:endParaRPr lang="en-US"/>
           </a:p>
@@ -3322,7 +3322,7 @@
           <a:p>
             <a:fld id="{AFCBE70D-5CAA-4EA9-B5DA-9F07C386E4E6}" type="datetime1">
               <a:rPr lang="en-US" smtClean="0"/>
-              <a:t>12/7/2023</a:t>
+              <a:t>12/8/2023</a:t>
             </a:fld>
             <a:endParaRPr lang="en-US"/>
           </a:p>
@@ -3597,7 +3597,7 @@
           <a:p>
             <a:fld id="{1E68F9BB-E13F-4ED4-8134-6C034A5B6371}" type="datetime1">
               <a:rPr lang="en-US" smtClean="0"/>
-              <a:t>12/7/2023</a:t>
+              <a:t>12/8/2023</a:t>
             </a:fld>
             <a:endParaRPr lang="en-US"/>
           </a:p>
@@ -3862,7 +3862,7 @@
           <a:p>
             <a:fld id="{8C45109A-77C2-4BE1-AAE8-F24A2E5E97E2}" type="datetime1">
               <a:rPr lang="en-US" smtClean="0"/>
-              <a:t>12/7/2023</a:t>
+              <a:t>12/8/2023</a:t>
             </a:fld>
             <a:endParaRPr lang="en-US"/>
           </a:p>
@@ -4274,7 +4274,7 @@
           <a:p>
             <a:fld id="{4322BF07-3D0B-481F-A43A-1B500B45FBAC}" type="datetime1">
               <a:rPr lang="en-US" smtClean="0"/>
-              <a:t>12/7/2023</a:t>
+              <a:t>12/8/2023</a:t>
             </a:fld>
             <a:endParaRPr lang="en-US"/>
           </a:p>
@@ -4415,7 +4415,7 @@
           <a:p>
             <a:fld id="{0E4FF7B2-6570-4102-9304-65F5D5BD4DA7}" type="datetime1">
               <a:rPr lang="en-US" smtClean="0"/>
-              <a:t>12/7/2023</a:t>
+              <a:t>12/8/2023</a:t>
             </a:fld>
             <a:endParaRPr lang="en-US"/>
           </a:p>
@@ -4528,7 +4528,7 @@
           <a:p>
             <a:fld id="{13021A00-1CC7-4A88-A21E-B880518EAD24}" type="datetime1">
               <a:rPr lang="en-US" smtClean="0"/>
-              <a:t>12/7/2023</a:t>
+              <a:t>12/8/2023</a:t>
             </a:fld>
             <a:endParaRPr lang="en-US"/>
           </a:p>
@@ -4839,7 +4839,7 @@
           <a:p>
             <a:fld id="{C40F85D7-7CC3-4F9E-9020-1B52E2E585E0}" type="datetime1">
               <a:rPr lang="en-US" smtClean="0"/>
-              <a:t>12/7/2023</a:t>
+              <a:t>12/8/2023</a:t>
             </a:fld>
             <a:endParaRPr lang="en-US"/>
           </a:p>
@@ -5127,7 +5127,7 @@
           <a:p>
             <a:fld id="{337EB336-B7A6-4008-8CFE-7CA99895E29D}" type="datetime1">
               <a:rPr lang="en-US" smtClean="0"/>
-              <a:t>12/7/2023</a:t>
+              <a:t>12/8/2023</a:t>
             </a:fld>
             <a:endParaRPr lang="en-US"/>
           </a:p>
@@ -5368,7 +5368,7 @@
           <a:p>
             <a:fld id="{B63FF571-EC8E-4993-90BD-68656B59D1EC}" type="datetime1">
               <a:rPr lang="en-US" smtClean="0"/>
-              <a:t>12/7/2023</a:t>
+              <a:t>12/8/2023</a:t>
             </a:fld>
             <a:endParaRPr lang="en-US"/>
           </a:p>
@@ -5839,6 +5839,12 @@
         <p:txBody>
           <a:bodyPr/>
           <a:lstStyle/>
+          <a:p>
+            <a:r>
+              <a:rPr lang="en-US" dirty="0"/>
+              <a:t>S&amp;P Global</a:t>
+            </a:r>
+          </a:p>
           <a:p>
             <a:r>
               <a:rPr lang="en-US" dirty="0"/>
@@ -8006,8 +8012,8 @@
           </a:p>
         </p:txBody>
       </p:sp>
-      <mc:AlternateContent xmlns:mc="http://schemas.openxmlformats.org/markup-compatibility/2006">
-        <mc:Choice xmlns:a14="http://schemas.microsoft.com/office/drawing/2010/main" Requires="a14">
+      <mc:AlternateContent xmlns:mc="http://schemas.openxmlformats.org/markup-compatibility/2006" xmlns:a14="http://schemas.microsoft.com/office/drawing/2010/main">
+        <mc:Choice Requires="a14">
           <p:sp>
             <p:nvSpPr>
               <p:cNvPr id="3" name="Content Placeholder 2">
@@ -8053,7 +8059,7 @@
                     <m:d>
                       <m:dPr>
                         <m:ctrlPr>
-                          <a:rPr lang="en-US" b="0" i="0" smtClean="0">
+                          <a:rPr lang="en-US" b="0" i="1" smtClean="0">
                             <a:latin typeface="Cambria Math" panose="02040503050406030204" pitchFamily="18" charset="0"/>
                           </a:rPr>
                         </m:ctrlPr>
@@ -8447,7 +8453,7 @@
             </p:txBody>
           </p:sp>
         </mc:Choice>
-        <mc:Fallback>
+        <mc:Fallback xmlns="">
           <p:sp>
             <p:nvSpPr>
               <p:cNvPr id="3" name="Content Placeholder 2">
@@ -9686,8 +9692,8 @@
           </a:p>
         </p:txBody>
       </p:sp>
-      <mc:AlternateContent xmlns:mc="http://schemas.openxmlformats.org/markup-compatibility/2006">
-        <mc:Choice xmlns:a14="http://schemas.microsoft.com/office/drawing/2010/main" Requires="a14">
+      <mc:AlternateContent xmlns:mc="http://schemas.openxmlformats.org/markup-compatibility/2006" xmlns:a14="http://schemas.microsoft.com/office/drawing/2010/main">
+        <mc:Choice Requires="a14">
           <p:sp>
             <p:nvSpPr>
               <p:cNvPr id="10" name="Content Placeholder 9">
@@ -10134,7 +10140,7 @@
             </p:txBody>
           </p:sp>
         </mc:Choice>
-        <mc:Fallback>
+        <mc:Fallback xmlns="">
           <p:sp>
             <p:nvSpPr>
               <p:cNvPr id="10" name="Content Placeholder 9">
@@ -11801,8 +11807,8 @@
             </p:sp>
           </mc:Fallback>
         </mc:AlternateContent>
-        <mc:AlternateContent xmlns:mc="http://schemas.openxmlformats.org/markup-compatibility/2006">
-          <mc:Choice xmlns:a14="http://schemas.microsoft.com/office/drawing/2010/main" Requires="a14">
+        <mc:AlternateContent xmlns:mc="http://schemas.openxmlformats.org/markup-compatibility/2006" xmlns:a14="http://schemas.microsoft.com/office/drawing/2010/main">
+          <mc:Choice Requires="a14">
             <p:sp>
               <p:nvSpPr>
                 <p:cNvPr id="34" name="TextBox 33">
@@ -11916,7 +11922,7 @@
               </p:txBody>
             </p:sp>
           </mc:Choice>
-          <mc:Fallback>
+          <mc:Fallback xmlns="">
             <p:sp>
               <p:nvSpPr>
                 <p:cNvPr id="34" name="TextBox 33">
@@ -12090,8 +12096,8 @@
           </mc:Fallback>
         </mc:AlternateContent>
       </p:grpSp>
-      <mc:AlternateContent xmlns:mc="http://schemas.openxmlformats.org/markup-compatibility/2006">
-        <mc:Choice xmlns:a14="http://schemas.microsoft.com/office/drawing/2010/main" Requires="a14">
+      <mc:AlternateContent xmlns:mc="http://schemas.openxmlformats.org/markup-compatibility/2006" xmlns:a14="http://schemas.microsoft.com/office/drawing/2010/main">
+        <mc:Choice Requires="a14">
           <p:sp>
             <p:nvSpPr>
               <p:cNvPr id="38" name="Content Placeholder 9">
@@ -12842,7 +12848,7 @@
                     <m:d>
                       <m:dPr>
                         <m:ctrlPr>
-                          <a:rPr lang="en-US" b="0" i="0" smtClean="0">
+                          <a:rPr lang="en-US" b="0" i="1" smtClean="0">
                             <a:latin typeface="Cambria Math" panose="02040503050406030204" pitchFamily="18" charset="0"/>
                           </a:rPr>
                         </m:ctrlPr>
@@ -13037,7 +13043,7 @@
             </p:txBody>
           </p:sp>
         </mc:Choice>
-        <mc:Fallback>
+        <mc:Fallback xmlns="">
           <p:sp>
             <p:nvSpPr>
               <p:cNvPr id="38" name="Content Placeholder 9">

--- a/Updates/2023_12_08_SP500_MisaelMorales.pptx
+++ b/Updates/2023_12_08_SP500_MisaelMorales.pptx
@@ -5,7 +5,7 @@
     <p:sldMasterId id="2147483648" r:id="rId1"/>
   </p:sldMasterIdLst>
   <p:notesMasterIdLst>
-    <p:notesMasterId r:id="rId15"/>
+    <p:notesMasterId r:id="rId16"/>
   </p:notesMasterIdLst>
   <p:sldIdLst>
     <p:sldId id="256" r:id="rId2"/>
@@ -20,7 +20,8 @@
     <p:sldId id="265" r:id="rId11"/>
     <p:sldId id="267" r:id="rId12"/>
     <p:sldId id="266" r:id="rId13"/>
-    <p:sldId id="270" r:id="rId14"/>
+    <p:sldId id="271" r:id="rId14"/>
+    <p:sldId id="270" r:id="rId15"/>
   </p:sldIdLst>
   <p:sldSz cx="12192000" cy="6858000"/>
   <p:notesSz cx="6858000" cy="9144000"/>
@@ -7981,6 +7982,94 @@
       </p:grpSpPr>
       <p:sp>
         <p:nvSpPr>
+          <p:cNvPr id="2" name="Slide Number Placeholder 1">
+            <a:extLst>
+              <a:ext uri="{FF2B5EF4-FFF2-40B4-BE49-F238E27FC236}">
+                <a16:creationId xmlns:a16="http://schemas.microsoft.com/office/drawing/2014/main" id="{C0B4A11E-DFC1-8F2B-3C6C-A93A3B41700B}"/>
+              </a:ext>
+            </a:extLst>
+          </p:cNvPr>
+          <p:cNvSpPr>
+            <a:spLocks noGrp="1"/>
+          </p:cNvSpPr>
+          <p:nvPr>
+            <p:ph type="sldNum" sz="quarter" idx="12"/>
+          </p:nvPr>
+        </p:nvSpPr>
+        <p:spPr/>
+        <p:txBody>
+          <a:bodyPr/>
+          <a:lstStyle/>
+          <a:p>
+            <a:fld id="{AC0D4EF2-159E-40B9-9280-8D857A02F939}" type="slidenum">
+              <a:rPr lang="en-US" smtClean="0"/>
+              <a:t>13</a:t>
+            </a:fld>
+            <a:endParaRPr lang="en-US"/>
+          </a:p>
+        </p:txBody>
+      </p:sp>
+      <p:pic>
+        <p:nvPicPr>
+          <p:cNvPr id="3" name="Picture 2">
+            <a:extLst>
+              <a:ext uri="{FF2B5EF4-FFF2-40B4-BE49-F238E27FC236}">
+                <a16:creationId xmlns:a16="http://schemas.microsoft.com/office/drawing/2014/main" id="{07ED680A-DCEA-4DF8-9C8D-E1E01DCA4050}"/>
+              </a:ext>
+            </a:extLst>
+          </p:cNvPr>
+          <p:cNvPicPr>
+            <a:picLocks noChangeAspect="1"/>
+          </p:cNvPicPr>
+          <p:nvPr/>
+        </p:nvPicPr>
+        <p:blipFill rotWithShape="1">
+          <a:blip r:embed="rId2"/>
+          <a:srcRect t="31973" r="86501" b="34694"/>
+          <a:stretch/>
+        </p:blipFill>
+        <p:spPr>
+          <a:xfrm>
+            <a:off x="2159510" y="0"/>
+            <a:ext cx="4600239" cy="6789507"/>
+          </a:xfrm>
+          <a:prstGeom prst="rect">
+            <a:avLst/>
+          </a:prstGeom>
+        </p:spPr>
+      </p:pic>
+    </p:spTree>
+    <p:extLst>
+      <p:ext uri="{BB962C8B-B14F-4D97-AF65-F5344CB8AC3E}">
+        <p14:creationId xmlns:p14="http://schemas.microsoft.com/office/powerpoint/2010/main" val="4041290808"/>
+      </p:ext>
+    </p:extLst>
+  </p:cSld>
+  <p:clrMapOvr>
+    <a:masterClrMapping/>
+  </p:clrMapOvr>
+</p:sld>
+</file>
+
+<file path=ppt/slides/slide14.xml><?xml version="1.0" encoding="utf-8"?>
+<p:sld xmlns:a="http://schemas.openxmlformats.org/drawingml/2006/main" xmlns:r="http://schemas.openxmlformats.org/officeDocument/2006/relationships" xmlns:p="http://schemas.openxmlformats.org/presentationml/2006/main">
+  <p:cSld>
+    <p:spTree>
+      <p:nvGrpSpPr>
+        <p:cNvPr id="1" name=""/>
+        <p:cNvGrpSpPr/>
+        <p:nvPr/>
+      </p:nvGrpSpPr>
+      <p:grpSpPr>
+        <a:xfrm>
+          <a:off x="0" y="0"/>
+          <a:ext cx="0" cy="0"/>
+          <a:chOff x="0" y="0"/>
+          <a:chExt cx="0" cy="0"/>
+        </a:xfrm>
+      </p:grpSpPr>
+      <p:sp>
+        <p:nvSpPr>
           <p:cNvPr id="2" name="Title 1">
             <a:extLst>
               <a:ext uri="{FF2B5EF4-FFF2-40B4-BE49-F238E27FC236}">
@@ -8520,7 +8609,7 @@
           <a:p>
             <a:fld id="{AC0D4EF2-159E-40B9-9280-8D857A02F939}" type="slidenum">
               <a:rPr lang="en-US" smtClean="0"/>
-              <a:t>13</a:t>
+              <a:t>14</a:t>
             </a:fld>
             <a:endParaRPr lang="en-US"/>
           </a:p>
